--- a/Presentation.pptx
+++ b/Presentation.pptx
@@ -104,6 +104,11 @@
       </a:defRPr>
     </a:lvl9pPr>
   </p:defaultTextStyle>
+  <p:extLst>
+    <p:ext uri="{EFAFB233-063F-42B5-8137-9DF3F51BA10A}">
+      <p15:sldGuideLst xmlns:p15="http://schemas.microsoft.com/office/powerpoint/2012/main"/>
+    </p:ext>
+  </p:extLst>
 </p:presentation>
 </file>
 
@@ -256,7 +261,7 @@
           <a:p>
             <a:fld id="{B5365213-5DE7-4ABF-B32F-038634F3FF7A}" type="datetimeFigureOut">
               <a:rPr lang="pt-BR" smtClean="0"/>
-              <a:t>19/06/2018</a:t>
+              <a:t>02/07/2018</a:t>
             </a:fld>
             <a:endParaRPr lang="pt-BR"/>
           </a:p>
@@ -456,7 +461,7 @@
           <a:p>
             <a:fld id="{B5365213-5DE7-4ABF-B32F-038634F3FF7A}" type="datetimeFigureOut">
               <a:rPr lang="pt-BR" smtClean="0"/>
-              <a:t>19/06/2018</a:t>
+              <a:t>02/07/2018</a:t>
             </a:fld>
             <a:endParaRPr lang="pt-BR"/>
           </a:p>
@@ -666,7 +671,7 @@
           <a:p>
             <a:fld id="{B5365213-5DE7-4ABF-B32F-038634F3FF7A}" type="datetimeFigureOut">
               <a:rPr lang="pt-BR" smtClean="0"/>
-              <a:t>19/06/2018</a:t>
+              <a:t>02/07/2018</a:t>
             </a:fld>
             <a:endParaRPr lang="pt-BR"/>
           </a:p>
@@ -866,7 +871,7 @@
           <a:p>
             <a:fld id="{B5365213-5DE7-4ABF-B32F-038634F3FF7A}" type="datetimeFigureOut">
               <a:rPr lang="pt-BR" smtClean="0"/>
-              <a:t>19/06/2018</a:t>
+              <a:t>02/07/2018</a:t>
             </a:fld>
             <a:endParaRPr lang="pt-BR"/>
           </a:p>
@@ -1142,7 +1147,7 @@
           <a:p>
             <a:fld id="{B5365213-5DE7-4ABF-B32F-038634F3FF7A}" type="datetimeFigureOut">
               <a:rPr lang="pt-BR" smtClean="0"/>
-              <a:t>19/06/2018</a:t>
+              <a:t>02/07/2018</a:t>
             </a:fld>
             <a:endParaRPr lang="pt-BR"/>
           </a:p>
@@ -1410,7 +1415,7 @@
           <a:p>
             <a:fld id="{B5365213-5DE7-4ABF-B32F-038634F3FF7A}" type="datetimeFigureOut">
               <a:rPr lang="pt-BR" smtClean="0"/>
-              <a:t>19/06/2018</a:t>
+              <a:t>02/07/2018</a:t>
             </a:fld>
             <a:endParaRPr lang="pt-BR"/>
           </a:p>
@@ -1825,7 +1830,7 @@
           <a:p>
             <a:fld id="{B5365213-5DE7-4ABF-B32F-038634F3FF7A}" type="datetimeFigureOut">
               <a:rPr lang="pt-BR" smtClean="0"/>
-              <a:t>19/06/2018</a:t>
+              <a:t>02/07/2018</a:t>
             </a:fld>
             <a:endParaRPr lang="pt-BR"/>
           </a:p>
@@ -1967,7 +1972,7 @@
           <a:p>
             <a:fld id="{B5365213-5DE7-4ABF-B32F-038634F3FF7A}" type="datetimeFigureOut">
               <a:rPr lang="pt-BR" smtClean="0"/>
-              <a:t>19/06/2018</a:t>
+              <a:t>02/07/2018</a:t>
             </a:fld>
             <a:endParaRPr lang="pt-BR"/>
           </a:p>
@@ -2080,7 +2085,7 @@
           <a:p>
             <a:fld id="{B5365213-5DE7-4ABF-B32F-038634F3FF7A}" type="datetimeFigureOut">
               <a:rPr lang="pt-BR" smtClean="0"/>
-              <a:t>19/06/2018</a:t>
+              <a:t>02/07/2018</a:t>
             </a:fld>
             <a:endParaRPr lang="pt-BR"/>
           </a:p>
@@ -2393,7 +2398,7 @@
           <a:p>
             <a:fld id="{B5365213-5DE7-4ABF-B32F-038634F3FF7A}" type="datetimeFigureOut">
               <a:rPr lang="pt-BR" smtClean="0"/>
-              <a:t>19/06/2018</a:t>
+              <a:t>02/07/2018</a:t>
             </a:fld>
             <a:endParaRPr lang="pt-BR"/>
           </a:p>
@@ -2682,7 +2687,7 @@
           <a:p>
             <a:fld id="{B5365213-5DE7-4ABF-B32F-038634F3FF7A}" type="datetimeFigureOut">
               <a:rPr lang="pt-BR" smtClean="0"/>
-              <a:t>19/06/2018</a:t>
+              <a:t>02/07/2018</a:t>
             </a:fld>
             <a:endParaRPr lang="pt-BR"/>
           </a:p>
@@ -2925,7 +2930,7 @@
           <a:p>
             <a:fld id="{B5365213-5DE7-4ABF-B32F-038634F3FF7A}" type="datetimeFigureOut">
               <a:rPr lang="pt-BR" smtClean="0"/>
-              <a:t>19/06/2018</a:t>
+              <a:t>02/07/2018</a:t>
             </a:fld>
             <a:endParaRPr lang="pt-BR"/>
           </a:p>
@@ -3386,7 +3391,7 @@
         </p:nvSpPr>
         <p:spPr>
           <a:xfrm>
-            <a:off x="5667373" y="3000374"/>
+            <a:off x="3449567" y="2854249"/>
             <a:ext cx="1533600" cy="857237"/>
           </a:xfrm>
           <a:prstGeom prst="rect">
@@ -3438,7 +3443,7 @@
         </p:nvSpPr>
         <p:spPr>
           <a:xfrm>
-            <a:off x="5667373" y="3000270"/>
+            <a:off x="3449567" y="2854145"/>
             <a:ext cx="752477" cy="428475"/>
           </a:xfrm>
           <a:prstGeom prst="rect">
@@ -3490,7 +3495,7 @@
         </p:nvSpPr>
         <p:spPr>
           <a:xfrm>
-            <a:off x="5662646" y="3438609"/>
+            <a:off x="3444840" y="3292484"/>
             <a:ext cx="752477" cy="418755"/>
           </a:xfrm>
           <a:prstGeom prst="rect">
@@ -3542,7 +3547,7 @@
         </p:nvSpPr>
         <p:spPr>
           <a:xfrm>
-            <a:off x="6460455" y="3000270"/>
+            <a:off x="4242649" y="2854145"/>
             <a:ext cx="752477" cy="428475"/>
           </a:xfrm>
           <a:prstGeom prst="rect">
@@ -3594,7 +3599,7 @@
         </p:nvSpPr>
         <p:spPr>
           <a:xfrm>
-            <a:off x="6455728" y="3438609"/>
+            <a:off x="4237922" y="3292484"/>
             <a:ext cx="752477" cy="418755"/>
           </a:xfrm>
           <a:prstGeom prst="rect">
@@ -3651,7 +3656,7 @@
         </p:nvCxnSpPr>
         <p:spPr>
           <a:xfrm>
-            <a:off x="5667373" y="3428993"/>
+            <a:off x="3449567" y="3282868"/>
             <a:ext cx="1533600" cy="0"/>
           </a:xfrm>
           <a:prstGeom prst="line">
@@ -3692,7 +3697,7 @@
         </p:nvSpPr>
         <p:spPr>
           <a:xfrm>
-            <a:off x="6005773" y="3000375"/>
+            <a:off x="3787967" y="2854250"/>
             <a:ext cx="856800" cy="856990"/>
           </a:xfrm>
           <a:prstGeom prst="ellipse">
@@ -3762,8 +3767,400 @@
         </p:blipFill>
         <p:spPr>
           <a:xfrm>
-            <a:off x="6109916" y="3094249"/>
+            <a:off x="3892110" y="2948124"/>
             <a:ext cx="691624" cy="688617"/>
+          </a:xfrm>
+          <a:prstGeom prst="rect">
+            <a:avLst/>
+          </a:prstGeom>
+        </p:spPr>
+      </p:pic>
+      <p:sp>
+        <p:nvSpPr>
+          <p:cNvPr id="10" name="Rectangle 9">
+            <a:extLst>
+              <a:ext uri="{FF2B5EF4-FFF2-40B4-BE49-F238E27FC236}">
+                <a16:creationId xmlns:a16="http://schemas.microsoft.com/office/drawing/2014/main" id="{4A91157F-E967-4D20-81A4-9A12103D8132}"/>
+              </a:ext>
+            </a:extLst>
+          </p:cNvPr>
+          <p:cNvSpPr/>
+          <p:nvPr/>
+        </p:nvSpPr>
+        <p:spPr>
+          <a:xfrm>
+            <a:off x="5229664" y="2854600"/>
+            <a:ext cx="1533600" cy="857237"/>
+          </a:xfrm>
+          <a:prstGeom prst="rect">
+            <a:avLst/>
+          </a:prstGeom>
+          <a:solidFill>
+            <a:schemeClr val="bg1"/>
+          </a:solidFill>
+          <a:ln>
+            <a:noFill/>
+          </a:ln>
+        </p:spPr>
+        <p:style>
+          <a:lnRef idx="2">
+            <a:schemeClr val="accent1">
+              <a:shade val="50000"/>
+            </a:schemeClr>
+          </a:lnRef>
+          <a:fillRef idx="1">
+            <a:schemeClr val="accent1"/>
+          </a:fillRef>
+          <a:effectRef idx="0">
+            <a:schemeClr val="accent1"/>
+          </a:effectRef>
+          <a:fontRef idx="minor">
+            <a:schemeClr val="lt1"/>
+          </a:fontRef>
+        </p:style>
+        <p:txBody>
+          <a:bodyPr rtlCol="0" anchor="ctr"/>
+          <a:lstStyle/>
+          <a:p>
+            <a:pPr algn="ctr"/>
+            <a:endParaRPr lang="pt-BR"/>
+          </a:p>
+        </p:txBody>
+      </p:sp>
+      <p:sp>
+        <p:nvSpPr>
+          <p:cNvPr id="16" name="Rectangle 15">
+            <a:extLst>
+              <a:ext uri="{FF2B5EF4-FFF2-40B4-BE49-F238E27FC236}">
+                <a16:creationId xmlns:a16="http://schemas.microsoft.com/office/drawing/2014/main" id="{72FDA897-82AA-460C-811F-3C88FDFD6B05}"/>
+              </a:ext>
+            </a:extLst>
+          </p:cNvPr>
+          <p:cNvSpPr/>
+          <p:nvPr/>
+        </p:nvSpPr>
+        <p:spPr>
+          <a:xfrm>
+            <a:off x="5229664" y="2854496"/>
+            <a:ext cx="752477" cy="856990"/>
+          </a:xfrm>
+          <a:prstGeom prst="rect">
+            <a:avLst/>
+          </a:prstGeom>
+          <a:solidFill>
+            <a:srgbClr val="663300"/>
+          </a:solidFill>
+          <a:ln>
+            <a:noFill/>
+          </a:ln>
+        </p:spPr>
+        <p:style>
+          <a:lnRef idx="2">
+            <a:schemeClr val="accent1">
+              <a:shade val="50000"/>
+            </a:schemeClr>
+          </a:lnRef>
+          <a:fillRef idx="1">
+            <a:schemeClr val="accent1"/>
+          </a:fillRef>
+          <a:effectRef idx="0">
+            <a:schemeClr val="accent1"/>
+          </a:effectRef>
+          <a:fontRef idx="minor">
+            <a:schemeClr val="lt1"/>
+          </a:fontRef>
+        </p:style>
+        <p:txBody>
+          <a:bodyPr rtlCol="0" anchor="ctr"/>
+          <a:lstStyle/>
+          <a:p>
+            <a:pPr algn="ctr"/>
+            <a:endParaRPr lang="pt-BR"/>
+          </a:p>
+        </p:txBody>
+      </p:sp>
+      <p:sp>
+        <p:nvSpPr>
+          <p:cNvPr id="18" name="Rectangle 17">
+            <a:extLst>
+              <a:ext uri="{FF2B5EF4-FFF2-40B4-BE49-F238E27FC236}">
+                <a16:creationId xmlns:a16="http://schemas.microsoft.com/office/drawing/2014/main" id="{9915623C-9AF6-4DCA-89EF-D7C848043CA5}"/>
+              </a:ext>
+            </a:extLst>
+          </p:cNvPr>
+          <p:cNvSpPr/>
+          <p:nvPr/>
+        </p:nvSpPr>
+        <p:spPr>
+          <a:xfrm>
+            <a:off x="6022746" y="2854496"/>
+            <a:ext cx="752477" cy="856990"/>
+          </a:xfrm>
+          <a:prstGeom prst="rect">
+            <a:avLst/>
+          </a:prstGeom>
+          <a:solidFill>
+            <a:srgbClr val="002060"/>
+          </a:solidFill>
+          <a:ln>
+            <a:noFill/>
+          </a:ln>
+        </p:spPr>
+        <p:style>
+          <a:lnRef idx="2">
+            <a:schemeClr val="accent1">
+              <a:shade val="50000"/>
+            </a:schemeClr>
+          </a:lnRef>
+          <a:fillRef idx="1">
+            <a:schemeClr val="accent1"/>
+          </a:fillRef>
+          <a:effectRef idx="0">
+            <a:schemeClr val="accent1"/>
+          </a:effectRef>
+          <a:fontRef idx="minor">
+            <a:schemeClr val="lt1"/>
+          </a:fontRef>
+        </p:style>
+        <p:txBody>
+          <a:bodyPr rtlCol="0" anchor="ctr"/>
+          <a:lstStyle/>
+          <a:p>
+            <a:pPr algn="ctr"/>
+            <a:endParaRPr lang="pt-BR"/>
+          </a:p>
+        </p:txBody>
+      </p:sp>
+      <p:sp>
+        <p:nvSpPr>
+          <p:cNvPr id="22" name="Oval 21">
+            <a:extLst>
+              <a:ext uri="{FF2B5EF4-FFF2-40B4-BE49-F238E27FC236}">
+                <a16:creationId xmlns:a16="http://schemas.microsoft.com/office/drawing/2014/main" id="{943AA8F6-DFB2-4FC8-A841-A96C0185AF00}"/>
+              </a:ext>
+            </a:extLst>
+          </p:cNvPr>
+          <p:cNvSpPr/>
+          <p:nvPr/>
+        </p:nvSpPr>
+        <p:spPr>
+          <a:xfrm>
+            <a:off x="5568064" y="2854601"/>
+            <a:ext cx="856800" cy="856990"/>
+          </a:xfrm>
+          <a:prstGeom prst="ellipse">
+            <a:avLst/>
+          </a:prstGeom>
+          <a:solidFill>
+            <a:srgbClr val="9DC3E6"/>
+          </a:solidFill>
+          <a:ln>
+            <a:solidFill>
+              <a:schemeClr val="tx1"/>
+            </a:solidFill>
+          </a:ln>
+        </p:spPr>
+        <p:style>
+          <a:lnRef idx="2">
+            <a:schemeClr val="accent1">
+              <a:shade val="50000"/>
+            </a:schemeClr>
+          </a:lnRef>
+          <a:fillRef idx="1">
+            <a:schemeClr val="accent1"/>
+          </a:fillRef>
+          <a:effectRef idx="0">
+            <a:schemeClr val="accent1"/>
+          </a:effectRef>
+          <a:fontRef idx="minor">
+            <a:schemeClr val="lt1"/>
+          </a:fontRef>
+        </p:style>
+        <p:txBody>
+          <a:bodyPr rtlCol="0" anchor="ctr"/>
+          <a:lstStyle/>
+          <a:p>
+            <a:pPr algn="ctr"/>
+            <a:endParaRPr lang="pt-BR"/>
+          </a:p>
+        </p:txBody>
+      </p:sp>
+      <p:sp>
+        <p:nvSpPr>
+          <p:cNvPr id="24" name="Rectangle 23">
+            <a:extLst>
+              <a:ext uri="{FF2B5EF4-FFF2-40B4-BE49-F238E27FC236}">
+                <a16:creationId xmlns:a16="http://schemas.microsoft.com/office/drawing/2014/main" id="{F0237E62-A648-42A1-A120-974902F747A1}"/>
+              </a:ext>
+            </a:extLst>
+          </p:cNvPr>
+          <p:cNvSpPr/>
+          <p:nvPr/>
+        </p:nvSpPr>
+        <p:spPr>
+          <a:xfrm>
+            <a:off x="1681429" y="2863865"/>
+            <a:ext cx="1533600" cy="857237"/>
+          </a:xfrm>
+          <a:prstGeom prst="rect">
+            <a:avLst/>
+          </a:prstGeom>
+          <a:pattFill prst="shingle">
+            <a:fgClr>
+              <a:schemeClr val="tx1"/>
+            </a:fgClr>
+            <a:bgClr>
+              <a:srgbClr val="002060"/>
+            </a:bgClr>
+          </a:pattFill>
+          <a:ln>
+            <a:noFill/>
+          </a:ln>
+        </p:spPr>
+        <p:style>
+          <a:lnRef idx="2">
+            <a:schemeClr val="accent1">
+              <a:shade val="50000"/>
+            </a:schemeClr>
+          </a:lnRef>
+          <a:fillRef idx="1">
+            <a:schemeClr val="accent1"/>
+          </a:fillRef>
+          <a:effectRef idx="0">
+            <a:schemeClr val="accent1"/>
+          </a:effectRef>
+          <a:fontRef idx="minor">
+            <a:schemeClr val="lt1"/>
+          </a:fontRef>
+        </p:style>
+        <p:txBody>
+          <a:bodyPr rtlCol="0" anchor="ctr"/>
+          <a:lstStyle/>
+          <a:p>
+            <a:pPr algn="ctr"/>
+            <a:endParaRPr lang="pt-BR"/>
+          </a:p>
+        </p:txBody>
+      </p:sp>
+      <p:pic>
+        <p:nvPicPr>
+          <p:cNvPr id="3" name="Picture 2">
+            <a:extLst>
+              <a:ext uri="{FF2B5EF4-FFF2-40B4-BE49-F238E27FC236}">
+                <a16:creationId xmlns:a16="http://schemas.microsoft.com/office/drawing/2014/main" id="{31BEF803-407E-4CF4-8785-A5C668664F5B}"/>
+              </a:ext>
+            </a:extLst>
+          </p:cNvPr>
+          <p:cNvPicPr>
+            <a:picLocks noChangeAspect="1"/>
+          </p:cNvPicPr>
+          <p:nvPr/>
+        </p:nvPicPr>
+        <p:blipFill>
+          <a:blip r:embed="rId3">
+            <a:extLst>
+              <a:ext uri="{BEBA8EAE-BF5A-486C-A8C5-ECC9F3942E4B}">
+                <a14:imgProps xmlns:a14="http://schemas.microsoft.com/office/drawing/2010/main">
+                  <a14:imgLayer r:embed="rId4">
+                    <a14:imgEffect>
+                      <a14:colorTemperature colorTemp="4700"/>
+                    </a14:imgEffect>
+                    <a14:imgEffect>
+                      <a14:saturation sat="200000"/>
+                    </a14:imgEffect>
+                    <a14:imgEffect>
+                      <a14:brightnessContrast bright="-20000" contrast="40000"/>
+                    </a14:imgEffect>
+                  </a14:imgLayer>
+                </a14:imgProps>
+              </a:ext>
+            </a:extLst>
+          </a:blip>
+          <a:stretch>
+            <a:fillRect/>
+          </a:stretch>
+        </p:blipFill>
+        <p:spPr>
+          <a:xfrm>
+            <a:off x="5654942" y="2938950"/>
+            <a:ext cx="695004" cy="688908"/>
+          </a:xfrm>
+          <a:prstGeom prst="rect">
+            <a:avLst/>
+          </a:prstGeom>
+        </p:spPr>
+      </p:pic>
+      <p:pic>
+        <p:nvPicPr>
+          <p:cNvPr id="4" name="Picture 3">
+            <a:extLst>
+              <a:ext uri="{FF2B5EF4-FFF2-40B4-BE49-F238E27FC236}">
+                <a16:creationId xmlns:a16="http://schemas.microsoft.com/office/drawing/2014/main" id="{5CB5586A-3604-46CB-A2EF-FCEBCE253DC0}"/>
+              </a:ext>
+            </a:extLst>
+          </p:cNvPr>
+          <p:cNvPicPr>
+            <a:picLocks noChangeAspect="1"/>
+          </p:cNvPicPr>
+          <p:nvPr/>
+        </p:nvPicPr>
+        <p:blipFill rotWithShape="1">
+          <a:blip r:embed="rId5"/>
+          <a:srcRect l="38054"/>
+          <a:stretch/>
+        </p:blipFill>
+        <p:spPr>
+          <a:xfrm>
+            <a:off x="1681428" y="2863865"/>
+            <a:ext cx="540045" cy="857237"/>
+          </a:xfrm>
+          <a:prstGeom prst="rect">
+            <a:avLst/>
+          </a:prstGeom>
+        </p:spPr>
+      </p:pic>
+      <p:pic>
+        <p:nvPicPr>
+          <p:cNvPr id="5" name="Picture 4">
+            <a:extLst>
+              <a:ext uri="{FF2B5EF4-FFF2-40B4-BE49-F238E27FC236}">
+                <a16:creationId xmlns:a16="http://schemas.microsoft.com/office/drawing/2014/main" id="{611597A7-538F-47C0-99B6-01B3C68B947A}"/>
+              </a:ext>
+            </a:extLst>
+          </p:cNvPr>
+          <p:cNvPicPr>
+            <a:picLocks noChangeAspect="1"/>
+          </p:cNvPicPr>
+          <p:nvPr/>
+        </p:nvPicPr>
+        <p:blipFill>
+          <a:blip r:embed="rId6">
+            <a:extLst>
+              <a:ext uri="{BEBA8EAE-BF5A-486C-A8C5-ECC9F3942E4B}">
+                <a14:imgProps xmlns:a14="http://schemas.microsoft.com/office/drawing/2010/main">
+                  <a14:imgLayer r:embed="rId7">
+                    <a14:imgEffect>
+                      <a14:sharpenSoften amount="50000"/>
+                    </a14:imgEffect>
+                    <a14:imgEffect>
+                      <a14:colorTemperature colorTemp="4700"/>
+                    </a14:imgEffect>
+                    <a14:imgEffect>
+                      <a14:brightnessContrast bright="-20000" contrast="40000"/>
+                    </a14:imgEffect>
+                  </a14:imgLayer>
+                </a14:imgProps>
+              </a:ext>
+            </a:extLst>
+          </a:blip>
+          <a:stretch>
+            <a:fillRect/>
+          </a:stretch>
+        </p:blipFill>
+        <p:spPr>
+          <a:xfrm>
+            <a:off x="1625560" y="3005895"/>
+            <a:ext cx="579170" cy="573074"/>
           </a:xfrm>
           <a:prstGeom prst="rect">
             <a:avLst/>

--- a/Presentation.pptx
+++ b/Presentation.pptx
@@ -6,6 +6,8 @@
   </p:sldMasterIdLst>
   <p:sldIdLst>
     <p:sldId id="256" r:id="rId2"/>
+    <p:sldId id="257" r:id="rId3"/>
+    <p:sldId id="258" r:id="rId4"/>
   </p:sldIdLst>
   <p:sldSz cx="12192000" cy="6858000"/>
   <p:notesSz cx="6858000" cy="9144000"/>
@@ -261,7 +263,7 @@
           <a:p>
             <a:fld id="{B5365213-5DE7-4ABF-B32F-038634F3FF7A}" type="datetimeFigureOut">
               <a:rPr lang="pt-BR" smtClean="0"/>
-              <a:t>02/07/2018</a:t>
+              <a:t>04/07/2018</a:t>
             </a:fld>
             <a:endParaRPr lang="pt-BR"/>
           </a:p>
@@ -461,7 +463,7 @@
           <a:p>
             <a:fld id="{B5365213-5DE7-4ABF-B32F-038634F3FF7A}" type="datetimeFigureOut">
               <a:rPr lang="pt-BR" smtClean="0"/>
-              <a:t>02/07/2018</a:t>
+              <a:t>04/07/2018</a:t>
             </a:fld>
             <a:endParaRPr lang="pt-BR"/>
           </a:p>
@@ -671,7 +673,7 @@
           <a:p>
             <a:fld id="{B5365213-5DE7-4ABF-B32F-038634F3FF7A}" type="datetimeFigureOut">
               <a:rPr lang="pt-BR" smtClean="0"/>
-              <a:t>02/07/2018</a:t>
+              <a:t>04/07/2018</a:t>
             </a:fld>
             <a:endParaRPr lang="pt-BR"/>
           </a:p>
@@ -871,7 +873,7 @@
           <a:p>
             <a:fld id="{B5365213-5DE7-4ABF-B32F-038634F3FF7A}" type="datetimeFigureOut">
               <a:rPr lang="pt-BR" smtClean="0"/>
-              <a:t>02/07/2018</a:t>
+              <a:t>04/07/2018</a:t>
             </a:fld>
             <a:endParaRPr lang="pt-BR"/>
           </a:p>
@@ -1147,7 +1149,7 @@
           <a:p>
             <a:fld id="{B5365213-5DE7-4ABF-B32F-038634F3FF7A}" type="datetimeFigureOut">
               <a:rPr lang="pt-BR" smtClean="0"/>
-              <a:t>02/07/2018</a:t>
+              <a:t>04/07/2018</a:t>
             </a:fld>
             <a:endParaRPr lang="pt-BR"/>
           </a:p>
@@ -1415,7 +1417,7 @@
           <a:p>
             <a:fld id="{B5365213-5DE7-4ABF-B32F-038634F3FF7A}" type="datetimeFigureOut">
               <a:rPr lang="pt-BR" smtClean="0"/>
-              <a:t>02/07/2018</a:t>
+              <a:t>04/07/2018</a:t>
             </a:fld>
             <a:endParaRPr lang="pt-BR"/>
           </a:p>
@@ -1830,7 +1832,7 @@
           <a:p>
             <a:fld id="{B5365213-5DE7-4ABF-B32F-038634F3FF7A}" type="datetimeFigureOut">
               <a:rPr lang="pt-BR" smtClean="0"/>
-              <a:t>02/07/2018</a:t>
+              <a:t>04/07/2018</a:t>
             </a:fld>
             <a:endParaRPr lang="pt-BR"/>
           </a:p>
@@ -1972,7 +1974,7 @@
           <a:p>
             <a:fld id="{B5365213-5DE7-4ABF-B32F-038634F3FF7A}" type="datetimeFigureOut">
               <a:rPr lang="pt-BR" smtClean="0"/>
-              <a:t>02/07/2018</a:t>
+              <a:t>04/07/2018</a:t>
             </a:fld>
             <a:endParaRPr lang="pt-BR"/>
           </a:p>
@@ -2085,7 +2087,7 @@
           <a:p>
             <a:fld id="{B5365213-5DE7-4ABF-B32F-038634F3FF7A}" type="datetimeFigureOut">
               <a:rPr lang="pt-BR" smtClean="0"/>
-              <a:t>02/07/2018</a:t>
+              <a:t>04/07/2018</a:t>
             </a:fld>
             <a:endParaRPr lang="pt-BR"/>
           </a:p>
@@ -2398,7 +2400,7 @@
           <a:p>
             <a:fld id="{B5365213-5DE7-4ABF-B32F-038634F3FF7A}" type="datetimeFigureOut">
               <a:rPr lang="pt-BR" smtClean="0"/>
-              <a:t>02/07/2018</a:t>
+              <a:t>04/07/2018</a:t>
             </a:fld>
             <a:endParaRPr lang="pt-BR"/>
           </a:p>
@@ -2687,7 +2689,7 @@
           <a:p>
             <a:fld id="{B5365213-5DE7-4ABF-B32F-038634F3FF7A}" type="datetimeFigureOut">
               <a:rPr lang="pt-BR" smtClean="0"/>
-              <a:t>02/07/2018</a:t>
+              <a:t>04/07/2018</a:t>
             </a:fld>
             <a:endParaRPr lang="pt-BR"/>
           </a:p>
@@ -2930,7 +2932,7 @@
           <a:p>
             <a:fld id="{B5365213-5DE7-4ABF-B32F-038634F3FF7A}" type="datetimeFigureOut">
               <a:rPr lang="pt-BR" smtClean="0"/>
-              <a:t>02/07/2018</a:t>
+              <a:t>04/07/2018</a:t>
             </a:fld>
             <a:endParaRPr lang="pt-BR"/>
           </a:p>
@@ -4180,6 +4182,2957 @@
 </p:sld>
 </file>
 
+<file path=ppt/slides/slide2.xml><?xml version="1.0" encoding="utf-8"?>
+<p:sld xmlns:a="http://schemas.openxmlformats.org/drawingml/2006/main" xmlns:r="http://schemas.openxmlformats.org/officeDocument/2006/relationships" xmlns:p="http://schemas.openxmlformats.org/presentationml/2006/main">
+  <p:cSld>
+    <p:spTree>
+      <p:nvGrpSpPr>
+        <p:cNvPr id="1" name=""/>
+        <p:cNvGrpSpPr/>
+        <p:nvPr/>
+      </p:nvGrpSpPr>
+      <p:grpSpPr>
+        <a:xfrm>
+          <a:off x="0" y="0"/>
+          <a:ext cx="0" cy="0"/>
+          <a:chOff x="0" y="0"/>
+          <a:chExt cx="0" cy="0"/>
+        </a:xfrm>
+      </p:grpSpPr>
+      <p:sp>
+        <p:nvSpPr>
+          <p:cNvPr id="4" name="Oval 3">
+            <a:extLst>
+              <a:ext uri="{FF2B5EF4-FFF2-40B4-BE49-F238E27FC236}">
+                <a16:creationId xmlns:a16="http://schemas.microsoft.com/office/drawing/2014/main" id="{C4F40F6B-7730-401D-9D4D-6307321F4224}"/>
+              </a:ext>
+            </a:extLst>
+          </p:cNvPr>
+          <p:cNvSpPr/>
+          <p:nvPr/>
+        </p:nvSpPr>
+        <p:spPr>
+          <a:xfrm>
+            <a:off x="3139189" y="2902226"/>
+            <a:ext cx="856800" cy="856990"/>
+          </a:xfrm>
+          <a:prstGeom prst="ellipse">
+            <a:avLst/>
+          </a:prstGeom>
+          <a:blipFill>
+            <a:blip r:embed="rId2"/>
+            <a:stretch>
+              <a:fillRect/>
+            </a:stretch>
+          </a:blipFill>
+          <a:ln w="25400">
+            <a:solidFill>
+              <a:schemeClr val="tx1"/>
+            </a:solidFill>
+          </a:ln>
+          <a:effectLst>
+            <a:glow rad="63500">
+              <a:schemeClr val="accent5">
+                <a:satMod val="175000"/>
+              </a:schemeClr>
+            </a:glow>
+            <a:outerShdw blurRad="63500" sx="102000" sy="102000" algn="ctr" rotWithShape="0">
+              <a:prstClr val="black">
+                <a:alpha val="40000"/>
+              </a:prstClr>
+            </a:outerShdw>
+          </a:effectLst>
+        </p:spPr>
+        <p:style>
+          <a:lnRef idx="2">
+            <a:schemeClr val="accent1">
+              <a:shade val="50000"/>
+            </a:schemeClr>
+          </a:lnRef>
+          <a:fillRef idx="1">
+            <a:schemeClr val="accent1"/>
+          </a:fillRef>
+          <a:effectRef idx="0">
+            <a:schemeClr val="accent1"/>
+          </a:effectRef>
+          <a:fontRef idx="minor">
+            <a:schemeClr val="lt1"/>
+          </a:fontRef>
+        </p:style>
+        <p:txBody>
+          <a:bodyPr rtlCol="0" anchor="ctr"/>
+          <a:lstStyle/>
+          <a:p>
+            <a:pPr algn="ctr"/>
+            <a:endParaRPr lang="pt-BR"/>
+          </a:p>
+        </p:txBody>
+      </p:sp>
+      <p:pic>
+        <p:nvPicPr>
+          <p:cNvPr id="5" name="Picture 4">
+            <a:extLst>
+              <a:ext uri="{FF2B5EF4-FFF2-40B4-BE49-F238E27FC236}">
+                <a16:creationId xmlns:a16="http://schemas.microsoft.com/office/drawing/2014/main" id="{A67B73E8-7EB9-4C29-89FE-8363F65ED98C}"/>
+              </a:ext>
+            </a:extLst>
+          </p:cNvPr>
+          <p:cNvPicPr>
+            <a:picLocks noChangeAspect="1"/>
+          </p:cNvPicPr>
+          <p:nvPr/>
+        </p:nvPicPr>
+        <p:blipFill>
+          <a:blip r:embed="rId3">
+            <a:extLst>
+              <a:ext uri="{BEBA8EAE-BF5A-486C-A8C5-ECC9F3942E4B}">
+                <a14:imgProps xmlns:a14="http://schemas.microsoft.com/office/drawing/2010/main">
+                  <a14:imgLayer r:embed="rId4">
+                    <a14:imgEffect>
+                      <a14:colorTemperature colorTemp="4700"/>
+                    </a14:imgEffect>
+                    <a14:imgEffect>
+                      <a14:saturation sat="200000"/>
+                    </a14:imgEffect>
+                    <a14:imgEffect>
+                      <a14:brightnessContrast bright="-20000" contrast="40000"/>
+                    </a14:imgEffect>
+                  </a14:imgLayer>
+                </a14:imgProps>
+              </a:ext>
+            </a:extLst>
+          </a:blip>
+          <a:stretch>
+            <a:fillRect/>
+          </a:stretch>
+        </p:blipFill>
+        <p:spPr>
+          <a:xfrm>
+            <a:off x="3226067" y="2986575"/>
+            <a:ext cx="695004" cy="688908"/>
+          </a:xfrm>
+          <a:prstGeom prst="rect">
+            <a:avLst/>
+          </a:prstGeom>
+          <a:effectLst>
+            <a:glow rad="88900">
+              <a:srgbClr val="1FE11F"/>
+            </a:glow>
+          </a:effectLst>
+        </p:spPr>
+      </p:pic>
+    </p:spTree>
+    <p:extLst>
+      <p:ext uri="{BB962C8B-B14F-4D97-AF65-F5344CB8AC3E}">
+        <p14:creationId xmlns:p14="http://schemas.microsoft.com/office/powerpoint/2010/main" val="3155685252"/>
+      </p:ext>
+    </p:extLst>
+  </p:cSld>
+  <p:clrMapOvr>
+    <a:masterClrMapping/>
+  </p:clrMapOvr>
+</p:sld>
+</file>
+
+<file path=ppt/slides/slide3.xml><?xml version="1.0" encoding="utf-8"?>
+<p:sld xmlns:a="http://schemas.openxmlformats.org/drawingml/2006/main" xmlns:r="http://schemas.openxmlformats.org/officeDocument/2006/relationships" xmlns:p="http://schemas.openxmlformats.org/presentationml/2006/main">
+  <p:cSld>
+    <p:spTree>
+      <p:nvGrpSpPr>
+        <p:cNvPr id="1" name=""/>
+        <p:cNvGrpSpPr/>
+        <p:nvPr/>
+      </p:nvGrpSpPr>
+      <p:grpSpPr>
+        <a:xfrm>
+          <a:off x="0" y="0"/>
+          <a:ext cx="0" cy="0"/>
+          <a:chOff x="0" y="0"/>
+          <a:chExt cx="0" cy="0"/>
+        </a:xfrm>
+      </p:grpSpPr>
+      <p:sp>
+        <p:nvSpPr>
+          <p:cNvPr id="5" name="Oval 4">
+            <a:extLst>
+              <a:ext uri="{FF2B5EF4-FFF2-40B4-BE49-F238E27FC236}">
+                <a16:creationId xmlns:a16="http://schemas.microsoft.com/office/drawing/2014/main" id="{CA22C649-6A61-4150-93C3-FB861A3C534E}"/>
+              </a:ext>
+            </a:extLst>
+          </p:cNvPr>
+          <p:cNvSpPr/>
+          <p:nvPr/>
+        </p:nvSpPr>
+        <p:spPr>
+          <a:xfrm>
+            <a:off x="4111150" y="2325418"/>
+            <a:ext cx="2182078" cy="2074249"/>
+          </a:xfrm>
+          <a:custGeom>
+            <a:avLst/>
+            <a:gdLst>
+              <a:gd name="connsiteX0" fmla="*/ 0 w 1476375"/>
+              <a:gd name="connsiteY0" fmla="*/ 909638 h 1819275"/>
+              <a:gd name="connsiteX1" fmla="*/ 738188 w 1476375"/>
+              <a:gd name="connsiteY1" fmla="*/ 0 h 1819275"/>
+              <a:gd name="connsiteX2" fmla="*/ 1476376 w 1476375"/>
+              <a:gd name="connsiteY2" fmla="*/ 909638 h 1819275"/>
+              <a:gd name="connsiteX3" fmla="*/ 738188 w 1476375"/>
+              <a:gd name="connsiteY3" fmla="*/ 1819276 h 1819275"/>
+              <a:gd name="connsiteX4" fmla="*/ 0 w 1476375"/>
+              <a:gd name="connsiteY4" fmla="*/ 909638 h 1819275"/>
+              <a:gd name="connsiteX0" fmla="*/ 0 w 1476376"/>
+              <a:gd name="connsiteY0" fmla="*/ 909638 h 1819276"/>
+              <a:gd name="connsiteX1" fmla="*/ 738188 w 1476376"/>
+              <a:gd name="connsiteY1" fmla="*/ 0 h 1819276"/>
+              <a:gd name="connsiteX2" fmla="*/ 1476376 w 1476376"/>
+              <a:gd name="connsiteY2" fmla="*/ 909638 h 1819276"/>
+              <a:gd name="connsiteX3" fmla="*/ 738188 w 1476376"/>
+              <a:gd name="connsiteY3" fmla="*/ 1819276 h 1819276"/>
+              <a:gd name="connsiteX4" fmla="*/ 0 w 1476376"/>
+              <a:gd name="connsiteY4" fmla="*/ 909638 h 1819276"/>
+              <a:gd name="connsiteX0" fmla="*/ 26224 w 1502600"/>
+              <a:gd name="connsiteY0" fmla="*/ 909638 h 1819387"/>
+              <a:gd name="connsiteX1" fmla="*/ 764412 w 1502600"/>
+              <a:gd name="connsiteY1" fmla="*/ 0 h 1819387"/>
+              <a:gd name="connsiteX2" fmla="*/ 1502600 w 1502600"/>
+              <a:gd name="connsiteY2" fmla="*/ 909638 h 1819387"/>
+              <a:gd name="connsiteX3" fmla="*/ 764412 w 1502600"/>
+              <a:gd name="connsiteY3" fmla="*/ 1819276 h 1819387"/>
+              <a:gd name="connsiteX4" fmla="*/ 26224 w 1502600"/>
+              <a:gd name="connsiteY4" fmla="*/ 909638 h 1819387"/>
+              <a:gd name="connsiteX0" fmla="*/ 26250 w 1526782"/>
+              <a:gd name="connsiteY0" fmla="*/ 909638 h 1819496"/>
+              <a:gd name="connsiteX1" fmla="*/ 764438 w 1526782"/>
+              <a:gd name="connsiteY1" fmla="*/ 0 h 1819496"/>
+              <a:gd name="connsiteX2" fmla="*/ 1502626 w 1526782"/>
+              <a:gd name="connsiteY2" fmla="*/ 909638 h 1819496"/>
+              <a:gd name="connsiteX3" fmla="*/ 764438 w 1526782"/>
+              <a:gd name="connsiteY3" fmla="*/ 1819276 h 1819496"/>
+              <a:gd name="connsiteX4" fmla="*/ 26250 w 1526782"/>
+              <a:gd name="connsiteY4" fmla="*/ 909638 h 1819496"/>
+              <a:gd name="connsiteX0" fmla="*/ 26250 w 1533270"/>
+              <a:gd name="connsiteY0" fmla="*/ 935114 h 1844972"/>
+              <a:gd name="connsiteX1" fmla="*/ 764438 w 1533270"/>
+              <a:gd name="connsiteY1" fmla="*/ 25476 h 1844972"/>
+              <a:gd name="connsiteX2" fmla="*/ 1331174 w 1533270"/>
+              <a:gd name="connsiteY2" fmla="*/ 311224 h 1844972"/>
+              <a:gd name="connsiteX3" fmla="*/ 1502626 w 1533270"/>
+              <a:gd name="connsiteY3" fmla="*/ 935114 h 1844972"/>
+              <a:gd name="connsiteX4" fmla="*/ 764438 w 1533270"/>
+              <a:gd name="connsiteY4" fmla="*/ 1844752 h 1844972"/>
+              <a:gd name="connsiteX5" fmla="*/ 26250 w 1533270"/>
+              <a:gd name="connsiteY5" fmla="*/ 935114 h 1844972"/>
+              <a:gd name="connsiteX0" fmla="*/ 26250 w 1870237"/>
+              <a:gd name="connsiteY0" fmla="*/ 937824 h 1847682"/>
+              <a:gd name="connsiteX1" fmla="*/ 764438 w 1870237"/>
+              <a:gd name="connsiteY1" fmla="*/ 28186 h 1847682"/>
+              <a:gd name="connsiteX2" fmla="*/ 1845524 w 1870237"/>
+              <a:gd name="connsiteY2" fmla="*/ 294884 h 1847682"/>
+              <a:gd name="connsiteX3" fmla="*/ 1502626 w 1870237"/>
+              <a:gd name="connsiteY3" fmla="*/ 937824 h 1847682"/>
+              <a:gd name="connsiteX4" fmla="*/ 764438 w 1870237"/>
+              <a:gd name="connsiteY4" fmla="*/ 1847462 h 1847682"/>
+              <a:gd name="connsiteX5" fmla="*/ 26250 w 1870237"/>
+              <a:gd name="connsiteY5" fmla="*/ 937824 h 1847682"/>
+              <a:gd name="connsiteX0" fmla="*/ 0 w 1839107"/>
+              <a:gd name="connsiteY0" fmla="*/ 937824 h 1849239"/>
+              <a:gd name="connsiteX1" fmla="*/ 738188 w 1839107"/>
+              <a:gd name="connsiteY1" fmla="*/ 28186 h 1849239"/>
+              <a:gd name="connsiteX2" fmla="*/ 1819274 w 1839107"/>
+              <a:gd name="connsiteY2" fmla="*/ 294884 h 1849239"/>
+              <a:gd name="connsiteX3" fmla="*/ 1362076 w 1839107"/>
+              <a:gd name="connsiteY3" fmla="*/ 737799 h 1849239"/>
+              <a:gd name="connsiteX4" fmla="*/ 738188 w 1839107"/>
+              <a:gd name="connsiteY4" fmla="*/ 1847462 h 1849239"/>
+              <a:gd name="connsiteX5" fmla="*/ 0 w 1839107"/>
+              <a:gd name="connsiteY5" fmla="*/ 937824 h 1849239"/>
+              <a:gd name="connsiteX0" fmla="*/ 0 w 1839107"/>
+              <a:gd name="connsiteY0" fmla="*/ 937824 h 1857543"/>
+              <a:gd name="connsiteX1" fmla="*/ 738188 w 1839107"/>
+              <a:gd name="connsiteY1" fmla="*/ 28186 h 1857543"/>
+              <a:gd name="connsiteX2" fmla="*/ 1819274 w 1839107"/>
+              <a:gd name="connsiteY2" fmla="*/ 294884 h 1857543"/>
+              <a:gd name="connsiteX3" fmla="*/ 1362076 w 1839107"/>
+              <a:gd name="connsiteY3" fmla="*/ 737799 h 1857543"/>
+              <a:gd name="connsiteX4" fmla="*/ 738188 w 1839107"/>
+              <a:gd name="connsiteY4" fmla="*/ 1847462 h 1857543"/>
+              <a:gd name="connsiteX5" fmla="*/ 0 w 1839107"/>
+              <a:gd name="connsiteY5" fmla="*/ 937824 h 1857543"/>
+              <a:gd name="connsiteX0" fmla="*/ 50280 w 1889387"/>
+              <a:gd name="connsiteY0" fmla="*/ 915139 h 1834858"/>
+              <a:gd name="connsiteX1" fmla="*/ 145529 w 1889387"/>
+              <a:gd name="connsiteY1" fmla="*/ 491274 h 1834858"/>
+              <a:gd name="connsiteX2" fmla="*/ 788468 w 1889387"/>
+              <a:gd name="connsiteY2" fmla="*/ 5501 h 1834858"/>
+              <a:gd name="connsiteX3" fmla="*/ 1869554 w 1889387"/>
+              <a:gd name="connsiteY3" fmla="*/ 272199 h 1834858"/>
+              <a:gd name="connsiteX4" fmla="*/ 1412356 w 1889387"/>
+              <a:gd name="connsiteY4" fmla="*/ 715114 h 1834858"/>
+              <a:gd name="connsiteX5" fmla="*/ 788468 w 1889387"/>
+              <a:gd name="connsiteY5" fmla="*/ 1824777 h 1834858"/>
+              <a:gd name="connsiteX6" fmla="*/ 50280 w 1889387"/>
+              <a:gd name="connsiteY6" fmla="*/ 915139 h 1834858"/>
+              <a:gd name="connsiteX0" fmla="*/ 50280 w 1889387"/>
+              <a:gd name="connsiteY0" fmla="*/ 915139 h 1834858"/>
+              <a:gd name="connsiteX1" fmla="*/ 145529 w 1889387"/>
+              <a:gd name="connsiteY1" fmla="*/ 491274 h 1834858"/>
+              <a:gd name="connsiteX2" fmla="*/ 788468 w 1889387"/>
+              <a:gd name="connsiteY2" fmla="*/ 5501 h 1834858"/>
+              <a:gd name="connsiteX3" fmla="*/ 1869554 w 1889387"/>
+              <a:gd name="connsiteY3" fmla="*/ 272199 h 1834858"/>
+              <a:gd name="connsiteX4" fmla="*/ 1412356 w 1889387"/>
+              <a:gd name="connsiteY4" fmla="*/ 715114 h 1834858"/>
+              <a:gd name="connsiteX5" fmla="*/ 788468 w 1889387"/>
+              <a:gd name="connsiteY5" fmla="*/ 1824777 h 1834858"/>
+              <a:gd name="connsiteX6" fmla="*/ 50280 w 1889387"/>
+              <a:gd name="connsiteY6" fmla="*/ 915139 h 1834858"/>
+              <a:gd name="connsiteX0" fmla="*/ 372735 w 2211842"/>
+              <a:gd name="connsiteY0" fmla="*/ 909877 h 1829596"/>
+              <a:gd name="connsiteX1" fmla="*/ 29834 w 2211842"/>
+              <a:gd name="connsiteY1" fmla="*/ 305037 h 1829596"/>
+              <a:gd name="connsiteX2" fmla="*/ 1110923 w 2211842"/>
+              <a:gd name="connsiteY2" fmla="*/ 239 h 1829596"/>
+              <a:gd name="connsiteX3" fmla="*/ 2192009 w 2211842"/>
+              <a:gd name="connsiteY3" fmla="*/ 266937 h 1829596"/>
+              <a:gd name="connsiteX4" fmla="*/ 1734811 w 2211842"/>
+              <a:gd name="connsiteY4" fmla="*/ 709852 h 1829596"/>
+              <a:gd name="connsiteX5" fmla="*/ 1110923 w 2211842"/>
+              <a:gd name="connsiteY5" fmla="*/ 1819515 h 1829596"/>
+              <a:gd name="connsiteX6" fmla="*/ 372735 w 2211842"/>
+              <a:gd name="connsiteY6" fmla="*/ 909877 h 1829596"/>
+              <a:gd name="connsiteX0" fmla="*/ 655126 w 2198958"/>
+              <a:gd name="connsiteY0" fmla="*/ 862252 h 1833070"/>
+              <a:gd name="connsiteX1" fmla="*/ 16950 w 2198958"/>
+              <a:gd name="connsiteY1" fmla="*/ 305037 h 1833070"/>
+              <a:gd name="connsiteX2" fmla="*/ 1098039 w 2198958"/>
+              <a:gd name="connsiteY2" fmla="*/ 239 h 1833070"/>
+              <a:gd name="connsiteX3" fmla="*/ 2179125 w 2198958"/>
+              <a:gd name="connsiteY3" fmla="*/ 266937 h 1833070"/>
+              <a:gd name="connsiteX4" fmla="*/ 1721927 w 2198958"/>
+              <a:gd name="connsiteY4" fmla="*/ 709852 h 1833070"/>
+              <a:gd name="connsiteX5" fmla="*/ 1098039 w 2198958"/>
+              <a:gd name="connsiteY5" fmla="*/ 1819515 h 1833070"/>
+              <a:gd name="connsiteX6" fmla="*/ 655126 w 2198958"/>
+              <a:gd name="connsiteY6" fmla="*/ 862252 h 1833070"/>
+              <a:gd name="connsiteX0" fmla="*/ 655844 w 2199676"/>
+              <a:gd name="connsiteY0" fmla="*/ 862252 h 1833070"/>
+              <a:gd name="connsiteX1" fmla="*/ 17668 w 2199676"/>
+              <a:gd name="connsiteY1" fmla="*/ 305037 h 1833070"/>
+              <a:gd name="connsiteX2" fmla="*/ 1098757 w 2199676"/>
+              <a:gd name="connsiteY2" fmla="*/ 239 h 1833070"/>
+              <a:gd name="connsiteX3" fmla="*/ 2179843 w 2199676"/>
+              <a:gd name="connsiteY3" fmla="*/ 266937 h 1833070"/>
+              <a:gd name="connsiteX4" fmla="*/ 1722645 w 2199676"/>
+              <a:gd name="connsiteY4" fmla="*/ 709852 h 1833070"/>
+              <a:gd name="connsiteX5" fmla="*/ 1098757 w 2199676"/>
+              <a:gd name="connsiteY5" fmla="*/ 1819515 h 1833070"/>
+              <a:gd name="connsiteX6" fmla="*/ 655844 w 2199676"/>
+              <a:gd name="connsiteY6" fmla="*/ 862252 h 1833070"/>
+              <a:gd name="connsiteX0" fmla="*/ 650919 w 2194751"/>
+              <a:gd name="connsiteY0" fmla="*/ 862252 h 1833070"/>
+              <a:gd name="connsiteX1" fmla="*/ 12743 w 2194751"/>
+              <a:gd name="connsiteY1" fmla="*/ 305037 h 1833070"/>
+              <a:gd name="connsiteX2" fmla="*/ 1093832 w 2194751"/>
+              <a:gd name="connsiteY2" fmla="*/ 239 h 1833070"/>
+              <a:gd name="connsiteX3" fmla="*/ 2174918 w 2194751"/>
+              <a:gd name="connsiteY3" fmla="*/ 266937 h 1833070"/>
+              <a:gd name="connsiteX4" fmla="*/ 1717720 w 2194751"/>
+              <a:gd name="connsiteY4" fmla="*/ 709852 h 1833070"/>
+              <a:gd name="connsiteX5" fmla="*/ 1093832 w 2194751"/>
+              <a:gd name="connsiteY5" fmla="*/ 1819515 h 1833070"/>
+              <a:gd name="connsiteX6" fmla="*/ 650919 w 2194751"/>
+              <a:gd name="connsiteY6" fmla="*/ 862252 h 1833070"/>
+              <a:gd name="connsiteX0" fmla="*/ 650919 w 2190812"/>
+              <a:gd name="connsiteY0" fmla="*/ 862252 h 1822146"/>
+              <a:gd name="connsiteX1" fmla="*/ 12743 w 2190812"/>
+              <a:gd name="connsiteY1" fmla="*/ 305037 h 1822146"/>
+              <a:gd name="connsiteX2" fmla="*/ 1093832 w 2190812"/>
+              <a:gd name="connsiteY2" fmla="*/ 239 h 1822146"/>
+              <a:gd name="connsiteX3" fmla="*/ 2174918 w 2190812"/>
+              <a:gd name="connsiteY3" fmla="*/ 266937 h 1822146"/>
+              <a:gd name="connsiteX4" fmla="*/ 1574845 w 2190812"/>
+              <a:gd name="connsiteY4" fmla="*/ 576502 h 1822146"/>
+              <a:gd name="connsiteX5" fmla="*/ 1093832 w 2190812"/>
+              <a:gd name="connsiteY5" fmla="*/ 1819515 h 1822146"/>
+              <a:gd name="connsiteX6" fmla="*/ 650919 w 2190812"/>
+              <a:gd name="connsiteY6" fmla="*/ 862252 h 1822146"/>
+              <a:gd name="connsiteX0" fmla="*/ 650919 w 2188949"/>
+              <a:gd name="connsiteY0" fmla="*/ 862252 h 1822657"/>
+              <a:gd name="connsiteX1" fmla="*/ 12743 w 2188949"/>
+              <a:gd name="connsiteY1" fmla="*/ 305037 h 1822657"/>
+              <a:gd name="connsiteX2" fmla="*/ 1093832 w 2188949"/>
+              <a:gd name="connsiteY2" fmla="*/ 239 h 1822657"/>
+              <a:gd name="connsiteX3" fmla="*/ 2174918 w 2188949"/>
+              <a:gd name="connsiteY3" fmla="*/ 266937 h 1822657"/>
+              <a:gd name="connsiteX4" fmla="*/ 1479595 w 2188949"/>
+              <a:gd name="connsiteY4" fmla="*/ 547927 h 1822657"/>
+              <a:gd name="connsiteX5" fmla="*/ 1093832 w 2188949"/>
+              <a:gd name="connsiteY5" fmla="*/ 1819515 h 1822657"/>
+              <a:gd name="connsiteX6" fmla="*/ 650919 w 2188949"/>
+              <a:gd name="connsiteY6" fmla="*/ 862252 h 1822657"/>
+              <a:gd name="connsiteX0" fmla="*/ 782609 w 2187289"/>
+              <a:gd name="connsiteY0" fmla="*/ 757477 h 1820771"/>
+              <a:gd name="connsiteX1" fmla="*/ 11083 w 2187289"/>
+              <a:gd name="connsiteY1" fmla="*/ 305037 h 1820771"/>
+              <a:gd name="connsiteX2" fmla="*/ 1092172 w 2187289"/>
+              <a:gd name="connsiteY2" fmla="*/ 239 h 1820771"/>
+              <a:gd name="connsiteX3" fmla="*/ 2173258 w 2187289"/>
+              <a:gd name="connsiteY3" fmla="*/ 266937 h 1820771"/>
+              <a:gd name="connsiteX4" fmla="*/ 1477935 w 2187289"/>
+              <a:gd name="connsiteY4" fmla="*/ 547927 h 1820771"/>
+              <a:gd name="connsiteX5" fmla="*/ 1092172 w 2187289"/>
+              <a:gd name="connsiteY5" fmla="*/ 1819515 h 1820771"/>
+              <a:gd name="connsiteX6" fmla="*/ 782609 w 2187289"/>
+              <a:gd name="connsiteY6" fmla="*/ 757477 h 1820771"/>
+              <a:gd name="connsiteX0" fmla="*/ 783615 w 2188295"/>
+              <a:gd name="connsiteY0" fmla="*/ 757477 h 1944280"/>
+              <a:gd name="connsiteX1" fmla="*/ 12089 w 2188295"/>
+              <a:gd name="connsiteY1" fmla="*/ 305037 h 1944280"/>
+              <a:gd name="connsiteX2" fmla="*/ 1093178 w 2188295"/>
+              <a:gd name="connsiteY2" fmla="*/ 239 h 1944280"/>
+              <a:gd name="connsiteX3" fmla="*/ 2174264 w 2188295"/>
+              <a:gd name="connsiteY3" fmla="*/ 266937 h 1944280"/>
+              <a:gd name="connsiteX4" fmla="*/ 1478941 w 2188295"/>
+              <a:gd name="connsiteY4" fmla="*/ 547927 h 1944280"/>
+              <a:gd name="connsiteX5" fmla="*/ 245453 w 2188295"/>
+              <a:gd name="connsiteY5" fmla="*/ 1943340 h 1944280"/>
+              <a:gd name="connsiteX6" fmla="*/ 783615 w 2188295"/>
+              <a:gd name="connsiteY6" fmla="*/ 757477 h 1944280"/>
+              <a:gd name="connsiteX0" fmla="*/ 783615 w 2189217"/>
+              <a:gd name="connsiteY0" fmla="*/ 757477 h 1990899"/>
+              <a:gd name="connsiteX1" fmla="*/ 12089 w 2189217"/>
+              <a:gd name="connsiteY1" fmla="*/ 305037 h 1990899"/>
+              <a:gd name="connsiteX2" fmla="*/ 1093178 w 2189217"/>
+              <a:gd name="connsiteY2" fmla="*/ 239 h 1990899"/>
+              <a:gd name="connsiteX3" fmla="*/ 2174264 w 2189217"/>
+              <a:gd name="connsiteY3" fmla="*/ 266937 h 1990899"/>
+              <a:gd name="connsiteX4" fmla="*/ 1478941 w 2189217"/>
+              <a:gd name="connsiteY4" fmla="*/ 547927 h 1990899"/>
+              <a:gd name="connsiteX5" fmla="*/ 1297965 w 2189217"/>
+              <a:gd name="connsiteY5" fmla="*/ 1638535 h 1990899"/>
+              <a:gd name="connsiteX6" fmla="*/ 245453 w 2189217"/>
+              <a:gd name="connsiteY6" fmla="*/ 1943340 h 1990899"/>
+              <a:gd name="connsiteX7" fmla="*/ 783615 w 2189217"/>
+              <a:gd name="connsiteY7" fmla="*/ 757477 h 1990899"/>
+              <a:gd name="connsiteX0" fmla="*/ 783615 w 2189217"/>
+              <a:gd name="connsiteY0" fmla="*/ 757477 h 2073609"/>
+              <a:gd name="connsiteX1" fmla="*/ 12089 w 2189217"/>
+              <a:gd name="connsiteY1" fmla="*/ 305037 h 2073609"/>
+              <a:gd name="connsiteX2" fmla="*/ 1093178 w 2189217"/>
+              <a:gd name="connsiteY2" fmla="*/ 239 h 2073609"/>
+              <a:gd name="connsiteX3" fmla="*/ 2174264 w 2189217"/>
+              <a:gd name="connsiteY3" fmla="*/ 266937 h 2073609"/>
+              <a:gd name="connsiteX4" fmla="*/ 1478941 w 2189217"/>
+              <a:gd name="connsiteY4" fmla="*/ 547927 h 2073609"/>
+              <a:gd name="connsiteX5" fmla="*/ 1755165 w 2189217"/>
+              <a:gd name="connsiteY5" fmla="*/ 1886185 h 2073609"/>
+              <a:gd name="connsiteX6" fmla="*/ 245453 w 2189217"/>
+              <a:gd name="connsiteY6" fmla="*/ 1943340 h 2073609"/>
+              <a:gd name="connsiteX7" fmla="*/ 783615 w 2189217"/>
+              <a:gd name="connsiteY7" fmla="*/ 757477 h 2073609"/>
+              <a:gd name="connsiteX0" fmla="*/ 596184 w 2192286"/>
+              <a:gd name="connsiteY0" fmla="*/ 747952 h 2074249"/>
+              <a:gd name="connsiteX1" fmla="*/ 15158 w 2192286"/>
+              <a:gd name="connsiteY1" fmla="*/ 305037 h 2074249"/>
+              <a:gd name="connsiteX2" fmla="*/ 1096247 w 2192286"/>
+              <a:gd name="connsiteY2" fmla="*/ 239 h 2074249"/>
+              <a:gd name="connsiteX3" fmla="*/ 2177333 w 2192286"/>
+              <a:gd name="connsiteY3" fmla="*/ 266937 h 2074249"/>
+              <a:gd name="connsiteX4" fmla="*/ 1482010 w 2192286"/>
+              <a:gd name="connsiteY4" fmla="*/ 547927 h 2074249"/>
+              <a:gd name="connsiteX5" fmla="*/ 1758234 w 2192286"/>
+              <a:gd name="connsiteY5" fmla="*/ 1886185 h 2074249"/>
+              <a:gd name="connsiteX6" fmla="*/ 248522 w 2192286"/>
+              <a:gd name="connsiteY6" fmla="*/ 1943340 h 2074249"/>
+              <a:gd name="connsiteX7" fmla="*/ 596184 w 2192286"/>
+              <a:gd name="connsiteY7" fmla="*/ 747952 h 2074249"/>
+              <a:gd name="connsiteX0" fmla="*/ 596184 w 2194910"/>
+              <a:gd name="connsiteY0" fmla="*/ 747952 h 2074249"/>
+              <a:gd name="connsiteX1" fmla="*/ 15158 w 2194910"/>
+              <a:gd name="connsiteY1" fmla="*/ 305037 h 2074249"/>
+              <a:gd name="connsiteX2" fmla="*/ 1096247 w 2194910"/>
+              <a:gd name="connsiteY2" fmla="*/ 239 h 2074249"/>
+              <a:gd name="connsiteX3" fmla="*/ 2177333 w 2194910"/>
+              <a:gd name="connsiteY3" fmla="*/ 266937 h 2074249"/>
+              <a:gd name="connsiteX4" fmla="*/ 1596310 w 2194910"/>
+              <a:gd name="connsiteY4" fmla="*/ 595552 h 2074249"/>
+              <a:gd name="connsiteX5" fmla="*/ 1758234 w 2194910"/>
+              <a:gd name="connsiteY5" fmla="*/ 1886185 h 2074249"/>
+              <a:gd name="connsiteX6" fmla="*/ 248522 w 2194910"/>
+              <a:gd name="connsiteY6" fmla="*/ 1943340 h 2074249"/>
+              <a:gd name="connsiteX7" fmla="*/ 596184 w 2194910"/>
+              <a:gd name="connsiteY7" fmla="*/ 747952 h 2074249"/>
+              <a:gd name="connsiteX0" fmla="*/ 586013 w 2184739"/>
+              <a:gd name="connsiteY0" fmla="*/ 747952 h 2074249"/>
+              <a:gd name="connsiteX1" fmla="*/ 4987 w 2184739"/>
+              <a:gd name="connsiteY1" fmla="*/ 305037 h 2074249"/>
+              <a:gd name="connsiteX2" fmla="*/ 1086076 w 2184739"/>
+              <a:gd name="connsiteY2" fmla="*/ 239 h 2074249"/>
+              <a:gd name="connsiteX3" fmla="*/ 2167162 w 2184739"/>
+              <a:gd name="connsiteY3" fmla="*/ 266937 h 2074249"/>
+              <a:gd name="connsiteX4" fmla="*/ 1586139 w 2184739"/>
+              <a:gd name="connsiteY4" fmla="*/ 595552 h 2074249"/>
+              <a:gd name="connsiteX5" fmla="*/ 1748063 w 2184739"/>
+              <a:gd name="connsiteY5" fmla="*/ 1886185 h 2074249"/>
+              <a:gd name="connsiteX6" fmla="*/ 238351 w 2184739"/>
+              <a:gd name="connsiteY6" fmla="*/ 1943340 h 2074249"/>
+              <a:gd name="connsiteX7" fmla="*/ 586013 w 2184739"/>
+              <a:gd name="connsiteY7" fmla="*/ 747952 h 2074249"/>
+              <a:gd name="connsiteX0" fmla="*/ 586013 w 2187065"/>
+              <a:gd name="connsiteY0" fmla="*/ 747952 h 2074249"/>
+              <a:gd name="connsiteX1" fmla="*/ 4987 w 2187065"/>
+              <a:gd name="connsiteY1" fmla="*/ 305037 h 2074249"/>
+              <a:gd name="connsiteX2" fmla="*/ 1086076 w 2187065"/>
+              <a:gd name="connsiteY2" fmla="*/ 239 h 2074249"/>
+              <a:gd name="connsiteX3" fmla="*/ 2167162 w 2187065"/>
+              <a:gd name="connsiteY3" fmla="*/ 266937 h 2074249"/>
+              <a:gd name="connsiteX4" fmla="*/ 1586139 w 2187065"/>
+              <a:gd name="connsiteY4" fmla="*/ 595552 h 2074249"/>
+              <a:gd name="connsiteX5" fmla="*/ 1748063 w 2187065"/>
+              <a:gd name="connsiteY5" fmla="*/ 1886185 h 2074249"/>
+              <a:gd name="connsiteX6" fmla="*/ 238351 w 2187065"/>
+              <a:gd name="connsiteY6" fmla="*/ 1943340 h 2074249"/>
+              <a:gd name="connsiteX7" fmla="*/ 586013 w 2187065"/>
+              <a:gd name="connsiteY7" fmla="*/ 747952 h 2074249"/>
+              <a:gd name="connsiteX0" fmla="*/ 581026 w 2182078"/>
+              <a:gd name="connsiteY0" fmla="*/ 747952 h 2074249"/>
+              <a:gd name="connsiteX1" fmla="*/ 0 w 2182078"/>
+              <a:gd name="connsiteY1" fmla="*/ 305037 h 2074249"/>
+              <a:gd name="connsiteX2" fmla="*/ 1081089 w 2182078"/>
+              <a:gd name="connsiteY2" fmla="*/ 239 h 2074249"/>
+              <a:gd name="connsiteX3" fmla="*/ 2162175 w 2182078"/>
+              <a:gd name="connsiteY3" fmla="*/ 266937 h 2074249"/>
+              <a:gd name="connsiteX4" fmla="*/ 1581152 w 2182078"/>
+              <a:gd name="connsiteY4" fmla="*/ 595552 h 2074249"/>
+              <a:gd name="connsiteX5" fmla="*/ 1743076 w 2182078"/>
+              <a:gd name="connsiteY5" fmla="*/ 1886185 h 2074249"/>
+              <a:gd name="connsiteX6" fmla="*/ 233364 w 2182078"/>
+              <a:gd name="connsiteY6" fmla="*/ 1943340 h 2074249"/>
+              <a:gd name="connsiteX7" fmla="*/ 581026 w 2182078"/>
+              <a:gd name="connsiteY7" fmla="*/ 747952 h 2074249"/>
+              <a:gd name="connsiteX0" fmla="*/ 581026 w 2182078"/>
+              <a:gd name="connsiteY0" fmla="*/ 747952 h 2074249"/>
+              <a:gd name="connsiteX1" fmla="*/ 0 w 2182078"/>
+              <a:gd name="connsiteY1" fmla="*/ 305037 h 2074249"/>
+              <a:gd name="connsiteX2" fmla="*/ 1081089 w 2182078"/>
+              <a:gd name="connsiteY2" fmla="*/ 239 h 2074249"/>
+              <a:gd name="connsiteX3" fmla="*/ 2162175 w 2182078"/>
+              <a:gd name="connsiteY3" fmla="*/ 266937 h 2074249"/>
+              <a:gd name="connsiteX4" fmla="*/ 1581152 w 2182078"/>
+              <a:gd name="connsiteY4" fmla="*/ 595552 h 2074249"/>
+              <a:gd name="connsiteX5" fmla="*/ 1743076 w 2182078"/>
+              <a:gd name="connsiteY5" fmla="*/ 1886185 h 2074249"/>
+              <a:gd name="connsiteX6" fmla="*/ 233364 w 2182078"/>
+              <a:gd name="connsiteY6" fmla="*/ 1943340 h 2074249"/>
+              <a:gd name="connsiteX7" fmla="*/ 581026 w 2182078"/>
+              <a:gd name="connsiteY7" fmla="*/ 747952 h 2074249"/>
+            </a:gdLst>
+            <a:ahLst/>
+            <a:cxnLst>
+              <a:cxn ang="0">
+                <a:pos x="connsiteX0" y="connsiteY0"/>
+              </a:cxn>
+              <a:cxn ang="0">
+                <a:pos x="connsiteX1" y="connsiteY1"/>
+              </a:cxn>
+              <a:cxn ang="0">
+                <a:pos x="connsiteX2" y="connsiteY2"/>
+              </a:cxn>
+              <a:cxn ang="0">
+                <a:pos x="connsiteX3" y="connsiteY3"/>
+              </a:cxn>
+              <a:cxn ang="0">
+                <a:pos x="connsiteX4" y="connsiteY4"/>
+              </a:cxn>
+              <a:cxn ang="0">
+                <a:pos x="connsiteX5" y="connsiteY5"/>
+              </a:cxn>
+              <a:cxn ang="0">
+                <a:pos x="connsiteX6" y="connsiteY6"/>
+              </a:cxn>
+              <a:cxn ang="0">
+                <a:pos x="connsiteX7" y="connsiteY7"/>
+              </a:cxn>
+            </a:cxnLst>
+            <a:rect l="l" t="t" r="r" b="b"/>
+            <a:pathLst>
+              <a:path w="2182078" h="2074249">
+                <a:moveTo>
+                  <a:pt x="581026" y="747952"/>
+                </a:moveTo>
+                <a:cubicBezTo>
+                  <a:pt x="542132" y="474902"/>
+                  <a:pt x="267494" y="866218"/>
+                  <a:pt x="0" y="305037"/>
+                </a:cubicBezTo>
+                <a:cubicBezTo>
+                  <a:pt x="418306" y="210581"/>
+                  <a:pt x="720727" y="6589"/>
+                  <a:pt x="1081089" y="239"/>
+                </a:cubicBezTo>
+                <a:cubicBezTo>
+                  <a:pt x="1441451" y="-6111"/>
+                  <a:pt x="2039144" y="115331"/>
+                  <a:pt x="2162175" y="266937"/>
+                </a:cubicBezTo>
+                <a:cubicBezTo>
+                  <a:pt x="2294731" y="809068"/>
+                  <a:pt x="1727202" y="366952"/>
+                  <a:pt x="1581152" y="595552"/>
+                </a:cubicBezTo>
+                <a:cubicBezTo>
+                  <a:pt x="1435102" y="824152"/>
+                  <a:pt x="1948657" y="1653616"/>
+                  <a:pt x="1743076" y="1886185"/>
+                </a:cubicBezTo>
+                <a:cubicBezTo>
+                  <a:pt x="1537495" y="2118754"/>
+                  <a:pt x="427039" y="2133045"/>
+                  <a:pt x="233364" y="1943340"/>
+                </a:cubicBezTo>
+                <a:cubicBezTo>
+                  <a:pt x="39689" y="1753635"/>
+                  <a:pt x="619920" y="1021002"/>
+                  <a:pt x="581026" y="747952"/>
+                </a:cubicBezTo>
+                <a:close/>
+              </a:path>
+            </a:pathLst>
+          </a:custGeom>
+          <a:blipFill dpi="0" rotWithShape="1">
+            <a:blip r:embed="rId2"/>
+            <a:srcRect/>
+            <a:tile tx="0" ty="0" sx="100000" sy="100000" flip="none" algn="ctr"/>
+          </a:blipFill>
+          <a:ln w="25400">
+            <a:solidFill>
+              <a:schemeClr val="tx1"/>
+            </a:solidFill>
+          </a:ln>
+        </p:spPr>
+        <p:style>
+          <a:lnRef idx="2">
+            <a:schemeClr val="accent1">
+              <a:shade val="50000"/>
+            </a:schemeClr>
+          </a:lnRef>
+          <a:fillRef idx="1">
+            <a:schemeClr val="accent1"/>
+          </a:fillRef>
+          <a:effectRef idx="0">
+            <a:schemeClr val="accent1"/>
+          </a:effectRef>
+          <a:fontRef idx="minor">
+            <a:schemeClr val="lt1"/>
+          </a:fontRef>
+        </p:style>
+        <p:txBody>
+          <a:bodyPr rtlCol="0" anchor="ctr"/>
+          <a:lstStyle/>
+          <a:p>
+            <a:pPr algn="ctr"/>
+            <a:endParaRPr lang="pt-BR"/>
+          </a:p>
+        </p:txBody>
+      </p:sp>
+      <p:sp>
+        <p:nvSpPr>
+          <p:cNvPr id="6" name="Oval 5">
+            <a:extLst>
+              <a:ext uri="{FF2B5EF4-FFF2-40B4-BE49-F238E27FC236}">
+                <a16:creationId xmlns:a16="http://schemas.microsoft.com/office/drawing/2014/main" id="{7ACF7045-856C-4ED8-B057-301FD6951DAB}"/>
+              </a:ext>
+            </a:extLst>
+          </p:cNvPr>
+          <p:cNvSpPr/>
+          <p:nvPr/>
+        </p:nvSpPr>
+        <p:spPr>
+          <a:xfrm>
+            <a:off x="5011690" y="2311515"/>
+            <a:ext cx="552450" cy="271590"/>
+          </a:xfrm>
+          <a:custGeom>
+            <a:avLst/>
+            <a:gdLst>
+              <a:gd name="connsiteX0" fmla="*/ 0 w 323850"/>
+              <a:gd name="connsiteY0" fmla="*/ 133468 h 266935"/>
+              <a:gd name="connsiteX1" fmla="*/ 161925 w 323850"/>
+              <a:gd name="connsiteY1" fmla="*/ 0 h 266935"/>
+              <a:gd name="connsiteX2" fmla="*/ 323850 w 323850"/>
+              <a:gd name="connsiteY2" fmla="*/ 133468 h 266935"/>
+              <a:gd name="connsiteX3" fmla="*/ 161925 w 323850"/>
+              <a:gd name="connsiteY3" fmla="*/ 266936 h 266935"/>
+              <a:gd name="connsiteX4" fmla="*/ 0 w 323850"/>
+              <a:gd name="connsiteY4" fmla="*/ 133468 h 266935"/>
+              <a:gd name="connsiteX0" fmla="*/ 0 w 352425"/>
+              <a:gd name="connsiteY0" fmla="*/ 96239 h 268230"/>
+              <a:gd name="connsiteX1" fmla="*/ 190500 w 352425"/>
+              <a:gd name="connsiteY1" fmla="*/ 871 h 268230"/>
+              <a:gd name="connsiteX2" fmla="*/ 352425 w 352425"/>
+              <a:gd name="connsiteY2" fmla="*/ 134339 h 268230"/>
+              <a:gd name="connsiteX3" fmla="*/ 190500 w 352425"/>
+              <a:gd name="connsiteY3" fmla="*/ 267807 h 268230"/>
+              <a:gd name="connsiteX4" fmla="*/ 0 w 352425"/>
+              <a:gd name="connsiteY4" fmla="*/ 96239 h 268230"/>
+              <a:gd name="connsiteX0" fmla="*/ 0 w 438150"/>
+              <a:gd name="connsiteY0" fmla="*/ 95444 h 267032"/>
+              <a:gd name="connsiteX1" fmla="*/ 190500 w 438150"/>
+              <a:gd name="connsiteY1" fmla="*/ 76 h 267032"/>
+              <a:gd name="connsiteX2" fmla="*/ 438150 w 438150"/>
+              <a:gd name="connsiteY2" fmla="*/ 104969 h 267032"/>
+              <a:gd name="connsiteX3" fmla="*/ 190500 w 438150"/>
+              <a:gd name="connsiteY3" fmla="*/ 267012 h 267032"/>
+              <a:gd name="connsiteX4" fmla="*/ 0 w 438150"/>
+              <a:gd name="connsiteY4" fmla="*/ 95444 h 267032"/>
+              <a:gd name="connsiteX0" fmla="*/ 0 w 466725"/>
+              <a:gd name="connsiteY0" fmla="*/ 96023 h 267664"/>
+              <a:gd name="connsiteX1" fmla="*/ 190500 w 466725"/>
+              <a:gd name="connsiteY1" fmla="*/ 655 h 267664"/>
+              <a:gd name="connsiteX2" fmla="*/ 466725 w 466725"/>
+              <a:gd name="connsiteY2" fmla="*/ 76973 h 267664"/>
+              <a:gd name="connsiteX3" fmla="*/ 190500 w 466725"/>
+              <a:gd name="connsiteY3" fmla="*/ 267591 h 267664"/>
+              <a:gd name="connsiteX4" fmla="*/ 0 w 466725"/>
+              <a:gd name="connsiteY4" fmla="*/ 96023 h 267664"/>
+              <a:gd name="connsiteX0" fmla="*/ 0 w 466725"/>
+              <a:gd name="connsiteY0" fmla="*/ 96023 h 267664"/>
+              <a:gd name="connsiteX1" fmla="*/ 190500 w 466725"/>
+              <a:gd name="connsiteY1" fmla="*/ 655 h 267664"/>
+              <a:gd name="connsiteX2" fmla="*/ 466725 w 466725"/>
+              <a:gd name="connsiteY2" fmla="*/ 76973 h 267664"/>
+              <a:gd name="connsiteX3" fmla="*/ 190500 w 466725"/>
+              <a:gd name="connsiteY3" fmla="*/ 267591 h 267664"/>
+              <a:gd name="connsiteX4" fmla="*/ 0 w 466725"/>
+              <a:gd name="connsiteY4" fmla="*/ 96023 h 267664"/>
+              <a:gd name="connsiteX0" fmla="*/ 0 w 552450"/>
+              <a:gd name="connsiteY0" fmla="*/ 99746 h 271590"/>
+              <a:gd name="connsiteX1" fmla="*/ 190500 w 552450"/>
+              <a:gd name="connsiteY1" fmla="*/ 4378 h 271590"/>
+              <a:gd name="connsiteX2" fmla="*/ 552450 w 552450"/>
+              <a:gd name="connsiteY2" fmla="*/ 61646 h 271590"/>
+              <a:gd name="connsiteX3" fmla="*/ 190500 w 552450"/>
+              <a:gd name="connsiteY3" fmla="*/ 271314 h 271590"/>
+              <a:gd name="connsiteX4" fmla="*/ 0 w 552450"/>
+              <a:gd name="connsiteY4" fmla="*/ 99746 h 271590"/>
+            </a:gdLst>
+            <a:ahLst/>
+            <a:cxnLst>
+              <a:cxn ang="0">
+                <a:pos x="connsiteX0" y="connsiteY0"/>
+              </a:cxn>
+              <a:cxn ang="0">
+                <a:pos x="connsiteX1" y="connsiteY1"/>
+              </a:cxn>
+              <a:cxn ang="0">
+                <a:pos x="connsiteX2" y="connsiteY2"/>
+              </a:cxn>
+              <a:cxn ang="0">
+                <a:pos x="connsiteX3" y="connsiteY3"/>
+              </a:cxn>
+              <a:cxn ang="0">
+                <a:pos x="connsiteX4" y="connsiteY4"/>
+              </a:cxn>
+            </a:cxnLst>
+            <a:rect l="l" t="t" r="r" b="b"/>
+            <a:pathLst>
+              <a:path w="552450" h="271590">
+                <a:moveTo>
+                  <a:pt x="0" y="99746"/>
+                </a:moveTo>
+                <a:cubicBezTo>
+                  <a:pt x="0" y="26034"/>
+                  <a:pt x="98425" y="10728"/>
+                  <a:pt x="190500" y="4378"/>
+                </a:cubicBezTo>
+                <a:cubicBezTo>
+                  <a:pt x="282575" y="-1972"/>
+                  <a:pt x="552450" y="-12066"/>
+                  <a:pt x="552450" y="61646"/>
+                </a:cubicBezTo>
+                <a:cubicBezTo>
+                  <a:pt x="552450" y="135358"/>
+                  <a:pt x="282575" y="264964"/>
+                  <a:pt x="190500" y="271314"/>
+                </a:cubicBezTo>
+                <a:cubicBezTo>
+                  <a:pt x="98425" y="277664"/>
+                  <a:pt x="0" y="173458"/>
+                  <a:pt x="0" y="99746"/>
+                </a:cubicBezTo>
+                <a:close/>
+              </a:path>
+            </a:pathLst>
+          </a:custGeom>
+          <a:solidFill>
+            <a:schemeClr val="bg1"/>
+          </a:solidFill>
+          <a:ln w="25400">
+            <a:solidFill>
+              <a:schemeClr val="tx1"/>
+            </a:solidFill>
+          </a:ln>
+        </p:spPr>
+        <p:style>
+          <a:lnRef idx="2">
+            <a:schemeClr val="accent1">
+              <a:shade val="50000"/>
+            </a:schemeClr>
+          </a:lnRef>
+          <a:fillRef idx="1">
+            <a:schemeClr val="accent1"/>
+          </a:fillRef>
+          <a:effectRef idx="0">
+            <a:schemeClr val="accent1"/>
+          </a:effectRef>
+          <a:fontRef idx="minor">
+            <a:schemeClr val="lt1"/>
+          </a:fontRef>
+        </p:style>
+        <p:txBody>
+          <a:bodyPr rtlCol="0" anchor="ctr"/>
+          <a:lstStyle/>
+          <a:p>
+            <a:pPr algn="ctr"/>
+            <a:endParaRPr lang="pt-BR"/>
+          </a:p>
+        </p:txBody>
+      </p:sp>
+      <p:sp>
+        <p:nvSpPr>
+          <p:cNvPr id="10" name="Teardrop 9">
+            <a:extLst>
+              <a:ext uri="{FF2B5EF4-FFF2-40B4-BE49-F238E27FC236}">
+                <a16:creationId xmlns:a16="http://schemas.microsoft.com/office/drawing/2014/main" id="{F048A5A7-5C9D-49C7-9A8F-C5A3D99A35BB}"/>
+              </a:ext>
+            </a:extLst>
+          </p:cNvPr>
+          <p:cNvSpPr/>
+          <p:nvPr/>
+        </p:nvSpPr>
+        <p:spPr>
+          <a:xfrm rot="7921353">
+            <a:off x="2651130" y="2642784"/>
+            <a:ext cx="1135040" cy="1117150"/>
+          </a:xfrm>
+          <a:custGeom>
+            <a:avLst/>
+            <a:gdLst>
+              <a:gd name="connsiteX0" fmla="*/ 0 w 866775"/>
+              <a:gd name="connsiteY0" fmla="*/ 485637 h 971273"/>
+              <a:gd name="connsiteX1" fmla="*/ 433388 w 866775"/>
+              <a:gd name="connsiteY1" fmla="*/ 0 h 971273"/>
+              <a:gd name="connsiteX2" fmla="*/ 866775 w 866775"/>
+              <a:gd name="connsiteY2" fmla="*/ 0 h 971273"/>
+              <a:gd name="connsiteX3" fmla="*/ 866775 w 866775"/>
+              <a:gd name="connsiteY3" fmla="*/ 485637 h 971273"/>
+              <a:gd name="connsiteX4" fmla="*/ 433387 w 866775"/>
+              <a:gd name="connsiteY4" fmla="*/ 971274 h 971273"/>
+              <a:gd name="connsiteX5" fmla="*/ -1 w 866775"/>
+              <a:gd name="connsiteY5" fmla="*/ 485637 h 971273"/>
+              <a:gd name="connsiteX6" fmla="*/ 0 w 866775"/>
+              <a:gd name="connsiteY6" fmla="*/ 485637 h 971273"/>
+              <a:gd name="connsiteX0" fmla="*/ 1 w 866776"/>
+              <a:gd name="connsiteY0" fmla="*/ 485637 h 984950"/>
+              <a:gd name="connsiteX1" fmla="*/ 433389 w 866776"/>
+              <a:gd name="connsiteY1" fmla="*/ 0 h 984950"/>
+              <a:gd name="connsiteX2" fmla="*/ 866776 w 866776"/>
+              <a:gd name="connsiteY2" fmla="*/ 0 h 984950"/>
+              <a:gd name="connsiteX3" fmla="*/ 866776 w 866776"/>
+              <a:gd name="connsiteY3" fmla="*/ 485637 h 984950"/>
+              <a:gd name="connsiteX4" fmla="*/ 433388 w 866776"/>
+              <a:gd name="connsiteY4" fmla="*/ 971274 h 984950"/>
+              <a:gd name="connsiteX5" fmla="*/ 122588 w 866776"/>
+              <a:gd name="connsiteY5" fmla="*/ 819271 h 984950"/>
+              <a:gd name="connsiteX6" fmla="*/ 0 w 866776"/>
+              <a:gd name="connsiteY6" fmla="*/ 485637 h 984950"/>
+              <a:gd name="connsiteX7" fmla="*/ 1 w 866776"/>
+              <a:gd name="connsiteY7" fmla="*/ 485637 h 984950"/>
+              <a:gd name="connsiteX0" fmla="*/ 218 w 866993"/>
+              <a:gd name="connsiteY0" fmla="*/ 485637 h 990169"/>
+              <a:gd name="connsiteX1" fmla="*/ 433606 w 866993"/>
+              <a:gd name="connsiteY1" fmla="*/ 0 h 990169"/>
+              <a:gd name="connsiteX2" fmla="*/ 866993 w 866993"/>
+              <a:gd name="connsiteY2" fmla="*/ 0 h 990169"/>
+              <a:gd name="connsiteX3" fmla="*/ 866993 w 866993"/>
+              <a:gd name="connsiteY3" fmla="*/ 485637 h 990169"/>
+              <a:gd name="connsiteX4" fmla="*/ 433605 w 866993"/>
+              <a:gd name="connsiteY4" fmla="*/ 971274 h 990169"/>
+              <a:gd name="connsiteX5" fmla="*/ 39293 w 866993"/>
+              <a:gd name="connsiteY5" fmla="*/ 868882 h 990169"/>
+              <a:gd name="connsiteX6" fmla="*/ 217 w 866993"/>
+              <a:gd name="connsiteY6" fmla="*/ 485637 h 990169"/>
+              <a:gd name="connsiteX7" fmla="*/ 218 w 866993"/>
+              <a:gd name="connsiteY7" fmla="*/ 485637 h 990169"/>
+              <a:gd name="connsiteX0" fmla="*/ 218 w 866993"/>
+              <a:gd name="connsiteY0" fmla="*/ 485637 h 990169"/>
+              <a:gd name="connsiteX1" fmla="*/ 433606 w 866993"/>
+              <a:gd name="connsiteY1" fmla="*/ 0 h 990169"/>
+              <a:gd name="connsiteX2" fmla="*/ 866993 w 866993"/>
+              <a:gd name="connsiteY2" fmla="*/ 0 h 990169"/>
+              <a:gd name="connsiteX3" fmla="*/ 866993 w 866993"/>
+              <a:gd name="connsiteY3" fmla="*/ 485637 h 990169"/>
+              <a:gd name="connsiteX4" fmla="*/ 433605 w 866993"/>
+              <a:gd name="connsiteY4" fmla="*/ 971274 h 990169"/>
+              <a:gd name="connsiteX5" fmla="*/ 39293 w 866993"/>
+              <a:gd name="connsiteY5" fmla="*/ 868882 h 990169"/>
+              <a:gd name="connsiteX6" fmla="*/ 217 w 866993"/>
+              <a:gd name="connsiteY6" fmla="*/ 485637 h 990169"/>
+              <a:gd name="connsiteX7" fmla="*/ 218 w 866993"/>
+              <a:gd name="connsiteY7" fmla="*/ 485637 h 990169"/>
+              <a:gd name="connsiteX0" fmla="*/ 218 w 866993"/>
+              <a:gd name="connsiteY0" fmla="*/ 485637 h 971274"/>
+              <a:gd name="connsiteX1" fmla="*/ 433606 w 866993"/>
+              <a:gd name="connsiteY1" fmla="*/ 0 h 971274"/>
+              <a:gd name="connsiteX2" fmla="*/ 866993 w 866993"/>
+              <a:gd name="connsiteY2" fmla="*/ 0 h 971274"/>
+              <a:gd name="connsiteX3" fmla="*/ 866993 w 866993"/>
+              <a:gd name="connsiteY3" fmla="*/ 485637 h 971274"/>
+              <a:gd name="connsiteX4" fmla="*/ 433605 w 866993"/>
+              <a:gd name="connsiteY4" fmla="*/ 971274 h 971274"/>
+              <a:gd name="connsiteX5" fmla="*/ 39293 w 866993"/>
+              <a:gd name="connsiteY5" fmla="*/ 868882 h 971274"/>
+              <a:gd name="connsiteX6" fmla="*/ 217 w 866993"/>
+              <a:gd name="connsiteY6" fmla="*/ 485637 h 971274"/>
+              <a:gd name="connsiteX7" fmla="*/ 218 w 866993"/>
+              <a:gd name="connsiteY7" fmla="*/ 485637 h 971274"/>
+              <a:gd name="connsiteX0" fmla="*/ 218 w 866993"/>
+              <a:gd name="connsiteY0" fmla="*/ 485637 h 1117150"/>
+              <a:gd name="connsiteX1" fmla="*/ 433606 w 866993"/>
+              <a:gd name="connsiteY1" fmla="*/ 0 h 1117150"/>
+              <a:gd name="connsiteX2" fmla="*/ 866993 w 866993"/>
+              <a:gd name="connsiteY2" fmla="*/ 0 h 1117150"/>
+              <a:gd name="connsiteX3" fmla="*/ 866993 w 866993"/>
+              <a:gd name="connsiteY3" fmla="*/ 485637 h 1117150"/>
+              <a:gd name="connsiteX4" fmla="*/ 385553 w 866993"/>
+              <a:gd name="connsiteY4" fmla="*/ 1117150 h 1117150"/>
+              <a:gd name="connsiteX5" fmla="*/ 39293 w 866993"/>
+              <a:gd name="connsiteY5" fmla="*/ 868882 h 1117150"/>
+              <a:gd name="connsiteX6" fmla="*/ 217 w 866993"/>
+              <a:gd name="connsiteY6" fmla="*/ 485637 h 1117150"/>
+              <a:gd name="connsiteX7" fmla="*/ 218 w 866993"/>
+              <a:gd name="connsiteY7" fmla="*/ 485637 h 1117150"/>
+              <a:gd name="connsiteX0" fmla="*/ 218 w 866993"/>
+              <a:gd name="connsiteY0" fmla="*/ 485637 h 1117150"/>
+              <a:gd name="connsiteX1" fmla="*/ 433606 w 866993"/>
+              <a:gd name="connsiteY1" fmla="*/ 0 h 1117150"/>
+              <a:gd name="connsiteX2" fmla="*/ 866993 w 866993"/>
+              <a:gd name="connsiteY2" fmla="*/ 0 h 1117150"/>
+              <a:gd name="connsiteX3" fmla="*/ 866993 w 866993"/>
+              <a:gd name="connsiteY3" fmla="*/ 485637 h 1117150"/>
+              <a:gd name="connsiteX4" fmla="*/ 385553 w 866993"/>
+              <a:gd name="connsiteY4" fmla="*/ 1117150 h 1117150"/>
+              <a:gd name="connsiteX5" fmla="*/ 39293 w 866993"/>
+              <a:gd name="connsiteY5" fmla="*/ 868882 h 1117150"/>
+              <a:gd name="connsiteX6" fmla="*/ 217 w 866993"/>
+              <a:gd name="connsiteY6" fmla="*/ 485637 h 1117150"/>
+              <a:gd name="connsiteX7" fmla="*/ 218 w 866993"/>
+              <a:gd name="connsiteY7" fmla="*/ 485637 h 1117150"/>
+              <a:gd name="connsiteX0" fmla="*/ 0 w 1135040"/>
+              <a:gd name="connsiteY0" fmla="*/ 586337 h 1117150"/>
+              <a:gd name="connsiteX1" fmla="*/ 701653 w 1135040"/>
+              <a:gd name="connsiteY1" fmla="*/ 0 h 1117150"/>
+              <a:gd name="connsiteX2" fmla="*/ 1135040 w 1135040"/>
+              <a:gd name="connsiteY2" fmla="*/ 0 h 1117150"/>
+              <a:gd name="connsiteX3" fmla="*/ 1135040 w 1135040"/>
+              <a:gd name="connsiteY3" fmla="*/ 485637 h 1117150"/>
+              <a:gd name="connsiteX4" fmla="*/ 653600 w 1135040"/>
+              <a:gd name="connsiteY4" fmla="*/ 1117150 h 1117150"/>
+              <a:gd name="connsiteX5" fmla="*/ 307340 w 1135040"/>
+              <a:gd name="connsiteY5" fmla="*/ 868882 h 1117150"/>
+              <a:gd name="connsiteX6" fmla="*/ 268264 w 1135040"/>
+              <a:gd name="connsiteY6" fmla="*/ 485637 h 1117150"/>
+              <a:gd name="connsiteX7" fmla="*/ 0 w 1135040"/>
+              <a:gd name="connsiteY7" fmla="*/ 586337 h 1117150"/>
+              <a:gd name="connsiteX0" fmla="*/ 0 w 1135040"/>
+              <a:gd name="connsiteY0" fmla="*/ 586337 h 1117150"/>
+              <a:gd name="connsiteX1" fmla="*/ 701653 w 1135040"/>
+              <a:gd name="connsiteY1" fmla="*/ 0 h 1117150"/>
+              <a:gd name="connsiteX2" fmla="*/ 1135040 w 1135040"/>
+              <a:gd name="connsiteY2" fmla="*/ 0 h 1117150"/>
+              <a:gd name="connsiteX3" fmla="*/ 1135040 w 1135040"/>
+              <a:gd name="connsiteY3" fmla="*/ 485637 h 1117150"/>
+              <a:gd name="connsiteX4" fmla="*/ 653600 w 1135040"/>
+              <a:gd name="connsiteY4" fmla="*/ 1117150 h 1117150"/>
+              <a:gd name="connsiteX5" fmla="*/ 307340 w 1135040"/>
+              <a:gd name="connsiteY5" fmla="*/ 868882 h 1117150"/>
+              <a:gd name="connsiteX6" fmla="*/ 230785 w 1135040"/>
+              <a:gd name="connsiteY6" fmla="*/ 557874 h 1117150"/>
+              <a:gd name="connsiteX7" fmla="*/ 0 w 1135040"/>
+              <a:gd name="connsiteY7" fmla="*/ 586337 h 1117150"/>
+              <a:gd name="connsiteX0" fmla="*/ 0 w 1135040"/>
+              <a:gd name="connsiteY0" fmla="*/ 586337 h 1117150"/>
+              <a:gd name="connsiteX1" fmla="*/ 701653 w 1135040"/>
+              <a:gd name="connsiteY1" fmla="*/ 0 h 1117150"/>
+              <a:gd name="connsiteX2" fmla="*/ 1135040 w 1135040"/>
+              <a:gd name="connsiteY2" fmla="*/ 0 h 1117150"/>
+              <a:gd name="connsiteX3" fmla="*/ 1135040 w 1135040"/>
+              <a:gd name="connsiteY3" fmla="*/ 485637 h 1117150"/>
+              <a:gd name="connsiteX4" fmla="*/ 653600 w 1135040"/>
+              <a:gd name="connsiteY4" fmla="*/ 1117150 h 1117150"/>
+              <a:gd name="connsiteX5" fmla="*/ 218851 w 1135040"/>
+              <a:gd name="connsiteY5" fmla="*/ 884511 h 1117150"/>
+              <a:gd name="connsiteX6" fmla="*/ 230785 w 1135040"/>
+              <a:gd name="connsiteY6" fmla="*/ 557874 h 1117150"/>
+              <a:gd name="connsiteX7" fmla="*/ 0 w 1135040"/>
+              <a:gd name="connsiteY7" fmla="*/ 586337 h 1117150"/>
+              <a:gd name="connsiteX0" fmla="*/ 0 w 1135040"/>
+              <a:gd name="connsiteY0" fmla="*/ 586337 h 1117150"/>
+              <a:gd name="connsiteX1" fmla="*/ 701653 w 1135040"/>
+              <a:gd name="connsiteY1" fmla="*/ 0 h 1117150"/>
+              <a:gd name="connsiteX2" fmla="*/ 1135040 w 1135040"/>
+              <a:gd name="connsiteY2" fmla="*/ 0 h 1117150"/>
+              <a:gd name="connsiteX3" fmla="*/ 1135040 w 1135040"/>
+              <a:gd name="connsiteY3" fmla="*/ 485637 h 1117150"/>
+              <a:gd name="connsiteX4" fmla="*/ 653600 w 1135040"/>
+              <a:gd name="connsiteY4" fmla="*/ 1117150 h 1117150"/>
+              <a:gd name="connsiteX5" fmla="*/ 218851 w 1135040"/>
+              <a:gd name="connsiteY5" fmla="*/ 884511 h 1117150"/>
+              <a:gd name="connsiteX6" fmla="*/ 213835 w 1135040"/>
+              <a:gd name="connsiteY6" fmla="*/ 624435 h 1117150"/>
+              <a:gd name="connsiteX7" fmla="*/ 0 w 1135040"/>
+              <a:gd name="connsiteY7" fmla="*/ 586337 h 1117150"/>
+            </a:gdLst>
+            <a:ahLst/>
+            <a:cxnLst>
+              <a:cxn ang="0">
+                <a:pos x="connsiteX0" y="connsiteY0"/>
+              </a:cxn>
+              <a:cxn ang="0">
+                <a:pos x="connsiteX1" y="connsiteY1"/>
+              </a:cxn>
+              <a:cxn ang="0">
+                <a:pos x="connsiteX2" y="connsiteY2"/>
+              </a:cxn>
+              <a:cxn ang="0">
+                <a:pos x="connsiteX3" y="connsiteY3"/>
+              </a:cxn>
+              <a:cxn ang="0">
+                <a:pos x="connsiteX4" y="connsiteY4"/>
+              </a:cxn>
+              <a:cxn ang="0">
+                <a:pos x="connsiteX5" y="connsiteY5"/>
+              </a:cxn>
+              <a:cxn ang="0">
+                <a:pos x="connsiteX6" y="connsiteY6"/>
+              </a:cxn>
+              <a:cxn ang="0">
+                <a:pos x="connsiteX7" y="connsiteY7"/>
+              </a:cxn>
+            </a:cxnLst>
+            <a:rect l="l" t="t" r="r" b="b"/>
+            <a:pathLst>
+              <a:path w="1135040" h="1117150">
+                <a:moveTo>
+                  <a:pt x="0" y="586337"/>
+                </a:moveTo>
+                <a:cubicBezTo>
+                  <a:pt x="298906" y="536003"/>
+                  <a:pt x="462299" y="0"/>
+                  <a:pt x="701653" y="0"/>
+                </a:cubicBezTo>
+                <a:lnTo>
+                  <a:pt x="1135040" y="0"/>
+                </a:lnTo>
+                <a:lnTo>
+                  <a:pt x="1135040" y="485637"/>
+                </a:lnTo>
+                <a:cubicBezTo>
+                  <a:pt x="1135040" y="753847"/>
+                  <a:pt x="716439" y="750520"/>
+                  <a:pt x="653600" y="1117150"/>
+                </a:cubicBezTo>
+                <a:cubicBezTo>
+                  <a:pt x="524434" y="882484"/>
+                  <a:pt x="291082" y="965451"/>
+                  <a:pt x="218851" y="884511"/>
+                </a:cubicBezTo>
+                <a:cubicBezTo>
+                  <a:pt x="146620" y="803572"/>
+                  <a:pt x="234266" y="680041"/>
+                  <a:pt x="213835" y="624435"/>
+                </a:cubicBezTo>
+                <a:lnTo>
+                  <a:pt x="0" y="586337"/>
+                </a:lnTo>
+                <a:close/>
+              </a:path>
+            </a:pathLst>
+          </a:custGeom>
+          <a:solidFill>
+            <a:srgbClr val="663300"/>
+          </a:solidFill>
+          <a:ln w="50800">
+            <a:solidFill>
+              <a:schemeClr val="tx1"/>
+            </a:solidFill>
+          </a:ln>
+        </p:spPr>
+        <p:style>
+          <a:lnRef idx="2">
+            <a:schemeClr val="accent1">
+              <a:shade val="50000"/>
+            </a:schemeClr>
+          </a:lnRef>
+          <a:fillRef idx="1">
+            <a:schemeClr val="accent1"/>
+          </a:fillRef>
+          <a:effectRef idx="0">
+            <a:schemeClr val="accent1"/>
+          </a:effectRef>
+          <a:fontRef idx="minor">
+            <a:schemeClr val="lt1"/>
+          </a:fontRef>
+        </p:style>
+        <p:txBody>
+          <a:bodyPr rtlCol="0" anchor="ctr"/>
+          <a:lstStyle/>
+          <a:p>
+            <a:pPr algn="ctr"/>
+            <a:endParaRPr lang="pt-BR"/>
+          </a:p>
+        </p:txBody>
+      </p:sp>
+      <p:pic>
+        <p:nvPicPr>
+          <p:cNvPr id="7" name="Picture 6">
+            <a:extLst>
+              <a:ext uri="{FF2B5EF4-FFF2-40B4-BE49-F238E27FC236}">
+                <a16:creationId xmlns:a16="http://schemas.microsoft.com/office/drawing/2014/main" id="{D46F8EB4-0041-4B51-9CC6-017FDCD0587F}"/>
+              </a:ext>
+            </a:extLst>
+          </p:cNvPr>
+          <p:cNvPicPr>
+            <a:picLocks noChangeAspect="1"/>
+          </p:cNvPicPr>
+          <p:nvPr/>
+        </p:nvPicPr>
+        <p:blipFill>
+          <a:blip r:embed="rId3">
+            <a:extLst>
+              <a:ext uri="{BEBA8EAE-BF5A-486C-A8C5-ECC9F3942E4B}">
+                <a14:imgProps xmlns:a14="http://schemas.microsoft.com/office/drawing/2010/main">
+                  <a14:imgLayer r:embed="rId4">
+                    <a14:imgEffect>
+                      <a14:colorTemperature colorTemp="4700"/>
+                    </a14:imgEffect>
+                    <a14:imgEffect>
+                      <a14:saturation sat="200000"/>
+                    </a14:imgEffect>
+                    <a14:imgEffect>
+                      <a14:brightnessContrast bright="-20000" contrast="40000"/>
+                    </a14:imgEffect>
+                  </a14:imgLayer>
+                </a14:imgProps>
+              </a:ext>
+            </a:extLst>
+          </a:blip>
+          <a:stretch>
+            <a:fillRect/>
+          </a:stretch>
+        </p:blipFill>
+        <p:spPr>
+          <a:xfrm>
+            <a:off x="2871148" y="3018089"/>
+            <a:ext cx="695004" cy="688908"/>
+          </a:xfrm>
+          <a:prstGeom prst="rect">
+            <a:avLst/>
+          </a:prstGeom>
+        </p:spPr>
+      </p:pic>
+      <p:sp>
+        <p:nvSpPr>
+          <p:cNvPr id="11" name="TextBox 10">
+            <a:extLst>
+              <a:ext uri="{FF2B5EF4-FFF2-40B4-BE49-F238E27FC236}">
+                <a16:creationId xmlns:a16="http://schemas.microsoft.com/office/drawing/2014/main" id="{F491ECA4-A671-4882-B1A8-8A0DFCB18B1F}"/>
+              </a:ext>
+            </a:extLst>
+          </p:cNvPr>
+          <p:cNvSpPr txBox="1"/>
+          <p:nvPr/>
+        </p:nvSpPr>
+        <p:spPr>
+          <a:xfrm>
+            <a:off x="2962746" y="3475286"/>
+            <a:ext cx="511807" cy="338554"/>
+          </a:xfrm>
+          <a:prstGeom prst="rect">
+            <a:avLst/>
+          </a:prstGeom>
+          <a:noFill/>
+        </p:spPr>
+        <p:txBody>
+          <a:bodyPr wrap="none" rtlCol="0">
+            <a:spAutoFit/>
+          </a:bodyPr>
+          <a:lstStyle/>
+          <a:p>
+            <a:r>
+              <a:rPr lang="pt-BR" sz="1600" b="1" dirty="0">
+                <a:solidFill>
+                  <a:schemeClr val="bg1"/>
+                </a:solidFill>
+              </a:rPr>
+              <a:t>AFC</a:t>
+            </a:r>
+          </a:p>
+        </p:txBody>
+      </p:sp>
+      <p:pic>
+        <p:nvPicPr>
+          <p:cNvPr id="12" name="Picture 11">
+            <a:extLst>
+              <a:ext uri="{FF2B5EF4-FFF2-40B4-BE49-F238E27FC236}">
+                <a16:creationId xmlns:a16="http://schemas.microsoft.com/office/drawing/2014/main" id="{1A351D5D-9F3F-4A89-9425-F92517DFC35E}"/>
+              </a:ext>
+            </a:extLst>
+          </p:cNvPr>
+          <p:cNvPicPr>
+            <a:picLocks noChangeAspect="1"/>
+          </p:cNvPicPr>
+          <p:nvPr/>
+        </p:nvPicPr>
+        <p:blipFill>
+          <a:blip r:embed="rId5"/>
+          <a:stretch>
+            <a:fillRect/>
+          </a:stretch>
+        </p:blipFill>
+        <p:spPr>
+          <a:xfrm>
+            <a:off x="5287915" y="2750288"/>
+            <a:ext cx="331514" cy="458092"/>
+          </a:xfrm>
+          <a:prstGeom prst="rect">
+            <a:avLst/>
+          </a:prstGeom>
+        </p:spPr>
+      </p:pic>
+      <p:sp>
+        <p:nvSpPr>
+          <p:cNvPr id="13" name="Oval 4">
+            <a:extLst>
+              <a:ext uri="{FF2B5EF4-FFF2-40B4-BE49-F238E27FC236}">
+                <a16:creationId xmlns:a16="http://schemas.microsoft.com/office/drawing/2014/main" id="{41BABF00-F5FD-4E39-B991-BC96C4ED767D}"/>
+              </a:ext>
+            </a:extLst>
+          </p:cNvPr>
+          <p:cNvSpPr/>
+          <p:nvPr/>
+        </p:nvSpPr>
+        <p:spPr>
+          <a:xfrm>
+            <a:off x="6464680" y="2325417"/>
+            <a:ext cx="2182078" cy="2074249"/>
+          </a:xfrm>
+          <a:custGeom>
+            <a:avLst/>
+            <a:gdLst>
+              <a:gd name="connsiteX0" fmla="*/ 0 w 1476375"/>
+              <a:gd name="connsiteY0" fmla="*/ 909638 h 1819275"/>
+              <a:gd name="connsiteX1" fmla="*/ 738188 w 1476375"/>
+              <a:gd name="connsiteY1" fmla="*/ 0 h 1819275"/>
+              <a:gd name="connsiteX2" fmla="*/ 1476376 w 1476375"/>
+              <a:gd name="connsiteY2" fmla="*/ 909638 h 1819275"/>
+              <a:gd name="connsiteX3" fmla="*/ 738188 w 1476375"/>
+              <a:gd name="connsiteY3" fmla="*/ 1819276 h 1819275"/>
+              <a:gd name="connsiteX4" fmla="*/ 0 w 1476375"/>
+              <a:gd name="connsiteY4" fmla="*/ 909638 h 1819275"/>
+              <a:gd name="connsiteX0" fmla="*/ 0 w 1476376"/>
+              <a:gd name="connsiteY0" fmla="*/ 909638 h 1819276"/>
+              <a:gd name="connsiteX1" fmla="*/ 738188 w 1476376"/>
+              <a:gd name="connsiteY1" fmla="*/ 0 h 1819276"/>
+              <a:gd name="connsiteX2" fmla="*/ 1476376 w 1476376"/>
+              <a:gd name="connsiteY2" fmla="*/ 909638 h 1819276"/>
+              <a:gd name="connsiteX3" fmla="*/ 738188 w 1476376"/>
+              <a:gd name="connsiteY3" fmla="*/ 1819276 h 1819276"/>
+              <a:gd name="connsiteX4" fmla="*/ 0 w 1476376"/>
+              <a:gd name="connsiteY4" fmla="*/ 909638 h 1819276"/>
+              <a:gd name="connsiteX0" fmla="*/ 26224 w 1502600"/>
+              <a:gd name="connsiteY0" fmla="*/ 909638 h 1819387"/>
+              <a:gd name="connsiteX1" fmla="*/ 764412 w 1502600"/>
+              <a:gd name="connsiteY1" fmla="*/ 0 h 1819387"/>
+              <a:gd name="connsiteX2" fmla="*/ 1502600 w 1502600"/>
+              <a:gd name="connsiteY2" fmla="*/ 909638 h 1819387"/>
+              <a:gd name="connsiteX3" fmla="*/ 764412 w 1502600"/>
+              <a:gd name="connsiteY3" fmla="*/ 1819276 h 1819387"/>
+              <a:gd name="connsiteX4" fmla="*/ 26224 w 1502600"/>
+              <a:gd name="connsiteY4" fmla="*/ 909638 h 1819387"/>
+              <a:gd name="connsiteX0" fmla="*/ 26250 w 1526782"/>
+              <a:gd name="connsiteY0" fmla="*/ 909638 h 1819496"/>
+              <a:gd name="connsiteX1" fmla="*/ 764438 w 1526782"/>
+              <a:gd name="connsiteY1" fmla="*/ 0 h 1819496"/>
+              <a:gd name="connsiteX2" fmla="*/ 1502626 w 1526782"/>
+              <a:gd name="connsiteY2" fmla="*/ 909638 h 1819496"/>
+              <a:gd name="connsiteX3" fmla="*/ 764438 w 1526782"/>
+              <a:gd name="connsiteY3" fmla="*/ 1819276 h 1819496"/>
+              <a:gd name="connsiteX4" fmla="*/ 26250 w 1526782"/>
+              <a:gd name="connsiteY4" fmla="*/ 909638 h 1819496"/>
+              <a:gd name="connsiteX0" fmla="*/ 26250 w 1533270"/>
+              <a:gd name="connsiteY0" fmla="*/ 935114 h 1844972"/>
+              <a:gd name="connsiteX1" fmla="*/ 764438 w 1533270"/>
+              <a:gd name="connsiteY1" fmla="*/ 25476 h 1844972"/>
+              <a:gd name="connsiteX2" fmla="*/ 1331174 w 1533270"/>
+              <a:gd name="connsiteY2" fmla="*/ 311224 h 1844972"/>
+              <a:gd name="connsiteX3" fmla="*/ 1502626 w 1533270"/>
+              <a:gd name="connsiteY3" fmla="*/ 935114 h 1844972"/>
+              <a:gd name="connsiteX4" fmla="*/ 764438 w 1533270"/>
+              <a:gd name="connsiteY4" fmla="*/ 1844752 h 1844972"/>
+              <a:gd name="connsiteX5" fmla="*/ 26250 w 1533270"/>
+              <a:gd name="connsiteY5" fmla="*/ 935114 h 1844972"/>
+              <a:gd name="connsiteX0" fmla="*/ 26250 w 1870237"/>
+              <a:gd name="connsiteY0" fmla="*/ 937824 h 1847682"/>
+              <a:gd name="connsiteX1" fmla="*/ 764438 w 1870237"/>
+              <a:gd name="connsiteY1" fmla="*/ 28186 h 1847682"/>
+              <a:gd name="connsiteX2" fmla="*/ 1845524 w 1870237"/>
+              <a:gd name="connsiteY2" fmla="*/ 294884 h 1847682"/>
+              <a:gd name="connsiteX3" fmla="*/ 1502626 w 1870237"/>
+              <a:gd name="connsiteY3" fmla="*/ 937824 h 1847682"/>
+              <a:gd name="connsiteX4" fmla="*/ 764438 w 1870237"/>
+              <a:gd name="connsiteY4" fmla="*/ 1847462 h 1847682"/>
+              <a:gd name="connsiteX5" fmla="*/ 26250 w 1870237"/>
+              <a:gd name="connsiteY5" fmla="*/ 937824 h 1847682"/>
+              <a:gd name="connsiteX0" fmla="*/ 0 w 1839107"/>
+              <a:gd name="connsiteY0" fmla="*/ 937824 h 1849239"/>
+              <a:gd name="connsiteX1" fmla="*/ 738188 w 1839107"/>
+              <a:gd name="connsiteY1" fmla="*/ 28186 h 1849239"/>
+              <a:gd name="connsiteX2" fmla="*/ 1819274 w 1839107"/>
+              <a:gd name="connsiteY2" fmla="*/ 294884 h 1849239"/>
+              <a:gd name="connsiteX3" fmla="*/ 1362076 w 1839107"/>
+              <a:gd name="connsiteY3" fmla="*/ 737799 h 1849239"/>
+              <a:gd name="connsiteX4" fmla="*/ 738188 w 1839107"/>
+              <a:gd name="connsiteY4" fmla="*/ 1847462 h 1849239"/>
+              <a:gd name="connsiteX5" fmla="*/ 0 w 1839107"/>
+              <a:gd name="connsiteY5" fmla="*/ 937824 h 1849239"/>
+              <a:gd name="connsiteX0" fmla="*/ 0 w 1839107"/>
+              <a:gd name="connsiteY0" fmla="*/ 937824 h 1857543"/>
+              <a:gd name="connsiteX1" fmla="*/ 738188 w 1839107"/>
+              <a:gd name="connsiteY1" fmla="*/ 28186 h 1857543"/>
+              <a:gd name="connsiteX2" fmla="*/ 1819274 w 1839107"/>
+              <a:gd name="connsiteY2" fmla="*/ 294884 h 1857543"/>
+              <a:gd name="connsiteX3" fmla="*/ 1362076 w 1839107"/>
+              <a:gd name="connsiteY3" fmla="*/ 737799 h 1857543"/>
+              <a:gd name="connsiteX4" fmla="*/ 738188 w 1839107"/>
+              <a:gd name="connsiteY4" fmla="*/ 1847462 h 1857543"/>
+              <a:gd name="connsiteX5" fmla="*/ 0 w 1839107"/>
+              <a:gd name="connsiteY5" fmla="*/ 937824 h 1857543"/>
+              <a:gd name="connsiteX0" fmla="*/ 50280 w 1889387"/>
+              <a:gd name="connsiteY0" fmla="*/ 915139 h 1834858"/>
+              <a:gd name="connsiteX1" fmla="*/ 145529 w 1889387"/>
+              <a:gd name="connsiteY1" fmla="*/ 491274 h 1834858"/>
+              <a:gd name="connsiteX2" fmla="*/ 788468 w 1889387"/>
+              <a:gd name="connsiteY2" fmla="*/ 5501 h 1834858"/>
+              <a:gd name="connsiteX3" fmla="*/ 1869554 w 1889387"/>
+              <a:gd name="connsiteY3" fmla="*/ 272199 h 1834858"/>
+              <a:gd name="connsiteX4" fmla="*/ 1412356 w 1889387"/>
+              <a:gd name="connsiteY4" fmla="*/ 715114 h 1834858"/>
+              <a:gd name="connsiteX5" fmla="*/ 788468 w 1889387"/>
+              <a:gd name="connsiteY5" fmla="*/ 1824777 h 1834858"/>
+              <a:gd name="connsiteX6" fmla="*/ 50280 w 1889387"/>
+              <a:gd name="connsiteY6" fmla="*/ 915139 h 1834858"/>
+              <a:gd name="connsiteX0" fmla="*/ 50280 w 1889387"/>
+              <a:gd name="connsiteY0" fmla="*/ 915139 h 1834858"/>
+              <a:gd name="connsiteX1" fmla="*/ 145529 w 1889387"/>
+              <a:gd name="connsiteY1" fmla="*/ 491274 h 1834858"/>
+              <a:gd name="connsiteX2" fmla="*/ 788468 w 1889387"/>
+              <a:gd name="connsiteY2" fmla="*/ 5501 h 1834858"/>
+              <a:gd name="connsiteX3" fmla="*/ 1869554 w 1889387"/>
+              <a:gd name="connsiteY3" fmla="*/ 272199 h 1834858"/>
+              <a:gd name="connsiteX4" fmla="*/ 1412356 w 1889387"/>
+              <a:gd name="connsiteY4" fmla="*/ 715114 h 1834858"/>
+              <a:gd name="connsiteX5" fmla="*/ 788468 w 1889387"/>
+              <a:gd name="connsiteY5" fmla="*/ 1824777 h 1834858"/>
+              <a:gd name="connsiteX6" fmla="*/ 50280 w 1889387"/>
+              <a:gd name="connsiteY6" fmla="*/ 915139 h 1834858"/>
+              <a:gd name="connsiteX0" fmla="*/ 372735 w 2211842"/>
+              <a:gd name="connsiteY0" fmla="*/ 909877 h 1829596"/>
+              <a:gd name="connsiteX1" fmla="*/ 29834 w 2211842"/>
+              <a:gd name="connsiteY1" fmla="*/ 305037 h 1829596"/>
+              <a:gd name="connsiteX2" fmla="*/ 1110923 w 2211842"/>
+              <a:gd name="connsiteY2" fmla="*/ 239 h 1829596"/>
+              <a:gd name="connsiteX3" fmla="*/ 2192009 w 2211842"/>
+              <a:gd name="connsiteY3" fmla="*/ 266937 h 1829596"/>
+              <a:gd name="connsiteX4" fmla="*/ 1734811 w 2211842"/>
+              <a:gd name="connsiteY4" fmla="*/ 709852 h 1829596"/>
+              <a:gd name="connsiteX5" fmla="*/ 1110923 w 2211842"/>
+              <a:gd name="connsiteY5" fmla="*/ 1819515 h 1829596"/>
+              <a:gd name="connsiteX6" fmla="*/ 372735 w 2211842"/>
+              <a:gd name="connsiteY6" fmla="*/ 909877 h 1829596"/>
+              <a:gd name="connsiteX0" fmla="*/ 655126 w 2198958"/>
+              <a:gd name="connsiteY0" fmla="*/ 862252 h 1833070"/>
+              <a:gd name="connsiteX1" fmla="*/ 16950 w 2198958"/>
+              <a:gd name="connsiteY1" fmla="*/ 305037 h 1833070"/>
+              <a:gd name="connsiteX2" fmla="*/ 1098039 w 2198958"/>
+              <a:gd name="connsiteY2" fmla="*/ 239 h 1833070"/>
+              <a:gd name="connsiteX3" fmla="*/ 2179125 w 2198958"/>
+              <a:gd name="connsiteY3" fmla="*/ 266937 h 1833070"/>
+              <a:gd name="connsiteX4" fmla="*/ 1721927 w 2198958"/>
+              <a:gd name="connsiteY4" fmla="*/ 709852 h 1833070"/>
+              <a:gd name="connsiteX5" fmla="*/ 1098039 w 2198958"/>
+              <a:gd name="connsiteY5" fmla="*/ 1819515 h 1833070"/>
+              <a:gd name="connsiteX6" fmla="*/ 655126 w 2198958"/>
+              <a:gd name="connsiteY6" fmla="*/ 862252 h 1833070"/>
+              <a:gd name="connsiteX0" fmla="*/ 655844 w 2199676"/>
+              <a:gd name="connsiteY0" fmla="*/ 862252 h 1833070"/>
+              <a:gd name="connsiteX1" fmla="*/ 17668 w 2199676"/>
+              <a:gd name="connsiteY1" fmla="*/ 305037 h 1833070"/>
+              <a:gd name="connsiteX2" fmla="*/ 1098757 w 2199676"/>
+              <a:gd name="connsiteY2" fmla="*/ 239 h 1833070"/>
+              <a:gd name="connsiteX3" fmla="*/ 2179843 w 2199676"/>
+              <a:gd name="connsiteY3" fmla="*/ 266937 h 1833070"/>
+              <a:gd name="connsiteX4" fmla="*/ 1722645 w 2199676"/>
+              <a:gd name="connsiteY4" fmla="*/ 709852 h 1833070"/>
+              <a:gd name="connsiteX5" fmla="*/ 1098757 w 2199676"/>
+              <a:gd name="connsiteY5" fmla="*/ 1819515 h 1833070"/>
+              <a:gd name="connsiteX6" fmla="*/ 655844 w 2199676"/>
+              <a:gd name="connsiteY6" fmla="*/ 862252 h 1833070"/>
+              <a:gd name="connsiteX0" fmla="*/ 650919 w 2194751"/>
+              <a:gd name="connsiteY0" fmla="*/ 862252 h 1833070"/>
+              <a:gd name="connsiteX1" fmla="*/ 12743 w 2194751"/>
+              <a:gd name="connsiteY1" fmla="*/ 305037 h 1833070"/>
+              <a:gd name="connsiteX2" fmla="*/ 1093832 w 2194751"/>
+              <a:gd name="connsiteY2" fmla="*/ 239 h 1833070"/>
+              <a:gd name="connsiteX3" fmla="*/ 2174918 w 2194751"/>
+              <a:gd name="connsiteY3" fmla="*/ 266937 h 1833070"/>
+              <a:gd name="connsiteX4" fmla="*/ 1717720 w 2194751"/>
+              <a:gd name="connsiteY4" fmla="*/ 709852 h 1833070"/>
+              <a:gd name="connsiteX5" fmla="*/ 1093832 w 2194751"/>
+              <a:gd name="connsiteY5" fmla="*/ 1819515 h 1833070"/>
+              <a:gd name="connsiteX6" fmla="*/ 650919 w 2194751"/>
+              <a:gd name="connsiteY6" fmla="*/ 862252 h 1833070"/>
+              <a:gd name="connsiteX0" fmla="*/ 650919 w 2190812"/>
+              <a:gd name="connsiteY0" fmla="*/ 862252 h 1822146"/>
+              <a:gd name="connsiteX1" fmla="*/ 12743 w 2190812"/>
+              <a:gd name="connsiteY1" fmla="*/ 305037 h 1822146"/>
+              <a:gd name="connsiteX2" fmla="*/ 1093832 w 2190812"/>
+              <a:gd name="connsiteY2" fmla="*/ 239 h 1822146"/>
+              <a:gd name="connsiteX3" fmla="*/ 2174918 w 2190812"/>
+              <a:gd name="connsiteY3" fmla="*/ 266937 h 1822146"/>
+              <a:gd name="connsiteX4" fmla="*/ 1574845 w 2190812"/>
+              <a:gd name="connsiteY4" fmla="*/ 576502 h 1822146"/>
+              <a:gd name="connsiteX5" fmla="*/ 1093832 w 2190812"/>
+              <a:gd name="connsiteY5" fmla="*/ 1819515 h 1822146"/>
+              <a:gd name="connsiteX6" fmla="*/ 650919 w 2190812"/>
+              <a:gd name="connsiteY6" fmla="*/ 862252 h 1822146"/>
+              <a:gd name="connsiteX0" fmla="*/ 650919 w 2188949"/>
+              <a:gd name="connsiteY0" fmla="*/ 862252 h 1822657"/>
+              <a:gd name="connsiteX1" fmla="*/ 12743 w 2188949"/>
+              <a:gd name="connsiteY1" fmla="*/ 305037 h 1822657"/>
+              <a:gd name="connsiteX2" fmla="*/ 1093832 w 2188949"/>
+              <a:gd name="connsiteY2" fmla="*/ 239 h 1822657"/>
+              <a:gd name="connsiteX3" fmla="*/ 2174918 w 2188949"/>
+              <a:gd name="connsiteY3" fmla="*/ 266937 h 1822657"/>
+              <a:gd name="connsiteX4" fmla="*/ 1479595 w 2188949"/>
+              <a:gd name="connsiteY4" fmla="*/ 547927 h 1822657"/>
+              <a:gd name="connsiteX5" fmla="*/ 1093832 w 2188949"/>
+              <a:gd name="connsiteY5" fmla="*/ 1819515 h 1822657"/>
+              <a:gd name="connsiteX6" fmla="*/ 650919 w 2188949"/>
+              <a:gd name="connsiteY6" fmla="*/ 862252 h 1822657"/>
+              <a:gd name="connsiteX0" fmla="*/ 782609 w 2187289"/>
+              <a:gd name="connsiteY0" fmla="*/ 757477 h 1820771"/>
+              <a:gd name="connsiteX1" fmla="*/ 11083 w 2187289"/>
+              <a:gd name="connsiteY1" fmla="*/ 305037 h 1820771"/>
+              <a:gd name="connsiteX2" fmla="*/ 1092172 w 2187289"/>
+              <a:gd name="connsiteY2" fmla="*/ 239 h 1820771"/>
+              <a:gd name="connsiteX3" fmla="*/ 2173258 w 2187289"/>
+              <a:gd name="connsiteY3" fmla="*/ 266937 h 1820771"/>
+              <a:gd name="connsiteX4" fmla="*/ 1477935 w 2187289"/>
+              <a:gd name="connsiteY4" fmla="*/ 547927 h 1820771"/>
+              <a:gd name="connsiteX5" fmla="*/ 1092172 w 2187289"/>
+              <a:gd name="connsiteY5" fmla="*/ 1819515 h 1820771"/>
+              <a:gd name="connsiteX6" fmla="*/ 782609 w 2187289"/>
+              <a:gd name="connsiteY6" fmla="*/ 757477 h 1820771"/>
+              <a:gd name="connsiteX0" fmla="*/ 783615 w 2188295"/>
+              <a:gd name="connsiteY0" fmla="*/ 757477 h 1944280"/>
+              <a:gd name="connsiteX1" fmla="*/ 12089 w 2188295"/>
+              <a:gd name="connsiteY1" fmla="*/ 305037 h 1944280"/>
+              <a:gd name="connsiteX2" fmla="*/ 1093178 w 2188295"/>
+              <a:gd name="connsiteY2" fmla="*/ 239 h 1944280"/>
+              <a:gd name="connsiteX3" fmla="*/ 2174264 w 2188295"/>
+              <a:gd name="connsiteY3" fmla="*/ 266937 h 1944280"/>
+              <a:gd name="connsiteX4" fmla="*/ 1478941 w 2188295"/>
+              <a:gd name="connsiteY4" fmla="*/ 547927 h 1944280"/>
+              <a:gd name="connsiteX5" fmla="*/ 245453 w 2188295"/>
+              <a:gd name="connsiteY5" fmla="*/ 1943340 h 1944280"/>
+              <a:gd name="connsiteX6" fmla="*/ 783615 w 2188295"/>
+              <a:gd name="connsiteY6" fmla="*/ 757477 h 1944280"/>
+              <a:gd name="connsiteX0" fmla="*/ 783615 w 2189217"/>
+              <a:gd name="connsiteY0" fmla="*/ 757477 h 1990899"/>
+              <a:gd name="connsiteX1" fmla="*/ 12089 w 2189217"/>
+              <a:gd name="connsiteY1" fmla="*/ 305037 h 1990899"/>
+              <a:gd name="connsiteX2" fmla="*/ 1093178 w 2189217"/>
+              <a:gd name="connsiteY2" fmla="*/ 239 h 1990899"/>
+              <a:gd name="connsiteX3" fmla="*/ 2174264 w 2189217"/>
+              <a:gd name="connsiteY3" fmla="*/ 266937 h 1990899"/>
+              <a:gd name="connsiteX4" fmla="*/ 1478941 w 2189217"/>
+              <a:gd name="connsiteY4" fmla="*/ 547927 h 1990899"/>
+              <a:gd name="connsiteX5" fmla="*/ 1297965 w 2189217"/>
+              <a:gd name="connsiteY5" fmla="*/ 1638535 h 1990899"/>
+              <a:gd name="connsiteX6" fmla="*/ 245453 w 2189217"/>
+              <a:gd name="connsiteY6" fmla="*/ 1943340 h 1990899"/>
+              <a:gd name="connsiteX7" fmla="*/ 783615 w 2189217"/>
+              <a:gd name="connsiteY7" fmla="*/ 757477 h 1990899"/>
+              <a:gd name="connsiteX0" fmla="*/ 783615 w 2189217"/>
+              <a:gd name="connsiteY0" fmla="*/ 757477 h 2073609"/>
+              <a:gd name="connsiteX1" fmla="*/ 12089 w 2189217"/>
+              <a:gd name="connsiteY1" fmla="*/ 305037 h 2073609"/>
+              <a:gd name="connsiteX2" fmla="*/ 1093178 w 2189217"/>
+              <a:gd name="connsiteY2" fmla="*/ 239 h 2073609"/>
+              <a:gd name="connsiteX3" fmla="*/ 2174264 w 2189217"/>
+              <a:gd name="connsiteY3" fmla="*/ 266937 h 2073609"/>
+              <a:gd name="connsiteX4" fmla="*/ 1478941 w 2189217"/>
+              <a:gd name="connsiteY4" fmla="*/ 547927 h 2073609"/>
+              <a:gd name="connsiteX5" fmla="*/ 1755165 w 2189217"/>
+              <a:gd name="connsiteY5" fmla="*/ 1886185 h 2073609"/>
+              <a:gd name="connsiteX6" fmla="*/ 245453 w 2189217"/>
+              <a:gd name="connsiteY6" fmla="*/ 1943340 h 2073609"/>
+              <a:gd name="connsiteX7" fmla="*/ 783615 w 2189217"/>
+              <a:gd name="connsiteY7" fmla="*/ 757477 h 2073609"/>
+              <a:gd name="connsiteX0" fmla="*/ 596184 w 2192286"/>
+              <a:gd name="connsiteY0" fmla="*/ 747952 h 2074249"/>
+              <a:gd name="connsiteX1" fmla="*/ 15158 w 2192286"/>
+              <a:gd name="connsiteY1" fmla="*/ 305037 h 2074249"/>
+              <a:gd name="connsiteX2" fmla="*/ 1096247 w 2192286"/>
+              <a:gd name="connsiteY2" fmla="*/ 239 h 2074249"/>
+              <a:gd name="connsiteX3" fmla="*/ 2177333 w 2192286"/>
+              <a:gd name="connsiteY3" fmla="*/ 266937 h 2074249"/>
+              <a:gd name="connsiteX4" fmla="*/ 1482010 w 2192286"/>
+              <a:gd name="connsiteY4" fmla="*/ 547927 h 2074249"/>
+              <a:gd name="connsiteX5" fmla="*/ 1758234 w 2192286"/>
+              <a:gd name="connsiteY5" fmla="*/ 1886185 h 2074249"/>
+              <a:gd name="connsiteX6" fmla="*/ 248522 w 2192286"/>
+              <a:gd name="connsiteY6" fmla="*/ 1943340 h 2074249"/>
+              <a:gd name="connsiteX7" fmla="*/ 596184 w 2192286"/>
+              <a:gd name="connsiteY7" fmla="*/ 747952 h 2074249"/>
+              <a:gd name="connsiteX0" fmla="*/ 596184 w 2194910"/>
+              <a:gd name="connsiteY0" fmla="*/ 747952 h 2074249"/>
+              <a:gd name="connsiteX1" fmla="*/ 15158 w 2194910"/>
+              <a:gd name="connsiteY1" fmla="*/ 305037 h 2074249"/>
+              <a:gd name="connsiteX2" fmla="*/ 1096247 w 2194910"/>
+              <a:gd name="connsiteY2" fmla="*/ 239 h 2074249"/>
+              <a:gd name="connsiteX3" fmla="*/ 2177333 w 2194910"/>
+              <a:gd name="connsiteY3" fmla="*/ 266937 h 2074249"/>
+              <a:gd name="connsiteX4" fmla="*/ 1596310 w 2194910"/>
+              <a:gd name="connsiteY4" fmla="*/ 595552 h 2074249"/>
+              <a:gd name="connsiteX5" fmla="*/ 1758234 w 2194910"/>
+              <a:gd name="connsiteY5" fmla="*/ 1886185 h 2074249"/>
+              <a:gd name="connsiteX6" fmla="*/ 248522 w 2194910"/>
+              <a:gd name="connsiteY6" fmla="*/ 1943340 h 2074249"/>
+              <a:gd name="connsiteX7" fmla="*/ 596184 w 2194910"/>
+              <a:gd name="connsiteY7" fmla="*/ 747952 h 2074249"/>
+              <a:gd name="connsiteX0" fmla="*/ 586013 w 2184739"/>
+              <a:gd name="connsiteY0" fmla="*/ 747952 h 2074249"/>
+              <a:gd name="connsiteX1" fmla="*/ 4987 w 2184739"/>
+              <a:gd name="connsiteY1" fmla="*/ 305037 h 2074249"/>
+              <a:gd name="connsiteX2" fmla="*/ 1086076 w 2184739"/>
+              <a:gd name="connsiteY2" fmla="*/ 239 h 2074249"/>
+              <a:gd name="connsiteX3" fmla="*/ 2167162 w 2184739"/>
+              <a:gd name="connsiteY3" fmla="*/ 266937 h 2074249"/>
+              <a:gd name="connsiteX4" fmla="*/ 1586139 w 2184739"/>
+              <a:gd name="connsiteY4" fmla="*/ 595552 h 2074249"/>
+              <a:gd name="connsiteX5" fmla="*/ 1748063 w 2184739"/>
+              <a:gd name="connsiteY5" fmla="*/ 1886185 h 2074249"/>
+              <a:gd name="connsiteX6" fmla="*/ 238351 w 2184739"/>
+              <a:gd name="connsiteY6" fmla="*/ 1943340 h 2074249"/>
+              <a:gd name="connsiteX7" fmla="*/ 586013 w 2184739"/>
+              <a:gd name="connsiteY7" fmla="*/ 747952 h 2074249"/>
+              <a:gd name="connsiteX0" fmla="*/ 586013 w 2187065"/>
+              <a:gd name="connsiteY0" fmla="*/ 747952 h 2074249"/>
+              <a:gd name="connsiteX1" fmla="*/ 4987 w 2187065"/>
+              <a:gd name="connsiteY1" fmla="*/ 305037 h 2074249"/>
+              <a:gd name="connsiteX2" fmla="*/ 1086076 w 2187065"/>
+              <a:gd name="connsiteY2" fmla="*/ 239 h 2074249"/>
+              <a:gd name="connsiteX3" fmla="*/ 2167162 w 2187065"/>
+              <a:gd name="connsiteY3" fmla="*/ 266937 h 2074249"/>
+              <a:gd name="connsiteX4" fmla="*/ 1586139 w 2187065"/>
+              <a:gd name="connsiteY4" fmla="*/ 595552 h 2074249"/>
+              <a:gd name="connsiteX5" fmla="*/ 1748063 w 2187065"/>
+              <a:gd name="connsiteY5" fmla="*/ 1886185 h 2074249"/>
+              <a:gd name="connsiteX6" fmla="*/ 238351 w 2187065"/>
+              <a:gd name="connsiteY6" fmla="*/ 1943340 h 2074249"/>
+              <a:gd name="connsiteX7" fmla="*/ 586013 w 2187065"/>
+              <a:gd name="connsiteY7" fmla="*/ 747952 h 2074249"/>
+              <a:gd name="connsiteX0" fmla="*/ 581026 w 2182078"/>
+              <a:gd name="connsiteY0" fmla="*/ 747952 h 2074249"/>
+              <a:gd name="connsiteX1" fmla="*/ 0 w 2182078"/>
+              <a:gd name="connsiteY1" fmla="*/ 305037 h 2074249"/>
+              <a:gd name="connsiteX2" fmla="*/ 1081089 w 2182078"/>
+              <a:gd name="connsiteY2" fmla="*/ 239 h 2074249"/>
+              <a:gd name="connsiteX3" fmla="*/ 2162175 w 2182078"/>
+              <a:gd name="connsiteY3" fmla="*/ 266937 h 2074249"/>
+              <a:gd name="connsiteX4" fmla="*/ 1581152 w 2182078"/>
+              <a:gd name="connsiteY4" fmla="*/ 595552 h 2074249"/>
+              <a:gd name="connsiteX5" fmla="*/ 1743076 w 2182078"/>
+              <a:gd name="connsiteY5" fmla="*/ 1886185 h 2074249"/>
+              <a:gd name="connsiteX6" fmla="*/ 233364 w 2182078"/>
+              <a:gd name="connsiteY6" fmla="*/ 1943340 h 2074249"/>
+              <a:gd name="connsiteX7" fmla="*/ 581026 w 2182078"/>
+              <a:gd name="connsiteY7" fmla="*/ 747952 h 2074249"/>
+              <a:gd name="connsiteX0" fmla="*/ 581026 w 2182078"/>
+              <a:gd name="connsiteY0" fmla="*/ 747952 h 2074249"/>
+              <a:gd name="connsiteX1" fmla="*/ 0 w 2182078"/>
+              <a:gd name="connsiteY1" fmla="*/ 305037 h 2074249"/>
+              <a:gd name="connsiteX2" fmla="*/ 1081089 w 2182078"/>
+              <a:gd name="connsiteY2" fmla="*/ 239 h 2074249"/>
+              <a:gd name="connsiteX3" fmla="*/ 2162175 w 2182078"/>
+              <a:gd name="connsiteY3" fmla="*/ 266937 h 2074249"/>
+              <a:gd name="connsiteX4" fmla="*/ 1581152 w 2182078"/>
+              <a:gd name="connsiteY4" fmla="*/ 595552 h 2074249"/>
+              <a:gd name="connsiteX5" fmla="*/ 1743076 w 2182078"/>
+              <a:gd name="connsiteY5" fmla="*/ 1886185 h 2074249"/>
+              <a:gd name="connsiteX6" fmla="*/ 233364 w 2182078"/>
+              <a:gd name="connsiteY6" fmla="*/ 1943340 h 2074249"/>
+              <a:gd name="connsiteX7" fmla="*/ 581026 w 2182078"/>
+              <a:gd name="connsiteY7" fmla="*/ 747952 h 2074249"/>
+            </a:gdLst>
+            <a:ahLst/>
+            <a:cxnLst>
+              <a:cxn ang="0">
+                <a:pos x="connsiteX0" y="connsiteY0"/>
+              </a:cxn>
+              <a:cxn ang="0">
+                <a:pos x="connsiteX1" y="connsiteY1"/>
+              </a:cxn>
+              <a:cxn ang="0">
+                <a:pos x="connsiteX2" y="connsiteY2"/>
+              </a:cxn>
+              <a:cxn ang="0">
+                <a:pos x="connsiteX3" y="connsiteY3"/>
+              </a:cxn>
+              <a:cxn ang="0">
+                <a:pos x="connsiteX4" y="connsiteY4"/>
+              </a:cxn>
+              <a:cxn ang="0">
+                <a:pos x="connsiteX5" y="connsiteY5"/>
+              </a:cxn>
+              <a:cxn ang="0">
+                <a:pos x="connsiteX6" y="connsiteY6"/>
+              </a:cxn>
+              <a:cxn ang="0">
+                <a:pos x="connsiteX7" y="connsiteY7"/>
+              </a:cxn>
+            </a:cxnLst>
+            <a:rect l="l" t="t" r="r" b="b"/>
+            <a:pathLst>
+              <a:path w="2182078" h="2074249">
+                <a:moveTo>
+                  <a:pt x="581026" y="747952"/>
+                </a:moveTo>
+                <a:cubicBezTo>
+                  <a:pt x="542132" y="474902"/>
+                  <a:pt x="267494" y="866218"/>
+                  <a:pt x="0" y="305037"/>
+                </a:cubicBezTo>
+                <a:cubicBezTo>
+                  <a:pt x="418306" y="210581"/>
+                  <a:pt x="720727" y="6589"/>
+                  <a:pt x="1081089" y="239"/>
+                </a:cubicBezTo>
+                <a:cubicBezTo>
+                  <a:pt x="1441451" y="-6111"/>
+                  <a:pt x="2039144" y="115331"/>
+                  <a:pt x="2162175" y="266937"/>
+                </a:cubicBezTo>
+                <a:cubicBezTo>
+                  <a:pt x="2294731" y="809068"/>
+                  <a:pt x="1727202" y="366952"/>
+                  <a:pt x="1581152" y="595552"/>
+                </a:cubicBezTo>
+                <a:cubicBezTo>
+                  <a:pt x="1435102" y="824152"/>
+                  <a:pt x="1948657" y="1653616"/>
+                  <a:pt x="1743076" y="1886185"/>
+                </a:cubicBezTo>
+                <a:cubicBezTo>
+                  <a:pt x="1537495" y="2118754"/>
+                  <a:pt x="427039" y="2133045"/>
+                  <a:pt x="233364" y="1943340"/>
+                </a:cubicBezTo>
+                <a:cubicBezTo>
+                  <a:pt x="39689" y="1753635"/>
+                  <a:pt x="619920" y="1021002"/>
+                  <a:pt x="581026" y="747952"/>
+                </a:cubicBezTo>
+                <a:close/>
+              </a:path>
+            </a:pathLst>
+          </a:custGeom>
+          <a:blipFill dpi="0" rotWithShape="1">
+            <a:blip r:embed="rId6"/>
+            <a:srcRect/>
+            <a:tile tx="0" ty="0" sx="100000" sy="100000" flip="none" algn="ctr"/>
+          </a:blipFill>
+          <a:ln w="25400">
+            <a:solidFill>
+              <a:schemeClr val="tx1"/>
+            </a:solidFill>
+          </a:ln>
+        </p:spPr>
+        <p:style>
+          <a:lnRef idx="2">
+            <a:schemeClr val="accent1">
+              <a:shade val="50000"/>
+            </a:schemeClr>
+          </a:lnRef>
+          <a:fillRef idx="1">
+            <a:schemeClr val="accent1"/>
+          </a:fillRef>
+          <a:effectRef idx="0">
+            <a:schemeClr val="accent1"/>
+          </a:effectRef>
+          <a:fontRef idx="minor">
+            <a:schemeClr val="lt1"/>
+          </a:fontRef>
+        </p:style>
+        <p:txBody>
+          <a:bodyPr rtlCol="0" anchor="ctr"/>
+          <a:lstStyle/>
+          <a:p>
+            <a:pPr algn="ctr"/>
+            <a:endParaRPr lang="pt-BR"/>
+          </a:p>
+        </p:txBody>
+      </p:sp>
+      <p:sp>
+        <p:nvSpPr>
+          <p:cNvPr id="20" name="Rectangle: Rounded Corners 19">
+            <a:extLst>
+              <a:ext uri="{FF2B5EF4-FFF2-40B4-BE49-F238E27FC236}">
+                <a16:creationId xmlns:a16="http://schemas.microsoft.com/office/drawing/2014/main" id="{D8CE1EA0-4BC0-4296-9E0B-7B44C79DBE7B}"/>
+              </a:ext>
+            </a:extLst>
+          </p:cNvPr>
+          <p:cNvSpPr/>
+          <p:nvPr/>
+        </p:nvSpPr>
+        <p:spPr>
+          <a:xfrm>
+            <a:off x="4419600" y="4368450"/>
+            <a:ext cx="1383921" cy="1253721"/>
+          </a:xfrm>
+          <a:custGeom>
+            <a:avLst/>
+            <a:gdLst>
+              <a:gd name="connsiteX0" fmla="*/ 0 w 1685925"/>
+              <a:gd name="connsiteY0" fmla="*/ 200029 h 1200150"/>
+              <a:gd name="connsiteX1" fmla="*/ 200029 w 1685925"/>
+              <a:gd name="connsiteY1" fmla="*/ 0 h 1200150"/>
+              <a:gd name="connsiteX2" fmla="*/ 1485896 w 1685925"/>
+              <a:gd name="connsiteY2" fmla="*/ 0 h 1200150"/>
+              <a:gd name="connsiteX3" fmla="*/ 1685925 w 1685925"/>
+              <a:gd name="connsiteY3" fmla="*/ 200029 h 1200150"/>
+              <a:gd name="connsiteX4" fmla="*/ 1685925 w 1685925"/>
+              <a:gd name="connsiteY4" fmla="*/ 1000121 h 1200150"/>
+              <a:gd name="connsiteX5" fmla="*/ 1485896 w 1685925"/>
+              <a:gd name="connsiteY5" fmla="*/ 1200150 h 1200150"/>
+              <a:gd name="connsiteX6" fmla="*/ 200029 w 1685925"/>
+              <a:gd name="connsiteY6" fmla="*/ 1200150 h 1200150"/>
+              <a:gd name="connsiteX7" fmla="*/ 0 w 1685925"/>
+              <a:gd name="connsiteY7" fmla="*/ 1000121 h 1200150"/>
+              <a:gd name="connsiteX8" fmla="*/ 0 w 1685925"/>
+              <a:gd name="connsiteY8" fmla="*/ 200029 h 1200150"/>
+              <a:gd name="connsiteX0" fmla="*/ 0 w 1685925"/>
+              <a:gd name="connsiteY0" fmla="*/ 200029 h 1200150"/>
+              <a:gd name="connsiteX1" fmla="*/ 200029 w 1685925"/>
+              <a:gd name="connsiteY1" fmla="*/ 0 h 1200150"/>
+              <a:gd name="connsiteX2" fmla="*/ 1533521 w 1685925"/>
+              <a:gd name="connsiteY2" fmla="*/ 152400 h 1200150"/>
+              <a:gd name="connsiteX3" fmla="*/ 1685925 w 1685925"/>
+              <a:gd name="connsiteY3" fmla="*/ 200029 h 1200150"/>
+              <a:gd name="connsiteX4" fmla="*/ 1685925 w 1685925"/>
+              <a:gd name="connsiteY4" fmla="*/ 1000121 h 1200150"/>
+              <a:gd name="connsiteX5" fmla="*/ 1485896 w 1685925"/>
+              <a:gd name="connsiteY5" fmla="*/ 1200150 h 1200150"/>
+              <a:gd name="connsiteX6" fmla="*/ 200029 w 1685925"/>
+              <a:gd name="connsiteY6" fmla="*/ 1200150 h 1200150"/>
+              <a:gd name="connsiteX7" fmla="*/ 0 w 1685925"/>
+              <a:gd name="connsiteY7" fmla="*/ 1000121 h 1200150"/>
+              <a:gd name="connsiteX8" fmla="*/ 0 w 1685925"/>
+              <a:gd name="connsiteY8" fmla="*/ 200029 h 1200150"/>
+              <a:gd name="connsiteX0" fmla="*/ 2368 w 1688293"/>
+              <a:gd name="connsiteY0" fmla="*/ 65430 h 1065551"/>
+              <a:gd name="connsiteX1" fmla="*/ 88097 w 1688293"/>
+              <a:gd name="connsiteY1" fmla="*/ 65426 h 1065551"/>
+              <a:gd name="connsiteX2" fmla="*/ 1535889 w 1688293"/>
+              <a:gd name="connsiteY2" fmla="*/ 17801 h 1065551"/>
+              <a:gd name="connsiteX3" fmla="*/ 1688293 w 1688293"/>
+              <a:gd name="connsiteY3" fmla="*/ 65430 h 1065551"/>
+              <a:gd name="connsiteX4" fmla="*/ 1688293 w 1688293"/>
+              <a:gd name="connsiteY4" fmla="*/ 865522 h 1065551"/>
+              <a:gd name="connsiteX5" fmla="*/ 1488264 w 1688293"/>
+              <a:gd name="connsiteY5" fmla="*/ 1065551 h 1065551"/>
+              <a:gd name="connsiteX6" fmla="*/ 202397 w 1688293"/>
+              <a:gd name="connsiteY6" fmla="*/ 1065551 h 1065551"/>
+              <a:gd name="connsiteX7" fmla="*/ 2368 w 1688293"/>
+              <a:gd name="connsiteY7" fmla="*/ 865522 h 1065551"/>
+              <a:gd name="connsiteX8" fmla="*/ 2368 w 1688293"/>
+              <a:gd name="connsiteY8" fmla="*/ 65430 h 1065551"/>
+              <a:gd name="connsiteX0" fmla="*/ 0 w 1685925"/>
+              <a:gd name="connsiteY0" fmla="*/ 75243 h 1075364"/>
+              <a:gd name="connsiteX1" fmla="*/ 114304 w 1685925"/>
+              <a:gd name="connsiteY1" fmla="*/ 8564 h 1075364"/>
+              <a:gd name="connsiteX2" fmla="*/ 1533521 w 1685925"/>
+              <a:gd name="connsiteY2" fmla="*/ 27614 h 1075364"/>
+              <a:gd name="connsiteX3" fmla="*/ 1685925 w 1685925"/>
+              <a:gd name="connsiteY3" fmla="*/ 75243 h 1075364"/>
+              <a:gd name="connsiteX4" fmla="*/ 1685925 w 1685925"/>
+              <a:gd name="connsiteY4" fmla="*/ 875335 h 1075364"/>
+              <a:gd name="connsiteX5" fmla="*/ 1485896 w 1685925"/>
+              <a:gd name="connsiteY5" fmla="*/ 1075364 h 1075364"/>
+              <a:gd name="connsiteX6" fmla="*/ 200029 w 1685925"/>
+              <a:gd name="connsiteY6" fmla="*/ 1075364 h 1075364"/>
+              <a:gd name="connsiteX7" fmla="*/ 0 w 1685925"/>
+              <a:gd name="connsiteY7" fmla="*/ 875335 h 1075364"/>
+              <a:gd name="connsiteX8" fmla="*/ 0 w 1685925"/>
+              <a:gd name="connsiteY8" fmla="*/ 75243 h 1075364"/>
+              <a:gd name="connsiteX0" fmla="*/ 0 w 1724025"/>
+              <a:gd name="connsiteY0" fmla="*/ 31536 h 1203107"/>
+              <a:gd name="connsiteX1" fmla="*/ 152404 w 1724025"/>
+              <a:gd name="connsiteY1" fmla="*/ 136307 h 1203107"/>
+              <a:gd name="connsiteX2" fmla="*/ 1571621 w 1724025"/>
+              <a:gd name="connsiteY2" fmla="*/ 155357 h 1203107"/>
+              <a:gd name="connsiteX3" fmla="*/ 1724025 w 1724025"/>
+              <a:gd name="connsiteY3" fmla="*/ 202986 h 1203107"/>
+              <a:gd name="connsiteX4" fmla="*/ 1724025 w 1724025"/>
+              <a:gd name="connsiteY4" fmla="*/ 1003078 h 1203107"/>
+              <a:gd name="connsiteX5" fmla="*/ 1523996 w 1724025"/>
+              <a:gd name="connsiteY5" fmla="*/ 1203107 h 1203107"/>
+              <a:gd name="connsiteX6" fmla="*/ 238129 w 1724025"/>
+              <a:gd name="connsiteY6" fmla="*/ 1203107 h 1203107"/>
+              <a:gd name="connsiteX7" fmla="*/ 38100 w 1724025"/>
+              <a:gd name="connsiteY7" fmla="*/ 1003078 h 1203107"/>
+              <a:gd name="connsiteX8" fmla="*/ 0 w 1724025"/>
+              <a:gd name="connsiteY8" fmla="*/ 31536 h 1203107"/>
+              <a:gd name="connsiteX0" fmla="*/ 0 w 1724025"/>
+              <a:gd name="connsiteY0" fmla="*/ 82150 h 1253721"/>
+              <a:gd name="connsiteX1" fmla="*/ 152404 w 1724025"/>
+              <a:gd name="connsiteY1" fmla="*/ 186921 h 1253721"/>
+              <a:gd name="connsiteX2" fmla="*/ 1571621 w 1724025"/>
+              <a:gd name="connsiteY2" fmla="*/ 205971 h 1253721"/>
+              <a:gd name="connsiteX3" fmla="*/ 1704975 w 1724025"/>
+              <a:gd name="connsiteY3" fmla="*/ 25000 h 1253721"/>
+              <a:gd name="connsiteX4" fmla="*/ 1724025 w 1724025"/>
+              <a:gd name="connsiteY4" fmla="*/ 1053692 h 1253721"/>
+              <a:gd name="connsiteX5" fmla="*/ 1523996 w 1724025"/>
+              <a:gd name="connsiteY5" fmla="*/ 1253721 h 1253721"/>
+              <a:gd name="connsiteX6" fmla="*/ 238129 w 1724025"/>
+              <a:gd name="connsiteY6" fmla="*/ 1253721 h 1253721"/>
+              <a:gd name="connsiteX7" fmla="*/ 38100 w 1724025"/>
+              <a:gd name="connsiteY7" fmla="*/ 1053692 h 1253721"/>
+              <a:gd name="connsiteX8" fmla="*/ 0 w 1724025"/>
+              <a:gd name="connsiteY8" fmla="*/ 82150 h 1253721"/>
+              <a:gd name="connsiteX0" fmla="*/ 0 w 1724025"/>
+              <a:gd name="connsiteY0" fmla="*/ 82150 h 1253721"/>
+              <a:gd name="connsiteX1" fmla="*/ 152404 w 1724025"/>
+              <a:gd name="connsiteY1" fmla="*/ 186921 h 1253721"/>
+              <a:gd name="connsiteX2" fmla="*/ 885825 w 1724025"/>
+              <a:gd name="connsiteY2" fmla="*/ 205972 h 1253721"/>
+              <a:gd name="connsiteX3" fmla="*/ 1571621 w 1724025"/>
+              <a:gd name="connsiteY3" fmla="*/ 205971 h 1253721"/>
+              <a:gd name="connsiteX4" fmla="*/ 1704975 w 1724025"/>
+              <a:gd name="connsiteY4" fmla="*/ 25000 h 1253721"/>
+              <a:gd name="connsiteX5" fmla="*/ 1724025 w 1724025"/>
+              <a:gd name="connsiteY5" fmla="*/ 1053692 h 1253721"/>
+              <a:gd name="connsiteX6" fmla="*/ 1523996 w 1724025"/>
+              <a:gd name="connsiteY6" fmla="*/ 1253721 h 1253721"/>
+              <a:gd name="connsiteX7" fmla="*/ 238129 w 1724025"/>
+              <a:gd name="connsiteY7" fmla="*/ 1253721 h 1253721"/>
+              <a:gd name="connsiteX8" fmla="*/ 38100 w 1724025"/>
+              <a:gd name="connsiteY8" fmla="*/ 1053692 h 1253721"/>
+              <a:gd name="connsiteX9" fmla="*/ 0 w 1724025"/>
+              <a:gd name="connsiteY9" fmla="*/ 82150 h 1253721"/>
+              <a:gd name="connsiteX0" fmla="*/ 0 w 1724025"/>
+              <a:gd name="connsiteY0" fmla="*/ 82150 h 1253721"/>
+              <a:gd name="connsiteX1" fmla="*/ 152404 w 1724025"/>
+              <a:gd name="connsiteY1" fmla="*/ 186921 h 1253721"/>
+              <a:gd name="connsiteX2" fmla="*/ 962025 w 1724025"/>
+              <a:gd name="connsiteY2" fmla="*/ 291697 h 1253721"/>
+              <a:gd name="connsiteX3" fmla="*/ 1571621 w 1724025"/>
+              <a:gd name="connsiteY3" fmla="*/ 205971 h 1253721"/>
+              <a:gd name="connsiteX4" fmla="*/ 1704975 w 1724025"/>
+              <a:gd name="connsiteY4" fmla="*/ 25000 h 1253721"/>
+              <a:gd name="connsiteX5" fmla="*/ 1724025 w 1724025"/>
+              <a:gd name="connsiteY5" fmla="*/ 1053692 h 1253721"/>
+              <a:gd name="connsiteX6" fmla="*/ 1523996 w 1724025"/>
+              <a:gd name="connsiteY6" fmla="*/ 1253721 h 1253721"/>
+              <a:gd name="connsiteX7" fmla="*/ 238129 w 1724025"/>
+              <a:gd name="connsiteY7" fmla="*/ 1253721 h 1253721"/>
+              <a:gd name="connsiteX8" fmla="*/ 38100 w 1724025"/>
+              <a:gd name="connsiteY8" fmla="*/ 1053692 h 1253721"/>
+              <a:gd name="connsiteX9" fmla="*/ 0 w 1724025"/>
+              <a:gd name="connsiteY9" fmla="*/ 82150 h 1253721"/>
+              <a:gd name="connsiteX0" fmla="*/ 0 w 1724025"/>
+              <a:gd name="connsiteY0" fmla="*/ 82150 h 1253721"/>
+              <a:gd name="connsiteX1" fmla="*/ 152404 w 1724025"/>
+              <a:gd name="connsiteY1" fmla="*/ 186921 h 1253721"/>
+              <a:gd name="connsiteX2" fmla="*/ 914400 w 1724025"/>
+              <a:gd name="connsiteY2" fmla="*/ 339322 h 1253721"/>
+              <a:gd name="connsiteX3" fmla="*/ 1571621 w 1724025"/>
+              <a:gd name="connsiteY3" fmla="*/ 205971 h 1253721"/>
+              <a:gd name="connsiteX4" fmla="*/ 1704975 w 1724025"/>
+              <a:gd name="connsiteY4" fmla="*/ 25000 h 1253721"/>
+              <a:gd name="connsiteX5" fmla="*/ 1724025 w 1724025"/>
+              <a:gd name="connsiteY5" fmla="*/ 1053692 h 1253721"/>
+              <a:gd name="connsiteX6" fmla="*/ 1523996 w 1724025"/>
+              <a:gd name="connsiteY6" fmla="*/ 1253721 h 1253721"/>
+              <a:gd name="connsiteX7" fmla="*/ 238129 w 1724025"/>
+              <a:gd name="connsiteY7" fmla="*/ 1253721 h 1253721"/>
+              <a:gd name="connsiteX8" fmla="*/ 38100 w 1724025"/>
+              <a:gd name="connsiteY8" fmla="*/ 1053692 h 1253721"/>
+              <a:gd name="connsiteX9" fmla="*/ 0 w 1724025"/>
+              <a:gd name="connsiteY9" fmla="*/ 82150 h 1253721"/>
+              <a:gd name="connsiteX0" fmla="*/ 0 w 1724025"/>
+              <a:gd name="connsiteY0" fmla="*/ 82150 h 1253721"/>
+              <a:gd name="connsiteX1" fmla="*/ 257179 w 1724025"/>
+              <a:gd name="connsiteY1" fmla="*/ 272646 h 1253721"/>
+              <a:gd name="connsiteX2" fmla="*/ 914400 w 1724025"/>
+              <a:gd name="connsiteY2" fmla="*/ 339322 h 1253721"/>
+              <a:gd name="connsiteX3" fmla="*/ 1571621 w 1724025"/>
+              <a:gd name="connsiteY3" fmla="*/ 205971 h 1253721"/>
+              <a:gd name="connsiteX4" fmla="*/ 1704975 w 1724025"/>
+              <a:gd name="connsiteY4" fmla="*/ 25000 h 1253721"/>
+              <a:gd name="connsiteX5" fmla="*/ 1724025 w 1724025"/>
+              <a:gd name="connsiteY5" fmla="*/ 1053692 h 1253721"/>
+              <a:gd name="connsiteX6" fmla="*/ 1523996 w 1724025"/>
+              <a:gd name="connsiteY6" fmla="*/ 1253721 h 1253721"/>
+              <a:gd name="connsiteX7" fmla="*/ 238129 w 1724025"/>
+              <a:gd name="connsiteY7" fmla="*/ 1253721 h 1253721"/>
+              <a:gd name="connsiteX8" fmla="*/ 38100 w 1724025"/>
+              <a:gd name="connsiteY8" fmla="*/ 1053692 h 1253721"/>
+              <a:gd name="connsiteX9" fmla="*/ 0 w 1724025"/>
+              <a:gd name="connsiteY9" fmla="*/ 82150 h 1253721"/>
+              <a:gd name="connsiteX0" fmla="*/ 0 w 1752600"/>
+              <a:gd name="connsiteY0" fmla="*/ 72625 h 1253721"/>
+              <a:gd name="connsiteX1" fmla="*/ 285754 w 1752600"/>
+              <a:gd name="connsiteY1" fmla="*/ 272646 h 1253721"/>
+              <a:gd name="connsiteX2" fmla="*/ 942975 w 1752600"/>
+              <a:gd name="connsiteY2" fmla="*/ 339322 h 1253721"/>
+              <a:gd name="connsiteX3" fmla="*/ 1600196 w 1752600"/>
+              <a:gd name="connsiteY3" fmla="*/ 205971 h 1253721"/>
+              <a:gd name="connsiteX4" fmla="*/ 1733550 w 1752600"/>
+              <a:gd name="connsiteY4" fmla="*/ 25000 h 1253721"/>
+              <a:gd name="connsiteX5" fmla="*/ 1752600 w 1752600"/>
+              <a:gd name="connsiteY5" fmla="*/ 1053692 h 1253721"/>
+              <a:gd name="connsiteX6" fmla="*/ 1552571 w 1752600"/>
+              <a:gd name="connsiteY6" fmla="*/ 1253721 h 1253721"/>
+              <a:gd name="connsiteX7" fmla="*/ 266704 w 1752600"/>
+              <a:gd name="connsiteY7" fmla="*/ 1253721 h 1253721"/>
+              <a:gd name="connsiteX8" fmla="*/ 66675 w 1752600"/>
+              <a:gd name="connsiteY8" fmla="*/ 1053692 h 1253721"/>
+              <a:gd name="connsiteX9" fmla="*/ 0 w 1752600"/>
+              <a:gd name="connsiteY9" fmla="*/ 72625 h 1253721"/>
+            </a:gdLst>
+            <a:ahLst/>
+            <a:cxnLst>
+              <a:cxn ang="0">
+                <a:pos x="connsiteX0" y="connsiteY0"/>
+              </a:cxn>
+              <a:cxn ang="0">
+                <a:pos x="connsiteX1" y="connsiteY1"/>
+              </a:cxn>
+              <a:cxn ang="0">
+                <a:pos x="connsiteX2" y="connsiteY2"/>
+              </a:cxn>
+              <a:cxn ang="0">
+                <a:pos x="connsiteX3" y="connsiteY3"/>
+              </a:cxn>
+              <a:cxn ang="0">
+                <a:pos x="connsiteX4" y="connsiteY4"/>
+              </a:cxn>
+              <a:cxn ang="0">
+                <a:pos x="connsiteX5" y="connsiteY5"/>
+              </a:cxn>
+              <a:cxn ang="0">
+                <a:pos x="connsiteX6" y="connsiteY6"/>
+              </a:cxn>
+              <a:cxn ang="0">
+                <a:pos x="connsiteX7" y="connsiteY7"/>
+              </a:cxn>
+              <a:cxn ang="0">
+                <a:pos x="connsiteX8" y="connsiteY8"/>
+              </a:cxn>
+              <a:cxn ang="0">
+                <a:pos x="connsiteX9" y="connsiteY9"/>
+              </a:cxn>
+            </a:cxnLst>
+            <a:rect l="l" t="t" r="r" b="b"/>
+            <a:pathLst>
+              <a:path w="1752600" h="1253721">
+                <a:moveTo>
+                  <a:pt x="0" y="72625"/>
+                </a:moveTo>
+                <a:cubicBezTo>
+                  <a:pt x="0" y="-37848"/>
+                  <a:pt x="175281" y="272646"/>
+                  <a:pt x="285754" y="272646"/>
+                </a:cubicBezTo>
+                <a:cubicBezTo>
+                  <a:pt x="433392" y="293283"/>
+                  <a:pt x="706439" y="336147"/>
+                  <a:pt x="942975" y="339322"/>
+                </a:cubicBezTo>
+                <a:cubicBezTo>
+                  <a:pt x="1179511" y="342497"/>
+                  <a:pt x="1463671" y="236133"/>
+                  <a:pt x="1600196" y="205971"/>
+                </a:cubicBezTo>
+                <a:cubicBezTo>
+                  <a:pt x="1710669" y="205971"/>
+                  <a:pt x="1733550" y="-85473"/>
+                  <a:pt x="1733550" y="25000"/>
+                </a:cubicBezTo>
+                <a:lnTo>
+                  <a:pt x="1752600" y="1053692"/>
+                </a:lnTo>
+                <a:cubicBezTo>
+                  <a:pt x="1752600" y="1164165"/>
+                  <a:pt x="1663044" y="1253721"/>
+                  <a:pt x="1552571" y="1253721"/>
+                </a:cubicBezTo>
+                <a:lnTo>
+                  <a:pt x="266704" y="1253721"/>
+                </a:lnTo>
+                <a:cubicBezTo>
+                  <a:pt x="156231" y="1253721"/>
+                  <a:pt x="66675" y="1164165"/>
+                  <a:pt x="66675" y="1053692"/>
+                </a:cubicBezTo>
+                <a:lnTo>
+                  <a:pt x="0" y="72625"/>
+                </a:lnTo>
+                <a:close/>
+              </a:path>
+            </a:pathLst>
+          </a:custGeom>
+          <a:blipFill>
+            <a:blip r:embed="rId7"/>
+            <a:stretch>
+              <a:fillRect/>
+            </a:stretch>
+          </a:blipFill>
+          <a:ln w="25400">
+            <a:solidFill>
+              <a:schemeClr val="tx1"/>
+            </a:solidFill>
+          </a:ln>
+        </p:spPr>
+        <p:style>
+          <a:lnRef idx="2">
+            <a:schemeClr val="accent1">
+              <a:shade val="50000"/>
+            </a:schemeClr>
+          </a:lnRef>
+          <a:fillRef idx="1">
+            <a:schemeClr val="accent1"/>
+          </a:fillRef>
+          <a:effectRef idx="0">
+            <a:schemeClr val="accent1"/>
+          </a:effectRef>
+          <a:fontRef idx="minor">
+            <a:schemeClr val="lt1"/>
+          </a:fontRef>
+        </p:style>
+        <p:txBody>
+          <a:bodyPr rtlCol="0" anchor="ctr"/>
+          <a:lstStyle/>
+          <a:p>
+            <a:pPr algn="ctr"/>
+            <a:endParaRPr lang="pt-BR"/>
+          </a:p>
+        </p:txBody>
+      </p:sp>
+      <p:sp>
+        <p:nvSpPr>
+          <p:cNvPr id="22" name="Rectangle 21">
+            <a:extLst>
+              <a:ext uri="{FF2B5EF4-FFF2-40B4-BE49-F238E27FC236}">
+                <a16:creationId xmlns:a16="http://schemas.microsoft.com/office/drawing/2014/main" id="{3360C590-3462-45E7-AC6F-C4103F0A92DC}"/>
+              </a:ext>
+            </a:extLst>
+          </p:cNvPr>
+          <p:cNvSpPr/>
+          <p:nvPr/>
+        </p:nvSpPr>
+        <p:spPr>
+          <a:xfrm>
+            <a:off x="4899025" y="5012775"/>
+            <a:ext cx="422756" cy="628446"/>
+          </a:xfrm>
+          <a:custGeom>
+            <a:avLst/>
+            <a:gdLst>
+              <a:gd name="connsiteX0" fmla="*/ 0 w 363490"/>
+              <a:gd name="connsiteY0" fmla="*/ 0 h 628446"/>
+              <a:gd name="connsiteX1" fmla="*/ 363490 w 363490"/>
+              <a:gd name="connsiteY1" fmla="*/ 0 h 628446"/>
+              <a:gd name="connsiteX2" fmla="*/ 363490 w 363490"/>
+              <a:gd name="connsiteY2" fmla="*/ 628446 h 628446"/>
+              <a:gd name="connsiteX3" fmla="*/ 0 w 363490"/>
+              <a:gd name="connsiteY3" fmla="*/ 628446 h 628446"/>
+              <a:gd name="connsiteX4" fmla="*/ 0 w 363490"/>
+              <a:gd name="connsiteY4" fmla="*/ 0 h 628446"/>
+              <a:gd name="connsiteX0" fmla="*/ 0 w 363490"/>
+              <a:gd name="connsiteY0" fmla="*/ 0 h 628446"/>
+              <a:gd name="connsiteX1" fmla="*/ 363490 w 363490"/>
+              <a:gd name="connsiteY1" fmla="*/ 0 h 628446"/>
+              <a:gd name="connsiteX2" fmla="*/ 363490 w 363490"/>
+              <a:gd name="connsiteY2" fmla="*/ 628446 h 628446"/>
+              <a:gd name="connsiteX3" fmla="*/ 0 w 363490"/>
+              <a:gd name="connsiteY3" fmla="*/ 628446 h 628446"/>
+              <a:gd name="connsiteX4" fmla="*/ 0 w 363490"/>
+              <a:gd name="connsiteY4" fmla="*/ 0 h 628446"/>
+              <a:gd name="connsiteX0" fmla="*/ 0 w 363490"/>
+              <a:gd name="connsiteY0" fmla="*/ 0 h 628446"/>
+              <a:gd name="connsiteX1" fmla="*/ 363490 w 363490"/>
+              <a:gd name="connsiteY1" fmla="*/ 0 h 628446"/>
+              <a:gd name="connsiteX2" fmla="*/ 363490 w 363490"/>
+              <a:gd name="connsiteY2" fmla="*/ 628446 h 628446"/>
+              <a:gd name="connsiteX3" fmla="*/ 0 w 363490"/>
+              <a:gd name="connsiteY3" fmla="*/ 628446 h 628446"/>
+              <a:gd name="connsiteX4" fmla="*/ 0 w 363490"/>
+              <a:gd name="connsiteY4" fmla="*/ 0 h 628446"/>
+              <a:gd name="connsiteX0" fmla="*/ 0 w 363490"/>
+              <a:gd name="connsiteY0" fmla="*/ 0 h 628446"/>
+              <a:gd name="connsiteX1" fmla="*/ 363490 w 363490"/>
+              <a:gd name="connsiteY1" fmla="*/ 0 h 628446"/>
+              <a:gd name="connsiteX2" fmla="*/ 363490 w 363490"/>
+              <a:gd name="connsiteY2" fmla="*/ 628446 h 628446"/>
+              <a:gd name="connsiteX3" fmla="*/ 0 w 363490"/>
+              <a:gd name="connsiteY3" fmla="*/ 628446 h 628446"/>
+              <a:gd name="connsiteX4" fmla="*/ 0 w 363490"/>
+              <a:gd name="connsiteY4" fmla="*/ 0 h 628446"/>
+              <a:gd name="connsiteX0" fmla="*/ 0 w 397356"/>
+              <a:gd name="connsiteY0" fmla="*/ 0 h 628446"/>
+              <a:gd name="connsiteX1" fmla="*/ 363490 w 397356"/>
+              <a:gd name="connsiteY1" fmla="*/ 0 h 628446"/>
+              <a:gd name="connsiteX2" fmla="*/ 363490 w 397356"/>
+              <a:gd name="connsiteY2" fmla="*/ 628446 h 628446"/>
+              <a:gd name="connsiteX3" fmla="*/ 0 w 397356"/>
+              <a:gd name="connsiteY3" fmla="*/ 628446 h 628446"/>
+              <a:gd name="connsiteX4" fmla="*/ 0 w 397356"/>
+              <a:gd name="connsiteY4" fmla="*/ 0 h 628446"/>
+              <a:gd name="connsiteX0" fmla="*/ 0 w 397356"/>
+              <a:gd name="connsiteY0" fmla="*/ 0 h 628446"/>
+              <a:gd name="connsiteX1" fmla="*/ 363490 w 397356"/>
+              <a:gd name="connsiteY1" fmla="*/ 0 h 628446"/>
+              <a:gd name="connsiteX2" fmla="*/ 363490 w 397356"/>
+              <a:gd name="connsiteY2" fmla="*/ 628446 h 628446"/>
+              <a:gd name="connsiteX3" fmla="*/ 0 w 397356"/>
+              <a:gd name="connsiteY3" fmla="*/ 628446 h 628446"/>
+              <a:gd name="connsiteX4" fmla="*/ 0 w 397356"/>
+              <a:gd name="connsiteY4" fmla="*/ 0 h 628446"/>
+              <a:gd name="connsiteX0" fmla="*/ 25400 w 422756"/>
+              <a:gd name="connsiteY0" fmla="*/ 0 h 628446"/>
+              <a:gd name="connsiteX1" fmla="*/ 388890 w 422756"/>
+              <a:gd name="connsiteY1" fmla="*/ 0 h 628446"/>
+              <a:gd name="connsiteX2" fmla="*/ 388890 w 422756"/>
+              <a:gd name="connsiteY2" fmla="*/ 628446 h 628446"/>
+              <a:gd name="connsiteX3" fmla="*/ 25400 w 422756"/>
+              <a:gd name="connsiteY3" fmla="*/ 628446 h 628446"/>
+              <a:gd name="connsiteX4" fmla="*/ 25400 w 422756"/>
+              <a:gd name="connsiteY4" fmla="*/ 0 h 628446"/>
+            </a:gdLst>
+            <a:ahLst/>
+            <a:cxnLst>
+              <a:cxn ang="0">
+                <a:pos x="connsiteX0" y="connsiteY0"/>
+              </a:cxn>
+              <a:cxn ang="0">
+                <a:pos x="connsiteX1" y="connsiteY1"/>
+              </a:cxn>
+              <a:cxn ang="0">
+                <a:pos x="connsiteX2" y="connsiteY2"/>
+              </a:cxn>
+              <a:cxn ang="0">
+                <a:pos x="connsiteX3" y="connsiteY3"/>
+              </a:cxn>
+              <a:cxn ang="0">
+                <a:pos x="connsiteX4" y="connsiteY4"/>
+              </a:cxn>
+            </a:cxnLst>
+            <a:rect l="l" t="t" r="r" b="b"/>
+            <a:pathLst>
+              <a:path w="422756" h="628446">
+                <a:moveTo>
+                  <a:pt x="25400" y="0"/>
+                </a:moveTo>
+                <a:cubicBezTo>
+                  <a:pt x="232288" y="47625"/>
+                  <a:pt x="267727" y="0"/>
+                  <a:pt x="388890" y="0"/>
+                </a:cubicBezTo>
+                <a:cubicBezTo>
+                  <a:pt x="465090" y="228532"/>
+                  <a:pt x="388890" y="418964"/>
+                  <a:pt x="388890" y="628446"/>
+                </a:cubicBezTo>
+                <a:lnTo>
+                  <a:pt x="25400" y="628446"/>
+                </a:lnTo>
+                <a:cubicBezTo>
+                  <a:pt x="25400" y="418964"/>
+                  <a:pt x="-31750" y="323782"/>
+                  <a:pt x="25400" y="0"/>
+                </a:cubicBezTo>
+                <a:close/>
+              </a:path>
+            </a:pathLst>
+          </a:custGeom>
+          <a:solidFill>
+            <a:schemeClr val="bg1"/>
+          </a:solidFill>
+          <a:ln>
+            <a:noFill/>
+          </a:ln>
+        </p:spPr>
+        <p:style>
+          <a:lnRef idx="2">
+            <a:schemeClr val="accent1">
+              <a:shade val="50000"/>
+            </a:schemeClr>
+          </a:lnRef>
+          <a:fillRef idx="1">
+            <a:schemeClr val="accent1"/>
+          </a:fillRef>
+          <a:effectRef idx="0">
+            <a:schemeClr val="accent1"/>
+          </a:effectRef>
+          <a:fontRef idx="minor">
+            <a:schemeClr val="lt1"/>
+          </a:fontRef>
+        </p:style>
+        <p:txBody>
+          <a:bodyPr rtlCol="0" anchor="ctr"/>
+          <a:lstStyle/>
+          <a:p>
+            <a:pPr algn="ctr"/>
+            <a:endParaRPr lang="pt-BR"/>
+          </a:p>
+        </p:txBody>
+      </p:sp>
+      <p:sp>
+        <p:nvSpPr>
+          <p:cNvPr id="26" name="Oval 5">
+            <a:extLst>
+              <a:ext uri="{FF2B5EF4-FFF2-40B4-BE49-F238E27FC236}">
+                <a16:creationId xmlns:a16="http://schemas.microsoft.com/office/drawing/2014/main" id="{D1326B51-B428-481A-BA10-1079DFD70317}"/>
+              </a:ext>
+            </a:extLst>
+          </p:cNvPr>
+          <p:cNvSpPr/>
+          <p:nvPr/>
+        </p:nvSpPr>
+        <p:spPr>
+          <a:xfrm>
+            <a:off x="7365220" y="2311515"/>
+            <a:ext cx="552450" cy="271590"/>
+          </a:xfrm>
+          <a:custGeom>
+            <a:avLst/>
+            <a:gdLst>
+              <a:gd name="connsiteX0" fmla="*/ 0 w 323850"/>
+              <a:gd name="connsiteY0" fmla="*/ 133468 h 266935"/>
+              <a:gd name="connsiteX1" fmla="*/ 161925 w 323850"/>
+              <a:gd name="connsiteY1" fmla="*/ 0 h 266935"/>
+              <a:gd name="connsiteX2" fmla="*/ 323850 w 323850"/>
+              <a:gd name="connsiteY2" fmla="*/ 133468 h 266935"/>
+              <a:gd name="connsiteX3" fmla="*/ 161925 w 323850"/>
+              <a:gd name="connsiteY3" fmla="*/ 266936 h 266935"/>
+              <a:gd name="connsiteX4" fmla="*/ 0 w 323850"/>
+              <a:gd name="connsiteY4" fmla="*/ 133468 h 266935"/>
+              <a:gd name="connsiteX0" fmla="*/ 0 w 352425"/>
+              <a:gd name="connsiteY0" fmla="*/ 96239 h 268230"/>
+              <a:gd name="connsiteX1" fmla="*/ 190500 w 352425"/>
+              <a:gd name="connsiteY1" fmla="*/ 871 h 268230"/>
+              <a:gd name="connsiteX2" fmla="*/ 352425 w 352425"/>
+              <a:gd name="connsiteY2" fmla="*/ 134339 h 268230"/>
+              <a:gd name="connsiteX3" fmla="*/ 190500 w 352425"/>
+              <a:gd name="connsiteY3" fmla="*/ 267807 h 268230"/>
+              <a:gd name="connsiteX4" fmla="*/ 0 w 352425"/>
+              <a:gd name="connsiteY4" fmla="*/ 96239 h 268230"/>
+              <a:gd name="connsiteX0" fmla="*/ 0 w 438150"/>
+              <a:gd name="connsiteY0" fmla="*/ 95444 h 267032"/>
+              <a:gd name="connsiteX1" fmla="*/ 190500 w 438150"/>
+              <a:gd name="connsiteY1" fmla="*/ 76 h 267032"/>
+              <a:gd name="connsiteX2" fmla="*/ 438150 w 438150"/>
+              <a:gd name="connsiteY2" fmla="*/ 104969 h 267032"/>
+              <a:gd name="connsiteX3" fmla="*/ 190500 w 438150"/>
+              <a:gd name="connsiteY3" fmla="*/ 267012 h 267032"/>
+              <a:gd name="connsiteX4" fmla="*/ 0 w 438150"/>
+              <a:gd name="connsiteY4" fmla="*/ 95444 h 267032"/>
+              <a:gd name="connsiteX0" fmla="*/ 0 w 466725"/>
+              <a:gd name="connsiteY0" fmla="*/ 96023 h 267664"/>
+              <a:gd name="connsiteX1" fmla="*/ 190500 w 466725"/>
+              <a:gd name="connsiteY1" fmla="*/ 655 h 267664"/>
+              <a:gd name="connsiteX2" fmla="*/ 466725 w 466725"/>
+              <a:gd name="connsiteY2" fmla="*/ 76973 h 267664"/>
+              <a:gd name="connsiteX3" fmla="*/ 190500 w 466725"/>
+              <a:gd name="connsiteY3" fmla="*/ 267591 h 267664"/>
+              <a:gd name="connsiteX4" fmla="*/ 0 w 466725"/>
+              <a:gd name="connsiteY4" fmla="*/ 96023 h 267664"/>
+              <a:gd name="connsiteX0" fmla="*/ 0 w 466725"/>
+              <a:gd name="connsiteY0" fmla="*/ 96023 h 267664"/>
+              <a:gd name="connsiteX1" fmla="*/ 190500 w 466725"/>
+              <a:gd name="connsiteY1" fmla="*/ 655 h 267664"/>
+              <a:gd name="connsiteX2" fmla="*/ 466725 w 466725"/>
+              <a:gd name="connsiteY2" fmla="*/ 76973 h 267664"/>
+              <a:gd name="connsiteX3" fmla="*/ 190500 w 466725"/>
+              <a:gd name="connsiteY3" fmla="*/ 267591 h 267664"/>
+              <a:gd name="connsiteX4" fmla="*/ 0 w 466725"/>
+              <a:gd name="connsiteY4" fmla="*/ 96023 h 267664"/>
+              <a:gd name="connsiteX0" fmla="*/ 0 w 552450"/>
+              <a:gd name="connsiteY0" fmla="*/ 99746 h 271590"/>
+              <a:gd name="connsiteX1" fmla="*/ 190500 w 552450"/>
+              <a:gd name="connsiteY1" fmla="*/ 4378 h 271590"/>
+              <a:gd name="connsiteX2" fmla="*/ 552450 w 552450"/>
+              <a:gd name="connsiteY2" fmla="*/ 61646 h 271590"/>
+              <a:gd name="connsiteX3" fmla="*/ 190500 w 552450"/>
+              <a:gd name="connsiteY3" fmla="*/ 271314 h 271590"/>
+              <a:gd name="connsiteX4" fmla="*/ 0 w 552450"/>
+              <a:gd name="connsiteY4" fmla="*/ 99746 h 271590"/>
+            </a:gdLst>
+            <a:ahLst/>
+            <a:cxnLst>
+              <a:cxn ang="0">
+                <a:pos x="connsiteX0" y="connsiteY0"/>
+              </a:cxn>
+              <a:cxn ang="0">
+                <a:pos x="connsiteX1" y="connsiteY1"/>
+              </a:cxn>
+              <a:cxn ang="0">
+                <a:pos x="connsiteX2" y="connsiteY2"/>
+              </a:cxn>
+              <a:cxn ang="0">
+                <a:pos x="connsiteX3" y="connsiteY3"/>
+              </a:cxn>
+              <a:cxn ang="0">
+                <a:pos x="connsiteX4" y="connsiteY4"/>
+              </a:cxn>
+            </a:cxnLst>
+            <a:rect l="l" t="t" r="r" b="b"/>
+            <a:pathLst>
+              <a:path w="552450" h="271590">
+                <a:moveTo>
+                  <a:pt x="0" y="99746"/>
+                </a:moveTo>
+                <a:cubicBezTo>
+                  <a:pt x="0" y="26034"/>
+                  <a:pt x="98425" y="10728"/>
+                  <a:pt x="190500" y="4378"/>
+                </a:cubicBezTo>
+                <a:cubicBezTo>
+                  <a:pt x="282575" y="-1972"/>
+                  <a:pt x="552450" y="-12066"/>
+                  <a:pt x="552450" y="61646"/>
+                </a:cubicBezTo>
+                <a:cubicBezTo>
+                  <a:pt x="552450" y="135358"/>
+                  <a:pt x="282575" y="264964"/>
+                  <a:pt x="190500" y="271314"/>
+                </a:cubicBezTo>
+                <a:cubicBezTo>
+                  <a:pt x="98425" y="277664"/>
+                  <a:pt x="0" y="173458"/>
+                  <a:pt x="0" y="99746"/>
+                </a:cubicBezTo>
+                <a:close/>
+              </a:path>
+            </a:pathLst>
+          </a:custGeom>
+          <a:solidFill>
+            <a:schemeClr val="bg1"/>
+          </a:solidFill>
+          <a:ln w="25400">
+            <a:solidFill>
+              <a:schemeClr val="tx1"/>
+            </a:solidFill>
+          </a:ln>
+        </p:spPr>
+        <p:style>
+          <a:lnRef idx="2">
+            <a:schemeClr val="accent1">
+              <a:shade val="50000"/>
+            </a:schemeClr>
+          </a:lnRef>
+          <a:fillRef idx="1">
+            <a:schemeClr val="accent1"/>
+          </a:fillRef>
+          <a:effectRef idx="0">
+            <a:schemeClr val="accent1"/>
+          </a:effectRef>
+          <a:fontRef idx="minor">
+            <a:schemeClr val="lt1"/>
+          </a:fontRef>
+        </p:style>
+        <p:txBody>
+          <a:bodyPr rtlCol="0" anchor="ctr"/>
+          <a:lstStyle/>
+          <a:p>
+            <a:pPr algn="ctr"/>
+            <a:endParaRPr lang="pt-BR"/>
+          </a:p>
+        </p:txBody>
+      </p:sp>
+      <p:pic>
+        <p:nvPicPr>
+          <p:cNvPr id="27" name="Picture 26">
+            <a:extLst>
+              <a:ext uri="{FF2B5EF4-FFF2-40B4-BE49-F238E27FC236}">
+                <a16:creationId xmlns:a16="http://schemas.microsoft.com/office/drawing/2014/main" id="{17765BB1-5EC5-4FA5-8A28-D101DB968579}"/>
+              </a:ext>
+            </a:extLst>
+          </p:cNvPr>
+          <p:cNvPicPr>
+            <a:picLocks noChangeAspect="1"/>
+          </p:cNvPicPr>
+          <p:nvPr/>
+        </p:nvPicPr>
+        <p:blipFill>
+          <a:blip r:embed="rId5"/>
+          <a:stretch>
+            <a:fillRect/>
+          </a:stretch>
+        </p:blipFill>
+        <p:spPr>
+          <a:xfrm>
+            <a:off x="7641445" y="2750288"/>
+            <a:ext cx="331514" cy="458092"/>
+          </a:xfrm>
+          <a:prstGeom prst="rect">
+            <a:avLst/>
+          </a:prstGeom>
+        </p:spPr>
+      </p:pic>
+      <p:sp>
+        <p:nvSpPr>
+          <p:cNvPr id="28" name="Rectangle: Rounded Corners 19">
+            <a:extLst>
+              <a:ext uri="{FF2B5EF4-FFF2-40B4-BE49-F238E27FC236}">
+                <a16:creationId xmlns:a16="http://schemas.microsoft.com/office/drawing/2014/main" id="{24BAE159-9753-4794-90DB-7676BC1AD8CB}"/>
+              </a:ext>
+            </a:extLst>
+          </p:cNvPr>
+          <p:cNvSpPr/>
+          <p:nvPr/>
+        </p:nvSpPr>
+        <p:spPr>
+          <a:xfrm>
+            <a:off x="6773130" y="4368450"/>
+            <a:ext cx="1383921" cy="1253721"/>
+          </a:xfrm>
+          <a:custGeom>
+            <a:avLst/>
+            <a:gdLst>
+              <a:gd name="connsiteX0" fmla="*/ 0 w 1685925"/>
+              <a:gd name="connsiteY0" fmla="*/ 200029 h 1200150"/>
+              <a:gd name="connsiteX1" fmla="*/ 200029 w 1685925"/>
+              <a:gd name="connsiteY1" fmla="*/ 0 h 1200150"/>
+              <a:gd name="connsiteX2" fmla="*/ 1485896 w 1685925"/>
+              <a:gd name="connsiteY2" fmla="*/ 0 h 1200150"/>
+              <a:gd name="connsiteX3" fmla="*/ 1685925 w 1685925"/>
+              <a:gd name="connsiteY3" fmla="*/ 200029 h 1200150"/>
+              <a:gd name="connsiteX4" fmla="*/ 1685925 w 1685925"/>
+              <a:gd name="connsiteY4" fmla="*/ 1000121 h 1200150"/>
+              <a:gd name="connsiteX5" fmla="*/ 1485896 w 1685925"/>
+              <a:gd name="connsiteY5" fmla="*/ 1200150 h 1200150"/>
+              <a:gd name="connsiteX6" fmla="*/ 200029 w 1685925"/>
+              <a:gd name="connsiteY6" fmla="*/ 1200150 h 1200150"/>
+              <a:gd name="connsiteX7" fmla="*/ 0 w 1685925"/>
+              <a:gd name="connsiteY7" fmla="*/ 1000121 h 1200150"/>
+              <a:gd name="connsiteX8" fmla="*/ 0 w 1685925"/>
+              <a:gd name="connsiteY8" fmla="*/ 200029 h 1200150"/>
+              <a:gd name="connsiteX0" fmla="*/ 0 w 1685925"/>
+              <a:gd name="connsiteY0" fmla="*/ 200029 h 1200150"/>
+              <a:gd name="connsiteX1" fmla="*/ 200029 w 1685925"/>
+              <a:gd name="connsiteY1" fmla="*/ 0 h 1200150"/>
+              <a:gd name="connsiteX2" fmla="*/ 1533521 w 1685925"/>
+              <a:gd name="connsiteY2" fmla="*/ 152400 h 1200150"/>
+              <a:gd name="connsiteX3" fmla="*/ 1685925 w 1685925"/>
+              <a:gd name="connsiteY3" fmla="*/ 200029 h 1200150"/>
+              <a:gd name="connsiteX4" fmla="*/ 1685925 w 1685925"/>
+              <a:gd name="connsiteY4" fmla="*/ 1000121 h 1200150"/>
+              <a:gd name="connsiteX5" fmla="*/ 1485896 w 1685925"/>
+              <a:gd name="connsiteY5" fmla="*/ 1200150 h 1200150"/>
+              <a:gd name="connsiteX6" fmla="*/ 200029 w 1685925"/>
+              <a:gd name="connsiteY6" fmla="*/ 1200150 h 1200150"/>
+              <a:gd name="connsiteX7" fmla="*/ 0 w 1685925"/>
+              <a:gd name="connsiteY7" fmla="*/ 1000121 h 1200150"/>
+              <a:gd name="connsiteX8" fmla="*/ 0 w 1685925"/>
+              <a:gd name="connsiteY8" fmla="*/ 200029 h 1200150"/>
+              <a:gd name="connsiteX0" fmla="*/ 2368 w 1688293"/>
+              <a:gd name="connsiteY0" fmla="*/ 65430 h 1065551"/>
+              <a:gd name="connsiteX1" fmla="*/ 88097 w 1688293"/>
+              <a:gd name="connsiteY1" fmla="*/ 65426 h 1065551"/>
+              <a:gd name="connsiteX2" fmla="*/ 1535889 w 1688293"/>
+              <a:gd name="connsiteY2" fmla="*/ 17801 h 1065551"/>
+              <a:gd name="connsiteX3" fmla="*/ 1688293 w 1688293"/>
+              <a:gd name="connsiteY3" fmla="*/ 65430 h 1065551"/>
+              <a:gd name="connsiteX4" fmla="*/ 1688293 w 1688293"/>
+              <a:gd name="connsiteY4" fmla="*/ 865522 h 1065551"/>
+              <a:gd name="connsiteX5" fmla="*/ 1488264 w 1688293"/>
+              <a:gd name="connsiteY5" fmla="*/ 1065551 h 1065551"/>
+              <a:gd name="connsiteX6" fmla="*/ 202397 w 1688293"/>
+              <a:gd name="connsiteY6" fmla="*/ 1065551 h 1065551"/>
+              <a:gd name="connsiteX7" fmla="*/ 2368 w 1688293"/>
+              <a:gd name="connsiteY7" fmla="*/ 865522 h 1065551"/>
+              <a:gd name="connsiteX8" fmla="*/ 2368 w 1688293"/>
+              <a:gd name="connsiteY8" fmla="*/ 65430 h 1065551"/>
+              <a:gd name="connsiteX0" fmla="*/ 0 w 1685925"/>
+              <a:gd name="connsiteY0" fmla="*/ 75243 h 1075364"/>
+              <a:gd name="connsiteX1" fmla="*/ 114304 w 1685925"/>
+              <a:gd name="connsiteY1" fmla="*/ 8564 h 1075364"/>
+              <a:gd name="connsiteX2" fmla="*/ 1533521 w 1685925"/>
+              <a:gd name="connsiteY2" fmla="*/ 27614 h 1075364"/>
+              <a:gd name="connsiteX3" fmla="*/ 1685925 w 1685925"/>
+              <a:gd name="connsiteY3" fmla="*/ 75243 h 1075364"/>
+              <a:gd name="connsiteX4" fmla="*/ 1685925 w 1685925"/>
+              <a:gd name="connsiteY4" fmla="*/ 875335 h 1075364"/>
+              <a:gd name="connsiteX5" fmla="*/ 1485896 w 1685925"/>
+              <a:gd name="connsiteY5" fmla="*/ 1075364 h 1075364"/>
+              <a:gd name="connsiteX6" fmla="*/ 200029 w 1685925"/>
+              <a:gd name="connsiteY6" fmla="*/ 1075364 h 1075364"/>
+              <a:gd name="connsiteX7" fmla="*/ 0 w 1685925"/>
+              <a:gd name="connsiteY7" fmla="*/ 875335 h 1075364"/>
+              <a:gd name="connsiteX8" fmla="*/ 0 w 1685925"/>
+              <a:gd name="connsiteY8" fmla="*/ 75243 h 1075364"/>
+              <a:gd name="connsiteX0" fmla="*/ 0 w 1724025"/>
+              <a:gd name="connsiteY0" fmla="*/ 31536 h 1203107"/>
+              <a:gd name="connsiteX1" fmla="*/ 152404 w 1724025"/>
+              <a:gd name="connsiteY1" fmla="*/ 136307 h 1203107"/>
+              <a:gd name="connsiteX2" fmla="*/ 1571621 w 1724025"/>
+              <a:gd name="connsiteY2" fmla="*/ 155357 h 1203107"/>
+              <a:gd name="connsiteX3" fmla="*/ 1724025 w 1724025"/>
+              <a:gd name="connsiteY3" fmla="*/ 202986 h 1203107"/>
+              <a:gd name="connsiteX4" fmla="*/ 1724025 w 1724025"/>
+              <a:gd name="connsiteY4" fmla="*/ 1003078 h 1203107"/>
+              <a:gd name="connsiteX5" fmla="*/ 1523996 w 1724025"/>
+              <a:gd name="connsiteY5" fmla="*/ 1203107 h 1203107"/>
+              <a:gd name="connsiteX6" fmla="*/ 238129 w 1724025"/>
+              <a:gd name="connsiteY6" fmla="*/ 1203107 h 1203107"/>
+              <a:gd name="connsiteX7" fmla="*/ 38100 w 1724025"/>
+              <a:gd name="connsiteY7" fmla="*/ 1003078 h 1203107"/>
+              <a:gd name="connsiteX8" fmla="*/ 0 w 1724025"/>
+              <a:gd name="connsiteY8" fmla="*/ 31536 h 1203107"/>
+              <a:gd name="connsiteX0" fmla="*/ 0 w 1724025"/>
+              <a:gd name="connsiteY0" fmla="*/ 82150 h 1253721"/>
+              <a:gd name="connsiteX1" fmla="*/ 152404 w 1724025"/>
+              <a:gd name="connsiteY1" fmla="*/ 186921 h 1253721"/>
+              <a:gd name="connsiteX2" fmla="*/ 1571621 w 1724025"/>
+              <a:gd name="connsiteY2" fmla="*/ 205971 h 1253721"/>
+              <a:gd name="connsiteX3" fmla="*/ 1704975 w 1724025"/>
+              <a:gd name="connsiteY3" fmla="*/ 25000 h 1253721"/>
+              <a:gd name="connsiteX4" fmla="*/ 1724025 w 1724025"/>
+              <a:gd name="connsiteY4" fmla="*/ 1053692 h 1253721"/>
+              <a:gd name="connsiteX5" fmla="*/ 1523996 w 1724025"/>
+              <a:gd name="connsiteY5" fmla="*/ 1253721 h 1253721"/>
+              <a:gd name="connsiteX6" fmla="*/ 238129 w 1724025"/>
+              <a:gd name="connsiteY6" fmla="*/ 1253721 h 1253721"/>
+              <a:gd name="connsiteX7" fmla="*/ 38100 w 1724025"/>
+              <a:gd name="connsiteY7" fmla="*/ 1053692 h 1253721"/>
+              <a:gd name="connsiteX8" fmla="*/ 0 w 1724025"/>
+              <a:gd name="connsiteY8" fmla="*/ 82150 h 1253721"/>
+              <a:gd name="connsiteX0" fmla="*/ 0 w 1724025"/>
+              <a:gd name="connsiteY0" fmla="*/ 82150 h 1253721"/>
+              <a:gd name="connsiteX1" fmla="*/ 152404 w 1724025"/>
+              <a:gd name="connsiteY1" fmla="*/ 186921 h 1253721"/>
+              <a:gd name="connsiteX2" fmla="*/ 885825 w 1724025"/>
+              <a:gd name="connsiteY2" fmla="*/ 205972 h 1253721"/>
+              <a:gd name="connsiteX3" fmla="*/ 1571621 w 1724025"/>
+              <a:gd name="connsiteY3" fmla="*/ 205971 h 1253721"/>
+              <a:gd name="connsiteX4" fmla="*/ 1704975 w 1724025"/>
+              <a:gd name="connsiteY4" fmla="*/ 25000 h 1253721"/>
+              <a:gd name="connsiteX5" fmla="*/ 1724025 w 1724025"/>
+              <a:gd name="connsiteY5" fmla="*/ 1053692 h 1253721"/>
+              <a:gd name="connsiteX6" fmla="*/ 1523996 w 1724025"/>
+              <a:gd name="connsiteY6" fmla="*/ 1253721 h 1253721"/>
+              <a:gd name="connsiteX7" fmla="*/ 238129 w 1724025"/>
+              <a:gd name="connsiteY7" fmla="*/ 1253721 h 1253721"/>
+              <a:gd name="connsiteX8" fmla="*/ 38100 w 1724025"/>
+              <a:gd name="connsiteY8" fmla="*/ 1053692 h 1253721"/>
+              <a:gd name="connsiteX9" fmla="*/ 0 w 1724025"/>
+              <a:gd name="connsiteY9" fmla="*/ 82150 h 1253721"/>
+              <a:gd name="connsiteX0" fmla="*/ 0 w 1724025"/>
+              <a:gd name="connsiteY0" fmla="*/ 82150 h 1253721"/>
+              <a:gd name="connsiteX1" fmla="*/ 152404 w 1724025"/>
+              <a:gd name="connsiteY1" fmla="*/ 186921 h 1253721"/>
+              <a:gd name="connsiteX2" fmla="*/ 962025 w 1724025"/>
+              <a:gd name="connsiteY2" fmla="*/ 291697 h 1253721"/>
+              <a:gd name="connsiteX3" fmla="*/ 1571621 w 1724025"/>
+              <a:gd name="connsiteY3" fmla="*/ 205971 h 1253721"/>
+              <a:gd name="connsiteX4" fmla="*/ 1704975 w 1724025"/>
+              <a:gd name="connsiteY4" fmla="*/ 25000 h 1253721"/>
+              <a:gd name="connsiteX5" fmla="*/ 1724025 w 1724025"/>
+              <a:gd name="connsiteY5" fmla="*/ 1053692 h 1253721"/>
+              <a:gd name="connsiteX6" fmla="*/ 1523996 w 1724025"/>
+              <a:gd name="connsiteY6" fmla="*/ 1253721 h 1253721"/>
+              <a:gd name="connsiteX7" fmla="*/ 238129 w 1724025"/>
+              <a:gd name="connsiteY7" fmla="*/ 1253721 h 1253721"/>
+              <a:gd name="connsiteX8" fmla="*/ 38100 w 1724025"/>
+              <a:gd name="connsiteY8" fmla="*/ 1053692 h 1253721"/>
+              <a:gd name="connsiteX9" fmla="*/ 0 w 1724025"/>
+              <a:gd name="connsiteY9" fmla="*/ 82150 h 1253721"/>
+              <a:gd name="connsiteX0" fmla="*/ 0 w 1724025"/>
+              <a:gd name="connsiteY0" fmla="*/ 82150 h 1253721"/>
+              <a:gd name="connsiteX1" fmla="*/ 152404 w 1724025"/>
+              <a:gd name="connsiteY1" fmla="*/ 186921 h 1253721"/>
+              <a:gd name="connsiteX2" fmla="*/ 914400 w 1724025"/>
+              <a:gd name="connsiteY2" fmla="*/ 339322 h 1253721"/>
+              <a:gd name="connsiteX3" fmla="*/ 1571621 w 1724025"/>
+              <a:gd name="connsiteY3" fmla="*/ 205971 h 1253721"/>
+              <a:gd name="connsiteX4" fmla="*/ 1704975 w 1724025"/>
+              <a:gd name="connsiteY4" fmla="*/ 25000 h 1253721"/>
+              <a:gd name="connsiteX5" fmla="*/ 1724025 w 1724025"/>
+              <a:gd name="connsiteY5" fmla="*/ 1053692 h 1253721"/>
+              <a:gd name="connsiteX6" fmla="*/ 1523996 w 1724025"/>
+              <a:gd name="connsiteY6" fmla="*/ 1253721 h 1253721"/>
+              <a:gd name="connsiteX7" fmla="*/ 238129 w 1724025"/>
+              <a:gd name="connsiteY7" fmla="*/ 1253721 h 1253721"/>
+              <a:gd name="connsiteX8" fmla="*/ 38100 w 1724025"/>
+              <a:gd name="connsiteY8" fmla="*/ 1053692 h 1253721"/>
+              <a:gd name="connsiteX9" fmla="*/ 0 w 1724025"/>
+              <a:gd name="connsiteY9" fmla="*/ 82150 h 1253721"/>
+              <a:gd name="connsiteX0" fmla="*/ 0 w 1724025"/>
+              <a:gd name="connsiteY0" fmla="*/ 82150 h 1253721"/>
+              <a:gd name="connsiteX1" fmla="*/ 257179 w 1724025"/>
+              <a:gd name="connsiteY1" fmla="*/ 272646 h 1253721"/>
+              <a:gd name="connsiteX2" fmla="*/ 914400 w 1724025"/>
+              <a:gd name="connsiteY2" fmla="*/ 339322 h 1253721"/>
+              <a:gd name="connsiteX3" fmla="*/ 1571621 w 1724025"/>
+              <a:gd name="connsiteY3" fmla="*/ 205971 h 1253721"/>
+              <a:gd name="connsiteX4" fmla="*/ 1704975 w 1724025"/>
+              <a:gd name="connsiteY4" fmla="*/ 25000 h 1253721"/>
+              <a:gd name="connsiteX5" fmla="*/ 1724025 w 1724025"/>
+              <a:gd name="connsiteY5" fmla="*/ 1053692 h 1253721"/>
+              <a:gd name="connsiteX6" fmla="*/ 1523996 w 1724025"/>
+              <a:gd name="connsiteY6" fmla="*/ 1253721 h 1253721"/>
+              <a:gd name="connsiteX7" fmla="*/ 238129 w 1724025"/>
+              <a:gd name="connsiteY7" fmla="*/ 1253721 h 1253721"/>
+              <a:gd name="connsiteX8" fmla="*/ 38100 w 1724025"/>
+              <a:gd name="connsiteY8" fmla="*/ 1053692 h 1253721"/>
+              <a:gd name="connsiteX9" fmla="*/ 0 w 1724025"/>
+              <a:gd name="connsiteY9" fmla="*/ 82150 h 1253721"/>
+              <a:gd name="connsiteX0" fmla="*/ 0 w 1752600"/>
+              <a:gd name="connsiteY0" fmla="*/ 72625 h 1253721"/>
+              <a:gd name="connsiteX1" fmla="*/ 285754 w 1752600"/>
+              <a:gd name="connsiteY1" fmla="*/ 272646 h 1253721"/>
+              <a:gd name="connsiteX2" fmla="*/ 942975 w 1752600"/>
+              <a:gd name="connsiteY2" fmla="*/ 339322 h 1253721"/>
+              <a:gd name="connsiteX3" fmla="*/ 1600196 w 1752600"/>
+              <a:gd name="connsiteY3" fmla="*/ 205971 h 1253721"/>
+              <a:gd name="connsiteX4" fmla="*/ 1733550 w 1752600"/>
+              <a:gd name="connsiteY4" fmla="*/ 25000 h 1253721"/>
+              <a:gd name="connsiteX5" fmla="*/ 1752600 w 1752600"/>
+              <a:gd name="connsiteY5" fmla="*/ 1053692 h 1253721"/>
+              <a:gd name="connsiteX6" fmla="*/ 1552571 w 1752600"/>
+              <a:gd name="connsiteY6" fmla="*/ 1253721 h 1253721"/>
+              <a:gd name="connsiteX7" fmla="*/ 266704 w 1752600"/>
+              <a:gd name="connsiteY7" fmla="*/ 1253721 h 1253721"/>
+              <a:gd name="connsiteX8" fmla="*/ 66675 w 1752600"/>
+              <a:gd name="connsiteY8" fmla="*/ 1053692 h 1253721"/>
+              <a:gd name="connsiteX9" fmla="*/ 0 w 1752600"/>
+              <a:gd name="connsiteY9" fmla="*/ 72625 h 1253721"/>
+            </a:gdLst>
+            <a:ahLst/>
+            <a:cxnLst>
+              <a:cxn ang="0">
+                <a:pos x="connsiteX0" y="connsiteY0"/>
+              </a:cxn>
+              <a:cxn ang="0">
+                <a:pos x="connsiteX1" y="connsiteY1"/>
+              </a:cxn>
+              <a:cxn ang="0">
+                <a:pos x="connsiteX2" y="connsiteY2"/>
+              </a:cxn>
+              <a:cxn ang="0">
+                <a:pos x="connsiteX3" y="connsiteY3"/>
+              </a:cxn>
+              <a:cxn ang="0">
+                <a:pos x="connsiteX4" y="connsiteY4"/>
+              </a:cxn>
+              <a:cxn ang="0">
+                <a:pos x="connsiteX5" y="connsiteY5"/>
+              </a:cxn>
+              <a:cxn ang="0">
+                <a:pos x="connsiteX6" y="connsiteY6"/>
+              </a:cxn>
+              <a:cxn ang="0">
+                <a:pos x="connsiteX7" y="connsiteY7"/>
+              </a:cxn>
+              <a:cxn ang="0">
+                <a:pos x="connsiteX8" y="connsiteY8"/>
+              </a:cxn>
+              <a:cxn ang="0">
+                <a:pos x="connsiteX9" y="connsiteY9"/>
+              </a:cxn>
+            </a:cxnLst>
+            <a:rect l="l" t="t" r="r" b="b"/>
+            <a:pathLst>
+              <a:path w="1752600" h="1253721">
+                <a:moveTo>
+                  <a:pt x="0" y="72625"/>
+                </a:moveTo>
+                <a:cubicBezTo>
+                  <a:pt x="0" y="-37848"/>
+                  <a:pt x="175281" y="272646"/>
+                  <a:pt x="285754" y="272646"/>
+                </a:cubicBezTo>
+                <a:cubicBezTo>
+                  <a:pt x="433392" y="293283"/>
+                  <a:pt x="706439" y="336147"/>
+                  <a:pt x="942975" y="339322"/>
+                </a:cubicBezTo>
+                <a:cubicBezTo>
+                  <a:pt x="1179511" y="342497"/>
+                  <a:pt x="1463671" y="236133"/>
+                  <a:pt x="1600196" y="205971"/>
+                </a:cubicBezTo>
+                <a:cubicBezTo>
+                  <a:pt x="1710669" y="205971"/>
+                  <a:pt x="1733550" y="-85473"/>
+                  <a:pt x="1733550" y="25000"/>
+                </a:cubicBezTo>
+                <a:lnTo>
+                  <a:pt x="1752600" y="1053692"/>
+                </a:lnTo>
+                <a:cubicBezTo>
+                  <a:pt x="1752600" y="1164165"/>
+                  <a:pt x="1663044" y="1253721"/>
+                  <a:pt x="1552571" y="1253721"/>
+                </a:cubicBezTo>
+                <a:lnTo>
+                  <a:pt x="266704" y="1253721"/>
+                </a:lnTo>
+                <a:cubicBezTo>
+                  <a:pt x="156231" y="1253721"/>
+                  <a:pt x="66675" y="1164165"/>
+                  <a:pt x="66675" y="1053692"/>
+                </a:cubicBezTo>
+                <a:lnTo>
+                  <a:pt x="0" y="72625"/>
+                </a:lnTo>
+                <a:close/>
+              </a:path>
+            </a:pathLst>
+          </a:custGeom>
+          <a:solidFill>
+            <a:srgbClr val="16A417"/>
+          </a:solidFill>
+          <a:ln w="25400">
+            <a:solidFill>
+              <a:schemeClr val="tx1"/>
+            </a:solidFill>
+          </a:ln>
+        </p:spPr>
+        <p:style>
+          <a:lnRef idx="2">
+            <a:schemeClr val="accent1">
+              <a:shade val="50000"/>
+            </a:schemeClr>
+          </a:lnRef>
+          <a:fillRef idx="1">
+            <a:schemeClr val="accent1"/>
+          </a:fillRef>
+          <a:effectRef idx="0">
+            <a:schemeClr val="accent1"/>
+          </a:effectRef>
+          <a:fontRef idx="minor">
+            <a:schemeClr val="lt1"/>
+          </a:fontRef>
+        </p:style>
+        <p:txBody>
+          <a:bodyPr rtlCol="0" anchor="ctr"/>
+          <a:lstStyle/>
+          <a:p>
+            <a:pPr algn="ctr"/>
+            <a:endParaRPr lang="pt-BR"/>
+          </a:p>
+        </p:txBody>
+      </p:sp>
+      <p:sp>
+        <p:nvSpPr>
+          <p:cNvPr id="29" name="Rectangle 21">
+            <a:extLst>
+              <a:ext uri="{FF2B5EF4-FFF2-40B4-BE49-F238E27FC236}">
+                <a16:creationId xmlns:a16="http://schemas.microsoft.com/office/drawing/2014/main" id="{1FA451C5-1437-43B4-B0A6-7CF0695239A7}"/>
+              </a:ext>
+            </a:extLst>
+          </p:cNvPr>
+          <p:cNvSpPr/>
+          <p:nvPr/>
+        </p:nvSpPr>
+        <p:spPr>
+          <a:xfrm>
+            <a:off x="7252555" y="5012775"/>
+            <a:ext cx="422756" cy="628446"/>
+          </a:xfrm>
+          <a:custGeom>
+            <a:avLst/>
+            <a:gdLst>
+              <a:gd name="connsiteX0" fmla="*/ 0 w 363490"/>
+              <a:gd name="connsiteY0" fmla="*/ 0 h 628446"/>
+              <a:gd name="connsiteX1" fmla="*/ 363490 w 363490"/>
+              <a:gd name="connsiteY1" fmla="*/ 0 h 628446"/>
+              <a:gd name="connsiteX2" fmla="*/ 363490 w 363490"/>
+              <a:gd name="connsiteY2" fmla="*/ 628446 h 628446"/>
+              <a:gd name="connsiteX3" fmla="*/ 0 w 363490"/>
+              <a:gd name="connsiteY3" fmla="*/ 628446 h 628446"/>
+              <a:gd name="connsiteX4" fmla="*/ 0 w 363490"/>
+              <a:gd name="connsiteY4" fmla="*/ 0 h 628446"/>
+              <a:gd name="connsiteX0" fmla="*/ 0 w 363490"/>
+              <a:gd name="connsiteY0" fmla="*/ 0 h 628446"/>
+              <a:gd name="connsiteX1" fmla="*/ 363490 w 363490"/>
+              <a:gd name="connsiteY1" fmla="*/ 0 h 628446"/>
+              <a:gd name="connsiteX2" fmla="*/ 363490 w 363490"/>
+              <a:gd name="connsiteY2" fmla="*/ 628446 h 628446"/>
+              <a:gd name="connsiteX3" fmla="*/ 0 w 363490"/>
+              <a:gd name="connsiteY3" fmla="*/ 628446 h 628446"/>
+              <a:gd name="connsiteX4" fmla="*/ 0 w 363490"/>
+              <a:gd name="connsiteY4" fmla="*/ 0 h 628446"/>
+              <a:gd name="connsiteX0" fmla="*/ 0 w 363490"/>
+              <a:gd name="connsiteY0" fmla="*/ 0 h 628446"/>
+              <a:gd name="connsiteX1" fmla="*/ 363490 w 363490"/>
+              <a:gd name="connsiteY1" fmla="*/ 0 h 628446"/>
+              <a:gd name="connsiteX2" fmla="*/ 363490 w 363490"/>
+              <a:gd name="connsiteY2" fmla="*/ 628446 h 628446"/>
+              <a:gd name="connsiteX3" fmla="*/ 0 w 363490"/>
+              <a:gd name="connsiteY3" fmla="*/ 628446 h 628446"/>
+              <a:gd name="connsiteX4" fmla="*/ 0 w 363490"/>
+              <a:gd name="connsiteY4" fmla="*/ 0 h 628446"/>
+              <a:gd name="connsiteX0" fmla="*/ 0 w 363490"/>
+              <a:gd name="connsiteY0" fmla="*/ 0 h 628446"/>
+              <a:gd name="connsiteX1" fmla="*/ 363490 w 363490"/>
+              <a:gd name="connsiteY1" fmla="*/ 0 h 628446"/>
+              <a:gd name="connsiteX2" fmla="*/ 363490 w 363490"/>
+              <a:gd name="connsiteY2" fmla="*/ 628446 h 628446"/>
+              <a:gd name="connsiteX3" fmla="*/ 0 w 363490"/>
+              <a:gd name="connsiteY3" fmla="*/ 628446 h 628446"/>
+              <a:gd name="connsiteX4" fmla="*/ 0 w 363490"/>
+              <a:gd name="connsiteY4" fmla="*/ 0 h 628446"/>
+              <a:gd name="connsiteX0" fmla="*/ 0 w 397356"/>
+              <a:gd name="connsiteY0" fmla="*/ 0 h 628446"/>
+              <a:gd name="connsiteX1" fmla="*/ 363490 w 397356"/>
+              <a:gd name="connsiteY1" fmla="*/ 0 h 628446"/>
+              <a:gd name="connsiteX2" fmla="*/ 363490 w 397356"/>
+              <a:gd name="connsiteY2" fmla="*/ 628446 h 628446"/>
+              <a:gd name="connsiteX3" fmla="*/ 0 w 397356"/>
+              <a:gd name="connsiteY3" fmla="*/ 628446 h 628446"/>
+              <a:gd name="connsiteX4" fmla="*/ 0 w 397356"/>
+              <a:gd name="connsiteY4" fmla="*/ 0 h 628446"/>
+              <a:gd name="connsiteX0" fmla="*/ 0 w 397356"/>
+              <a:gd name="connsiteY0" fmla="*/ 0 h 628446"/>
+              <a:gd name="connsiteX1" fmla="*/ 363490 w 397356"/>
+              <a:gd name="connsiteY1" fmla="*/ 0 h 628446"/>
+              <a:gd name="connsiteX2" fmla="*/ 363490 w 397356"/>
+              <a:gd name="connsiteY2" fmla="*/ 628446 h 628446"/>
+              <a:gd name="connsiteX3" fmla="*/ 0 w 397356"/>
+              <a:gd name="connsiteY3" fmla="*/ 628446 h 628446"/>
+              <a:gd name="connsiteX4" fmla="*/ 0 w 397356"/>
+              <a:gd name="connsiteY4" fmla="*/ 0 h 628446"/>
+              <a:gd name="connsiteX0" fmla="*/ 25400 w 422756"/>
+              <a:gd name="connsiteY0" fmla="*/ 0 h 628446"/>
+              <a:gd name="connsiteX1" fmla="*/ 388890 w 422756"/>
+              <a:gd name="connsiteY1" fmla="*/ 0 h 628446"/>
+              <a:gd name="connsiteX2" fmla="*/ 388890 w 422756"/>
+              <a:gd name="connsiteY2" fmla="*/ 628446 h 628446"/>
+              <a:gd name="connsiteX3" fmla="*/ 25400 w 422756"/>
+              <a:gd name="connsiteY3" fmla="*/ 628446 h 628446"/>
+              <a:gd name="connsiteX4" fmla="*/ 25400 w 422756"/>
+              <a:gd name="connsiteY4" fmla="*/ 0 h 628446"/>
+            </a:gdLst>
+            <a:ahLst/>
+            <a:cxnLst>
+              <a:cxn ang="0">
+                <a:pos x="connsiteX0" y="connsiteY0"/>
+              </a:cxn>
+              <a:cxn ang="0">
+                <a:pos x="connsiteX1" y="connsiteY1"/>
+              </a:cxn>
+              <a:cxn ang="0">
+                <a:pos x="connsiteX2" y="connsiteY2"/>
+              </a:cxn>
+              <a:cxn ang="0">
+                <a:pos x="connsiteX3" y="connsiteY3"/>
+              </a:cxn>
+              <a:cxn ang="0">
+                <a:pos x="connsiteX4" y="connsiteY4"/>
+              </a:cxn>
+            </a:cxnLst>
+            <a:rect l="l" t="t" r="r" b="b"/>
+            <a:pathLst>
+              <a:path w="422756" h="628446">
+                <a:moveTo>
+                  <a:pt x="25400" y="0"/>
+                </a:moveTo>
+                <a:cubicBezTo>
+                  <a:pt x="232288" y="47625"/>
+                  <a:pt x="267727" y="0"/>
+                  <a:pt x="388890" y="0"/>
+                </a:cubicBezTo>
+                <a:cubicBezTo>
+                  <a:pt x="465090" y="228532"/>
+                  <a:pt x="388890" y="418964"/>
+                  <a:pt x="388890" y="628446"/>
+                </a:cubicBezTo>
+                <a:lnTo>
+                  <a:pt x="25400" y="628446"/>
+                </a:lnTo>
+                <a:cubicBezTo>
+                  <a:pt x="25400" y="418964"/>
+                  <a:pt x="-31750" y="323782"/>
+                  <a:pt x="25400" y="0"/>
+                </a:cubicBezTo>
+                <a:close/>
+              </a:path>
+            </a:pathLst>
+          </a:custGeom>
+          <a:solidFill>
+            <a:schemeClr val="bg1"/>
+          </a:solidFill>
+          <a:ln>
+            <a:noFill/>
+          </a:ln>
+        </p:spPr>
+        <p:style>
+          <a:lnRef idx="2">
+            <a:schemeClr val="accent1">
+              <a:shade val="50000"/>
+            </a:schemeClr>
+          </a:lnRef>
+          <a:fillRef idx="1">
+            <a:schemeClr val="accent1"/>
+          </a:fillRef>
+          <a:effectRef idx="0">
+            <a:schemeClr val="accent1"/>
+          </a:effectRef>
+          <a:fontRef idx="minor">
+            <a:schemeClr val="lt1"/>
+          </a:fontRef>
+        </p:style>
+        <p:txBody>
+          <a:bodyPr rtlCol="0" anchor="ctr"/>
+          <a:lstStyle/>
+          <a:p>
+            <a:pPr algn="ctr"/>
+            <a:endParaRPr lang="pt-BR"/>
+          </a:p>
+        </p:txBody>
+      </p:sp>
+    </p:spTree>
+    <p:extLst>
+      <p:ext uri="{BB962C8B-B14F-4D97-AF65-F5344CB8AC3E}">
+        <p14:creationId xmlns:p14="http://schemas.microsoft.com/office/powerpoint/2010/main" val="3775567552"/>
+      </p:ext>
+    </p:extLst>
+  </p:cSld>
+  <p:clrMapOvr>
+    <a:masterClrMapping/>
+  </p:clrMapOvr>
+</p:sld>
+</file>
+
 <file path=ppt/theme/theme1.xml><?xml version="1.0" encoding="utf-8"?>
 <a:theme xmlns:a="http://schemas.openxmlformats.org/drawingml/2006/main" name="Office Theme">
   <a:themeElements>
